--- a/Pdc project.pptx
+++ b/Pdc project.pptx
@@ -1,45 +1,45 @@
 
 <file path=ppt/presentation.xml><?xml version="1.0" encoding="utf-8"?>
-<p:presentation xmlns:a="http://schemas.openxmlformats.org/drawingml/2006/main" xmlns:r="http://schemas.openxmlformats.org/officeDocument/2006/relationships" xmlns:p="http://schemas.openxmlformats.org/presentationml/2006/main" saveSubsetFonts="1" embedTrueTypeFonts="true">
+<p:presentation xmlns:a="http://schemas.openxmlformats.org/drawingml/2006/main" xmlns:r="http://schemas.openxmlformats.org/officeDocument/2006/relationships" xmlns:p="http://schemas.openxmlformats.org/presentationml/2006/main" embedTrueTypeFonts="1" saveSubsetFonts="1">
   <p:sldMasterIdLst>
     <p:sldMasterId id="2147483648" r:id="rId1"/>
   </p:sldMasterIdLst>
   <p:sldIdLst>
-    <p:sldId id="256" r:id="rId6"/>
-    <p:sldId id="257" r:id="rId7"/>
-    <p:sldId id="258" r:id="rId8"/>
-    <p:sldId id="259" r:id="rId9"/>
-    <p:sldId id="260" r:id="rId10"/>
-    <p:sldId id="261" r:id="rId11"/>
-    <p:sldId id="262" r:id="rId12"/>
-    <p:sldId id="263" r:id="rId13"/>
-    <p:sldId id="264" r:id="rId14"/>
-    <p:sldId id="265" r:id="rId15"/>
-    <p:sldId id="266" r:id="rId16"/>
-    <p:sldId id="267" r:id="rId17"/>
+    <p:sldId id="256" r:id="rId2"/>
+    <p:sldId id="257" r:id="rId3"/>
+    <p:sldId id="258" r:id="rId4"/>
+    <p:sldId id="259" r:id="rId5"/>
+    <p:sldId id="260" r:id="rId6"/>
+    <p:sldId id="261" r:id="rId7"/>
+    <p:sldId id="262" r:id="rId8"/>
+    <p:sldId id="263" r:id="rId9"/>
+    <p:sldId id="264" r:id="rId10"/>
+    <p:sldId id="265" r:id="rId11"/>
+    <p:sldId id="266" r:id="rId12"/>
+    <p:sldId id="267" r:id="rId13"/>
   </p:sldIdLst>
   <p:sldSz cx="18288000" cy="10287000"/>
   <p:notesSz cx="6858000" cy="9144000"/>
   <p:embeddedFontLst>
     <p:embeddedFont>
-      <p:font typeface="Purple Purse" charset="1" panose="02000504000000020003"/>
-      <p:regular r:id="rId18"/>
+      <p:font typeface="Circe" panose="020B0604020202020204" charset="0"/>
+      <p:regular r:id="rId14"/>
     </p:embeddedFont>
     <p:embeddedFont>
-      <p:font typeface="Circe" charset="1" panose="020B0502020203020203"/>
-      <p:regular r:id="rId19"/>
+      <p:font typeface="Circe Bold" panose="020B0604020202020204" charset="0"/>
+      <p:regular r:id="rId15"/>
     </p:embeddedFont>
     <p:embeddedFont>
-      <p:font typeface="Circe Bold" charset="1" panose="020B0602020203020203"/>
-      <p:regular r:id="rId20"/>
+      <p:font typeface="Mommi Bold" panose="020B0604020202020204" charset="-34"/>
+      <p:regular r:id="rId16"/>
     </p:embeddedFont>
     <p:embeddedFont>
-      <p:font typeface="Mommi Light" charset="1" panose="00000000000000000000"/>
-      <p:regular r:id="rId21"/>
+      <p:font typeface="Mommi Light" panose="020B0604020202020204" charset="-34"/>
+      <p:regular r:id="rId17"/>
     </p:embeddedFont>
     <p:embeddedFont>
-      <p:font typeface="Mommi Bold" charset="1" panose="00000000000000000000"/>
-      <p:regular r:id="rId22"/>
+      <p:font typeface="Purple Purse" panose="020B0604020202020204" charset="0"/>
+      <p:regular r:id="rId18"/>
     </p:embeddedFont>
   </p:embeddedFontLst>
   <p:defaultTextStyle>
@@ -137,7 +137,115 @@
       </a:defRPr>
     </a:lvl9pPr>
   </p:defaultTextStyle>
+  <p:extLst>
+    <p:ext uri="{EFAFB233-063F-42B5-8137-9DF3F51BA10A}">
+      <p15:sldGuideLst xmlns:p15="http://schemas.microsoft.com/office/powerpoint/2012/main">
+        <p15:guide id="1" orient="horz" pos="2160">
+          <p15:clr>
+            <a:srgbClr val="A4A3A4"/>
+          </p15:clr>
+        </p15:guide>
+        <p15:guide id="2" pos="2880">
+          <p15:clr>
+            <a:srgbClr val="A4A3A4"/>
+          </p15:clr>
+        </p15:guide>
+      </p15:sldGuideLst>
+    </p:ext>
+  </p:extLst>
 </p:presentation>
+</file>
+
+<file path=ppt/revisionInfo.xml><?xml version="1.0" encoding="utf-8"?>
+<p1510:revInfo xmlns:a="http://schemas.openxmlformats.org/drawingml/2006/main" xmlns:r="http://schemas.openxmlformats.org/officeDocument/2006/relationships" xmlns:p1510="http://schemas.microsoft.com/office/powerpoint/2015/10/main">
+  <p1510:revLst>
+    <p1510:client id="{C0682969-20F1-4E0F-BEFA-3CC3CAA3BB9D}" v="5" dt="2025-10-26T18:36:27.470"/>
+  </p1510:revLst>
+</p1510:revInfo>
+</file>
+
+<file path=ppt/changesInfos/changesInfo1.xml><?xml version="1.0" encoding="utf-8"?>
+<pc:chgInfo xmlns:a="http://schemas.openxmlformats.org/drawingml/2006/main" xmlns:r="http://schemas.openxmlformats.org/officeDocument/2006/relationships" xmlns:ac="http://schemas.microsoft.com/office/drawing/2013/main/command" xmlns:pc="http://schemas.microsoft.com/office/powerpoint/2013/main/command">
+  <pc:docChgLst>
+    <pc:chgData name="Nimmagadda Harsha Vardhan" userId="0a8e6b634a207ef0" providerId="LiveId" clId="{A581C4FD-387F-4C5B-BA5C-788231740E44}"/>
+    <pc:docChg chg="undo redo custSel addSld delSld modSld">
+      <pc:chgData name="Nimmagadda Harsha Vardhan" userId="0a8e6b634a207ef0" providerId="LiveId" clId="{A581C4FD-387F-4C5B-BA5C-788231740E44}" dt="2025-10-26T18:39:21.906" v="391" actId="20577"/>
+      <pc:docMkLst>
+        <pc:docMk/>
+      </pc:docMkLst>
+      <pc:sldChg chg="addSp delSp modSp mod modClrScheme chgLayout">
+        <pc:chgData name="Nimmagadda Harsha Vardhan" userId="0a8e6b634a207ef0" providerId="LiveId" clId="{A581C4FD-387F-4C5B-BA5C-788231740E44}" dt="2025-10-26T18:39:21.906" v="391" actId="20577"/>
+        <pc:sldMkLst>
+          <pc:docMk/>
+          <pc:sldMk cId="0" sldId="267"/>
+        </pc:sldMkLst>
+        <pc:spChg chg="mod">
+          <ac:chgData name="Nimmagadda Harsha Vardhan" userId="0a8e6b634a207ef0" providerId="LiveId" clId="{A581C4FD-387F-4C5B-BA5C-788231740E44}" dt="2025-10-26T18:34:06.783" v="190" actId="255"/>
+          <ac:spMkLst>
+            <pc:docMk/>
+            <pc:sldMk cId="0" sldId="267"/>
+            <ac:spMk id="10" creationId="{00000000-0000-0000-0000-000000000000}"/>
+          </ac:spMkLst>
+        </pc:spChg>
+        <pc:spChg chg="add del mod ord">
+          <ac:chgData name="Nimmagadda Harsha Vardhan" userId="0a8e6b634a207ef0" providerId="LiveId" clId="{A581C4FD-387F-4C5B-BA5C-788231740E44}" dt="2025-10-26T18:33:52.136" v="187" actId="478"/>
+          <ac:spMkLst>
+            <pc:docMk/>
+            <pc:sldMk cId="0" sldId="267"/>
+            <ac:spMk id="20" creationId="{D1B17AD3-DA65-CBDC-64B3-E23C17AD9026}"/>
+          </ac:spMkLst>
+        </pc:spChg>
+        <pc:spChg chg="add del mod ord">
+          <ac:chgData name="Nimmagadda Harsha Vardhan" userId="0a8e6b634a207ef0" providerId="LiveId" clId="{A581C4FD-387F-4C5B-BA5C-788231740E44}" dt="2025-10-26T18:33:47.749" v="185" actId="478"/>
+          <ac:spMkLst>
+            <pc:docMk/>
+            <pc:sldMk cId="0" sldId="267"/>
+            <ac:spMk id="21" creationId="{946CC5AC-866E-F09B-6EFC-53756276B47C}"/>
+          </ac:spMkLst>
+        </pc:spChg>
+        <pc:spChg chg="add del mod">
+          <ac:chgData name="Nimmagadda Harsha Vardhan" userId="0a8e6b634a207ef0" providerId="LiveId" clId="{A581C4FD-387F-4C5B-BA5C-788231740E44}" dt="2025-10-26T18:33:56.156" v="189" actId="478"/>
+          <ac:spMkLst>
+            <pc:docMk/>
+            <pc:sldMk cId="0" sldId="267"/>
+            <ac:spMk id="23" creationId="{A4C4D9EA-9A37-1871-C14F-32B92FC2D5CF}"/>
+          </ac:spMkLst>
+        </pc:spChg>
+        <pc:spChg chg="add mod ord">
+          <ac:chgData name="Nimmagadda Harsha Vardhan" userId="0a8e6b634a207ef0" providerId="LiveId" clId="{A581C4FD-387F-4C5B-BA5C-788231740E44}" dt="2025-10-26T18:39:21.906" v="391" actId="20577"/>
+          <ac:spMkLst>
+            <pc:docMk/>
+            <pc:sldMk cId="0" sldId="267"/>
+            <ac:spMk id="24" creationId="{8D57AC63-0439-3F2F-5F62-78C4B8C7A632}"/>
+          </ac:spMkLst>
+        </pc:spChg>
+        <pc:spChg chg="add del mod ord">
+          <ac:chgData name="Nimmagadda Harsha Vardhan" userId="0a8e6b634a207ef0" providerId="LiveId" clId="{A581C4FD-387F-4C5B-BA5C-788231740E44}" dt="2025-10-26T18:36:54.441" v="367" actId="478"/>
+          <ac:spMkLst>
+            <pc:docMk/>
+            <pc:sldMk cId="0" sldId="267"/>
+            <ac:spMk id="25" creationId="{809D4DD5-78E4-6AB6-C4C8-427DB9979E84}"/>
+          </ac:spMkLst>
+        </pc:spChg>
+        <pc:spChg chg="add del">
+          <ac:chgData name="Nimmagadda Harsha Vardhan" userId="0a8e6b634a207ef0" providerId="LiveId" clId="{A581C4FD-387F-4C5B-BA5C-788231740E44}" dt="2025-10-26T18:36:47.983" v="366" actId="22"/>
+          <ac:spMkLst>
+            <pc:docMk/>
+            <pc:sldMk cId="0" sldId="267"/>
+            <ac:spMk id="27" creationId="{D880B56F-F4C5-533C-4621-D634580C693D}"/>
+          </ac:spMkLst>
+        </pc:spChg>
+      </pc:sldChg>
+      <pc:sldChg chg="new del">
+        <pc:chgData name="Nimmagadda Harsha Vardhan" userId="0a8e6b634a207ef0" providerId="LiveId" clId="{A581C4FD-387F-4C5B-BA5C-788231740E44}" dt="2025-10-26T18:29:00.765" v="4" actId="47"/>
+        <pc:sldMkLst>
+          <pc:docMk/>
+          <pc:sldMk cId="1739634390" sldId="268"/>
+        </pc:sldMkLst>
+      </pc:sldChg>
+    </pc:docChg>
+  </pc:docChgLst>
+</pc:chgInfo>
 </file>
 
 <file path=ppt/slideLayouts/slideLayout1.xml><?xml version="1.0" encoding="utf-8"?>
@@ -178,10 +286,9 @@
           <a:lstStyle/>
           <a:p>
             <a:r>
-              <a:rPr lang="en-US" smtClean="0"/>
+              <a:rPr lang="en-US"/>
               <a:t>Click to edit Master title style</a:t>
             </a:r>
-            <a:endParaRPr lang="en-US"/>
           </a:p>
         </p:txBody>
       </p:sp>
@@ -297,10 +404,9 @@
           </a:lstStyle>
           <a:p>
             <a:r>
-              <a:rPr lang="en-US" smtClean="0"/>
+              <a:rPr lang="en-US"/>
               <a:t>Click to edit Master subtitle style</a:t>
             </a:r>
-            <a:endParaRPr lang="en-US"/>
           </a:p>
         </p:txBody>
       </p:sp>
@@ -322,7 +428,7 @@
             <a:fld id="{1D8BD707-D9CF-40AE-B4C6-C98DA3205C09}" type="datetimeFigureOut">
               <a:rPr lang="en-US" smtClean="0"/>
               <a:pPr/>
-              <a:t>8/1/2011</a:t>
+              <a:t>10/26/2025</a:t>
             </a:fld>
             <a:endParaRPr lang="en-US"/>
           </a:p>
@@ -412,10 +518,9 @@
           <a:lstStyle/>
           <a:p>
             <a:r>
-              <a:rPr lang="en-US" smtClean="0"/>
+              <a:rPr lang="en-US"/>
               <a:t>Click to edit Master title style</a:t>
             </a:r>
-            <a:endParaRPr lang="en-US"/>
           </a:p>
         </p:txBody>
       </p:sp>
@@ -436,38 +541,37 @@
           <a:p>
             <a:pPr lvl="0"/>
             <a:r>
-              <a:rPr lang="en-US" smtClean="0"/>
+              <a:rPr lang="en-US"/>
               <a:t>Click to edit Master text styles</a:t>
             </a:r>
           </a:p>
           <a:p>
             <a:pPr lvl="1"/>
             <a:r>
-              <a:rPr lang="en-US" smtClean="0"/>
+              <a:rPr lang="en-US"/>
               <a:t>Second level</a:t>
             </a:r>
           </a:p>
           <a:p>
             <a:pPr lvl="2"/>
             <a:r>
-              <a:rPr lang="en-US" smtClean="0"/>
+              <a:rPr lang="en-US"/>
               <a:t>Third level</a:t>
             </a:r>
           </a:p>
           <a:p>
             <a:pPr lvl="3"/>
             <a:r>
-              <a:rPr lang="en-US" smtClean="0"/>
+              <a:rPr lang="en-US"/>
               <a:t>Fourth level</a:t>
             </a:r>
           </a:p>
           <a:p>
             <a:pPr lvl="4"/>
             <a:r>
-              <a:rPr lang="en-US" smtClean="0"/>
+              <a:rPr lang="en-US"/>
               <a:t>Fifth level</a:t>
             </a:r>
-            <a:endParaRPr lang="en-US"/>
           </a:p>
         </p:txBody>
       </p:sp>
@@ -489,7 +593,7 @@
             <a:fld id="{1D8BD707-D9CF-40AE-B4C6-C98DA3205C09}" type="datetimeFigureOut">
               <a:rPr lang="en-US" smtClean="0"/>
               <a:pPr/>
-              <a:t>8/1/2011</a:t>
+              <a:t>10/26/2025</a:t>
             </a:fld>
             <a:endParaRPr lang="en-US"/>
           </a:p>
@@ -584,10 +688,9 @@
           <a:lstStyle/>
           <a:p>
             <a:r>
-              <a:rPr lang="en-US" smtClean="0"/>
+              <a:rPr lang="en-US"/>
               <a:t>Click to edit Master title style</a:t>
             </a:r>
-            <a:endParaRPr lang="en-US"/>
           </a:p>
         </p:txBody>
       </p:sp>
@@ -613,38 +716,37 @@
           <a:p>
             <a:pPr lvl="0"/>
             <a:r>
-              <a:rPr lang="en-US" smtClean="0"/>
+              <a:rPr lang="en-US"/>
               <a:t>Click to edit Master text styles</a:t>
             </a:r>
           </a:p>
           <a:p>
             <a:pPr lvl="1"/>
             <a:r>
-              <a:rPr lang="en-US" smtClean="0"/>
+              <a:rPr lang="en-US"/>
               <a:t>Second level</a:t>
             </a:r>
           </a:p>
           <a:p>
             <a:pPr lvl="2"/>
             <a:r>
-              <a:rPr lang="en-US" smtClean="0"/>
+              <a:rPr lang="en-US"/>
               <a:t>Third level</a:t>
             </a:r>
           </a:p>
           <a:p>
             <a:pPr lvl="3"/>
             <a:r>
-              <a:rPr lang="en-US" smtClean="0"/>
+              <a:rPr lang="en-US"/>
               <a:t>Fourth level</a:t>
             </a:r>
           </a:p>
           <a:p>
             <a:pPr lvl="4"/>
             <a:r>
-              <a:rPr lang="en-US" smtClean="0"/>
+              <a:rPr lang="en-US"/>
               <a:t>Fifth level</a:t>
             </a:r>
-            <a:endParaRPr lang="en-US"/>
           </a:p>
         </p:txBody>
       </p:sp>
@@ -666,7 +768,7 @@
             <a:fld id="{1D8BD707-D9CF-40AE-B4C6-C98DA3205C09}" type="datetimeFigureOut">
               <a:rPr lang="en-US" smtClean="0"/>
               <a:pPr/>
-              <a:t>8/1/2011</a:t>
+              <a:t>10/26/2025</a:t>
             </a:fld>
             <a:endParaRPr lang="en-US"/>
           </a:p>
@@ -756,10 +858,9 @@
           <a:lstStyle/>
           <a:p>
             <a:r>
-              <a:rPr lang="en-US" smtClean="0"/>
+              <a:rPr lang="en-US"/>
               <a:t>Click to edit Master title style</a:t>
             </a:r>
-            <a:endParaRPr lang="en-US"/>
           </a:p>
         </p:txBody>
       </p:sp>
@@ -780,38 +881,37 @@
           <a:p>
             <a:pPr lvl="0"/>
             <a:r>
-              <a:rPr lang="en-US" smtClean="0"/>
+              <a:rPr lang="en-US"/>
               <a:t>Click to edit Master text styles</a:t>
             </a:r>
           </a:p>
           <a:p>
             <a:pPr lvl="1"/>
             <a:r>
-              <a:rPr lang="en-US" smtClean="0"/>
+              <a:rPr lang="en-US"/>
               <a:t>Second level</a:t>
             </a:r>
           </a:p>
           <a:p>
             <a:pPr lvl="2"/>
             <a:r>
-              <a:rPr lang="en-US" smtClean="0"/>
+              <a:rPr lang="en-US"/>
               <a:t>Third level</a:t>
             </a:r>
           </a:p>
           <a:p>
             <a:pPr lvl="3"/>
             <a:r>
-              <a:rPr lang="en-US" smtClean="0"/>
+              <a:rPr lang="en-US"/>
               <a:t>Fourth level</a:t>
             </a:r>
           </a:p>
           <a:p>
             <a:pPr lvl="4"/>
             <a:r>
-              <a:rPr lang="en-US" smtClean="0"/>
+              <a:rPr lang="en-US"/>
               <a:t>Fifth level</a:t>
             </a:r>
-            <a:endParaRPr lang="en-US"/>
           </a:p>
         </p:txBody>
       </p:sp>
@@ -833,7 +933,7 @@
             <a:fld id="{1D8BD707-D9CF-40AE-B4C6-C98DA3205C09}" type="datetimeFigureOut">
               <a:rPr lang="en-US" smtClean="0"/>
               <a:pPr/>
-              <a:t>8/1/2011</a:t>
+              <a:t>10/26/2025</a:t>
             </a:fld>
             <a:endParaRPr lang="en-US"/>
           </a:p>
@@ -932,10 +1032,9 @@
           </a:lstStyle>
           <a:p>
             <a:r>
-              <a:rPr lang="en-US" smtClean="0"/>
+              <a:rPr lang="en-US"/>
               <a:t>Click to edit Master title style</a:t>
             </a:r>
-            <a:endParaRPr lang="en-US"/>
           </a:p>
         </p:txBody>
       </p:sp>
@@ -1052,7 +1151,7 @@
           <a:p>
             <a:pPr lvl="0"/>
             <a:r>
-              <a:rPr lang="en-US" smtClean="0"/>
+              <a:rPr lang="en-US"/>
               <a:t>Click to edit Master text styles</a:t>
             </a:r>
           </a:p>
@@ -1076,7 +1175,7 @@
             <a:fld id="{1D8BD707-D9CF-40AE-B4C6-C98DA3205C09}" type="datetimeFigureOut">
               <a:rPr lang="en-US" smtClean="0"/>
               <a:pPr/>
-              <a:t>8/1/2011</a:t>
+              <a:t>10/26/2025</a:t>
             </a:fld>
             <a:endParaRPr lang="en-US"/>
           </a:p>
@@ -1166,10 +1265,9 @@
           <a:lstStyle/>
           <a:p>
             <a:r>
-              <a:rPr lang="en-US" smtClean="0"/>
+              <a:rPr lang="en-US"/>
               <a:t>Click to edit Master title style</a:t>
             </a:r>
-            <a:endParaRPr lang="en-US"/>
           </a:p>
         </p:txBody>
       </p:sp>
@@ -1223,38 +1321,37 @@
           <a:p>
             <a:pPr lvl="0"/>
             <a:r>
-              <a:rPr lang="en-US" smtClean="0"/>
+              <a:rPr lang="en-US"/>
               <a:t>Click to edit Master text styles</a:t>
             </a:r>
           </a:p>
           <a:p>
             <a:pPr lvl="1"/>
             <a:r>
-              <a:rPr lang="en-US" smtClean="0"/>
+              <a:rPr lang="en-US"/>
               <a:t>Second level</a:t>
             </a:r>
           </a:p>
           <a:p>
             <a:pPr lvl="2"/>
             <a:r>
-              <a:rPr lang="en-US" smtClean="0"/>
+              <a:rPr lang="en-US"/>
               <a:t>Third level</a:t>
             </a:r>
           </a:p>
           <a:p>
             <a:pPr lvl="3"/>
             <a:r>
-              <a:rPr lang="en-US" smtClean="0"/>
+              <a:rPr lang="en-US"/>
               <a:t>Fourth level</a:t>
             </a:r>
           </a:p>
           <a:p>
             <a:pPr lvl="4"/>
             <a:r>
-              <a:rPr lang="en-US" smtClean="0"/>
+              <a:rPr lang="en-US"/>
               <a:t>Fifth level</a:t>
             </a:r>
-            <a:endParaRPr lang="en-US"/>
           </a:p>
         </p:txBody>
       </p:sp>
@@ -1308,38 +1405,37 @@
           <a:p>
             <a:pPr lvl="0"/>
             <a:r>
-              <a:rPr lang="en-US" smtClean="0"/>
+              <a:rPr lang="en-US"/>
               <a:t>Click to edit Master text styles</a:t>
             </a:r>
           </a:p>
           <a:p>
             <a:pPr lvl="1"/>
             <a:r>
-              <a:rPr lang="en-US" smtClean="0"/>
+              <a:rPr lang="en-US"/>
               <a:t>Second level</a:t>
             </a:r>
           </a:p>
           <a:p>
             <a:pPr lvl="2"/>
             <a:r>
-              <a:rPr lang="en-US" smtClean="0"/>
+              <a:rPr lang="en-US"/>
               <a:t>Third level</a:t>
             </a:r>
           </a:p>
           <a:p>
             <a:pPr lvl="3"/>
             <a:r>
-              <a:rPr lang="en-US" smtClean="0"/>
+              <a:rPr lang="en-US"/>
               <a:t>Fourth level</a:t>
             </a:r>
           </a:p>
           <a:p>
             <a:pPr lvl="4"/>
             <a:r>
-              <a:rPr lang="en-US" smtClean="0"/>
+              <a:rPr lang="en-US"/>
               <a:t>Fifth level</a:t>
             </a:r>
-            <a:endParaRPr lang="en-US"/>
           </a:p>
         </p:txBody>
       </p:sp>
@@ -1361,7 +1457,7 @@
             <a:fld id="{1D8BD707-D9CF-40AE-B4C6-C98DA3205C09}" type="datetimeFigureOut">
               <a:rPr lang="en-US" smtClean="0"/>
               <a:pPr/>
-              <a:t>8/1/2011</a:t>
+              <a:t>10/26/2025</a:t>
             </a:fld>
             <a:endParaRPr lang="en-US"/>
           </a:p>
@@ -1455,10 +1551,9 @@
           </a:lstStyle>
           <a:p>
             <a:r>
-              <a:rPr lang="en-US" smtClean="0"/>
+              <a:rPr lang="en-US"/>
               <a:t>Click to edit Master title style</a:t>
             </a:r>
-            <a:endParaRPr lang="en-US"/>
           </a:p>
         </p:txBody>
       </p:sp>
@@ -1521,7 +1616,7 @@
           <a:p>
             <a:pPr lvl="0"/>
             <a:r>
-              <a:rPr lang="en-US" smtClean="0"/>
+              <a:rPr lang="en-US"/>
               <a:t>Click to edit Master text styles</a:t>
             </a:r>
           </a:p>
@@ -1577,38 +1672,37 @@
           <a:p>
             <a:pPr lvl="0"/>
             <a:r>
-              <a:rPr lang="en-US" smtClean="0"/>
+              <a:rPr lang="en-US"/>
               <a:t>Click to edit Master text styles</a:t>
             </a:r>
           </a:p>
           <a:p>
             <a:pPr lvl="1"/>
             <a:r>
-              <a:rPr lang="en-US" smtClean="0"/>
+              <a:rPr lang="en-US"/>
               <a:t>Second level</a:t>
             </a:r>
           </a:p>
           <a:p>
             <a:pPr lvl="2"/>
             <a:r>
-              <a:rPr lang="en-US" smtClean="0"/>
+              <a:rPr lang="en-US"/>
               <a:t>Third level</a:t>
             </a:r>
           </a:p>
           <a:p>
             <a:pPr lvl="3"/>
             <a:r>
-              <a:rPr lang="en-US" smtClean="0"/>
+              <a:rPr lang="en-US"/>
               <a:t>Fourth level</a:t>
             </a:r>
           </a:p>
           <a:p>
             <a:pPr lvl="4"/>
             <a:r>
-              <a:rPr lang="en-US" smtClean="0"/>
+              <a:rPr lang="en-US"/>
               <a:t>Fifth level</a:t>
             </a:r>
-            <a:endParaRPr lang="en-US"/>
           </a:p>
         </p:txBody>
       </p:sp>
@@ -1671,7 +1765,7 @@
           <a:p>
             <a:pPr lvl="0"/>
             <a:r>
-              <a:rPr lang="en-US" smtClean="0"/>
+              <a:rPr lang="en-US"/>
               <a:t>Click to edit Master text styles</a:t>
             </a:r>
           </a:p>
@@ -1727,38 +1821,37 @@
           <a:p>
             <a:pPr lvl="0"/>
             <a:r>
-              <a:rPr lang="en-US" smtClean="0"/>
+              <a:rPr lang="en-US"/>
               <a:t>Click to edit Master text styles</a:t>
             </a:r>
           </a:p>
           <a:p>
             <a:pPr lvl="1"/>
             <a:r>
-              <a:rPr lang="en-US" smtClean="0"/>
+              <a:rPr lang="en-US"/>
               <a:t>Second level</a:t>
             </a:r>
           </a:p>
           <a:p>
             <a:pPr lvl="2"/>
             <a:r>
-              <a:rPr lang="en-US" smtClean="0"/>
+              <a:rPr lang="en-US"/>
               <a:t>Third level</a:t>
             </a:r>
           </a:p>
           <a:p>
             <a:pPr lvl="3"/>
             <a:r>
-              <a:rPr lang="en-US" smtClean="0"/>
+              <a:rPr lang="en-US"/>
               <a:t>Fourth level</a:t>
             </a:r>
           </a:p>
           <a:p>
             <a:pPr lvl="4"/>
             <a:r>
-              <a:rPr lang="en-US" smtClean="0"/>
+              <a:rPr lang="en-US"/>
               <a:t>Fifth level</a:t>
             </a:r>
-            <a:endParaRPr lang="en-US"/>
           </a:p>
         </p:txBody>
       </p:sp>
@@ -1780,7 +1873,7 @@
             <a:fld id="{1D8BD707-D9CF-40AE-B4C6-C98DA3205C09}" type="datetimeFigureOut">
               <a:rPr lang="en-US" smtClean="0"/>
               <a:pPr/>
-              <a:t>8/1/2011</a:t>
+              <a:t>10/26/2025</a:t>
             </a:fld>
             <a:endParaRPr lang="en-US"/>
           </a:p>
@@ -1870,10 +1963,9 @@
           <a:lstStyle/>
           <a:p>
             <a:r>
-              <a:rPr lang="en-US" smtClean="0"/>
+              <a:rPr lang="en-US"/>
               <a:t>Click to edit Master title style</a:t>
             </a:r>
-            <a:endParaRPr lang="en-US"/>
           </a:p>
         </p:txBody>
       </p:sp>
@@ -1895,7 +1987,7 @@
             <a:fld id="{1D8BD707-D9CF-40AE-B4C6-C98DA3205C09}" type="datetimeFigureOut">
               <a:rPr lang="en-US" smtClean="0"/>
               <a:pPr/>
-              <a:t>8/1/2011</a:t>
+              <a:t>10/26/2025</a:t>
             </a:fld>
             <a:endParaRPr lang="en-US"/>
           </a:p>
@@ -1987,7 +2079,7 @@
             <a:fld id="{1D8BD707-D9CF-40AE-B4C6-C98DA3205C09}" type="datetimeFigureOut">
               <a:rPr lang="en-US" smtClean="0"/>
               <a:pPr/>
-              <a:t>8/1/2011</a:t>
+              <a:t>10/26/2025</a:t>
             </a:fld>
             <a:endParaRPr lang="en-US"/>
           </a:p>
@@ -2086,10 +2178,9 @@
           </a:lstStyle>
           <a:p>
             <a:r>
-              <a:rPr lang="en-US" smtClean="0"/>
+              <a:rPr lang="en-US"/>
               <a:t>Click to edit Master title style</a:t>
             </a:r>
-            <a:endParaRPr lang="en-US"/>
           </a:p>
         </p:txBody>
       </p:sp>
@@ -2143,38 +2234,37 @@
           <a:p>
             <a:pPr lvl="0"/>
             <a:r>
-              <a:rPr lang="en-US" smtClean="0"/>
+              <a:rPr lang="en-US"/>
               <a:t>Click to edit Master text styles</a:t>
             </a:r>
           </a:p>
           <a:p>
             <a:pPr lvl="1"/>
             <a:r>
-              <a:rPr lang="en-US" smtClean="0"/>
+              <a:rPr lang="en-US"/>
               <a:t>Second level</a:t>
             </a:r>
           </a:p>
           <a:p>
             <a:pPr lvl="2"/>
             <a:r>
-              <a:rPr lang="en-US" smtClean="0"/>
+              <a:rPr lang="en-US"/>
               <a:t>Third level</a:t>
             </a:r>
           </a:p>
           <a:p>
             <a:pPr lvl="3"/>
             <a:r>
-              <a:rPr lang="en-US" smtClean="0"/>
+              <a:rPr lang="en-US"/>
               <a:t>Fourth level</a:t>
             </a:r>
           </a:p>
           <a:p>
             <a:pPr lvl="4"/>
             <a:r>
-              <a:rPr lang="en-US" smtClean="0"/>
+              <a:rPr lang="en-US"/>
               <a:t>Fifth level</a:t>
             </a:r>
-            <a:endParaRPr lang="en-US"/>
           </a:p>
         </p:txBody>
       </p:sp>
@@ -2237,7 +2327,7 @@
           <a:p>
             <a:pPr lvl="0"/>
             <a:r>
-              <a:rPr lang="en-US" smtClean="0"/>
+              <a:rPr lang="en-US"/>
               <a:t>Click to edit Master text styles</a:t>
             </a:r>
           </a:p>
@@ -2261,7 +2351,7 @@
             <a:fld id="{1D8BD707-D9CF-40AE-B4C6-C98DA3205C09}" type="datetimeFigureOut">
               <a:rPr lang="en-US" smtClean="0"/>
               <a:pPr/>
-              <a:t>8/1/2011</a:t>
+              <a:t>10/26/2025</a:t>
             </a:fld>
             <a:endParaRPr lang="en-US"/>
           </a:p>
@@ -2360,10 +2450,9 @@
           </a:lstStyle>
           <a:p>
             <a:r>
-              <a:rPr lang="en-US" smtClean="0"/>
+              <a:rPr lang="en-US"/>
               <a:t>Click to edit Master title style</a:t>
             </a:r>
-            <a:endParaRPr lang="en-US"/>
           </a:p>
         </p:txBody>
       </p:sp>
@@ -2487,7 +2576,7 @@
           <a:p>
             <a:pPr lvl="0"/>
             <a:r>
-              <a:rPr lang="en-US" smtClean="0"/>
+              <a:rPr lang="en-US"/>
               <a:t>Click to edit Master text styles</a:t>
             </a:r>
           </a:p>
@@ -2511,7 +2600,7 @@
             <a:fld id="{1D8BD707-D9CF-40AE-B4C6-C98DA3205C09}" type="datetimeFigureOut">
               <a:rPr lang="en-US" smtClean="0"/>
               <a:pPr/>
-              <a:t>8/1/2011</a:t>
+              <a:t>10/26/2025</a:t>
             </a:fld>
             <a:endParaRPr lang="en-US"/>
           </a:p>
@@ -2616,10 +2705,9 @@
           <a:lstStyle/>
           <a:p>
             <a:r>
-              <a:rPr lang="en-US" smtClean="0"/>
+              <a:rPr lang="en-US"/>
               <a:t>Click to edit Master title style</a:t>
             </a:r>
-            <a:endParaRPr lang="en-US"/>
           </a:p>
         </p:txBody>
       </p:sp>
@@ -2650,38 +2738,37 @@
           <a:p>
             <a:pPr lvl="0"/>
             <a:r>
-              <a:rPr lang="en-US" smtClean="0"/>
+              <a:rPr lang="en-US"/>
               <a:t>Click to edit Master text styles</a:t>
             </a:r>
           </a:p>
           <a:p>
             <a:pPr lvl="1"/>
             <a:r>
-              <a:rPr lang="en-US" smtClean="0"/>
+              <a:rPr lang="en-US"/>
               <a:t>Second level</a:t>
             </a:r>
           </a:p>
           <a:p>
             <a:pPr lvl="2"/>
             <a:r>
-              <a:rPr lang="en-US" smtClean="0"/>
+              <a:rPr lang="en-US"/>
               <a:t>Third level</a:t>
             </a:r>
           </a:p>
           <a:p>
             <a:pPr lvl="3"/>
             <a:r>
-              <a:rPr lang="en-US" smtClean="0"/>
+              <a:rPr lang="en-US"/>
               <a:t>Fourth level</a:t>
             </a:r>
           </a:p>
           <a:p>
             <a:pPr lvl="4"/>
             <a:r>
-              <a:rPr lang="en-US" smtClean="0"/>
+              <a:rPr lang="en-US"/>
               <a:t>Fifth level</a:t>
             </a:r>
-            <a:endParaRPr lang="en-US"/>
           </a:p>
         </p:txBody>
       </p:sp>
@@ -2721,7 +2808,7 @@
             <a:fld id="{1D8BD707-D9CF-40AE-B4C6-C98DA3205C09}" type="datetimeFigureOut">
               <a:rPr lang="en-US" smtClean="0"/>
               <a:pPr/>
-              <a:t>8/1/2011</a:t>
+              <a:t>10/26/2025</a:t>
             </a:fld>
             <a:endParaRPr lang="en-US"/>
           </a:p>
@@ -3076,13 +3163,14 @@
 </file>
 
 <file path=ppt/slides/slide1.xml><?xml version="1.0" encoding="utf-8"?>
-<p:sld xmlns:p="http://schemas.openxmlformats.org/presentationml/2006/main" xmlns:a="http://schemas.openxmlformats.org/drawingml/2006/main" xmlns:r="http://schemas.openxmlformats.org/officeDocument/2006/relationships">
+<p:sld xmlns:a="http://schemas.openxmlformats.org/drawingml/2006/main" xmlns:r="http://schemas.openxmlformats.org/officeDocument/2006/relationships" xmlns:p="http://schemas.openxmlformats.org/presentationml/2006/main">
   <p:cSld>
     <p:bg>
       <p:bgPr>
         <a:solidFill>
           <a:srgbClr val="F3F2F0"/>
         </a:solidFill>
+        <a:effectLst/>
       </p:bgPr>
     </p:bg>
     <p:spTree>
@@ -3101,12 +3189,12 @@
       </p:grpSpPr>
       <p:sp>
         <p:nvSpPr>
-          <p:cNvPr name="Freeform 2" id="2"/>
+          <p:cNvPr id="2" name="Freeform 2"/>
           <p:cNvSpPr/>
           <p:nvPr/>
         </p:nvSpPr>
         <p:spPr>
-          <a:xfrm flipH="false" flipV="false" rot="0">
+          <a:xfrm>
             <a:off x="-1320651" y="-1505948"/>
             <a:ext cx="4181833" cy="4114800"/>
           </a:xfrm>
@@ -3115,9 +3203,9 @@
             <a:gdLst/>
             <a:ahLst/>
             <a:cxnLst/>
-            <a:rect r="r" b="b" t="t" l="l"/>
+            <a:rect l="l" t="t" r="r" b="b"/>
             <a:pathLst>
-              <a:path h="4114800" w="4181833">
+              <a:path w="4181833" h="4114800">
                 <a:moveTo>
                   <a:pt x="0" y="0"/>
                 </a:moveTo>
@@ -3146,19 +3234,19 @@
               </a:extLst>
             </a:blip>
             <a:stretch>
-              <a:fillRect l="0" t="0" r="0" b="0"/>
+              <a:fillRect/>
             </a:stretch>
           </a:blipFill>
         </p:spPr>
       </p:sp>
       <p:sp>
         <p:nvSpPr>
-          <p:cNvPr name="Freeform 3" id="3"/>
+          <p:cNvPr id="3" name="Freeform 3"/>
           <p:cNvSpPr/>
           <p:nvPr/>
         </p:nvSpPr>
         <p:spPr>
-          <a:xfrm flipH="false" flipV="false" rot="0">
+          <a:xfrm>
             <a:off x="14286407" y="6845277"/>
             <a:ext cx="5427194" cy="4114800"/>
           </a:xfrm>
@@ -3167,9 +3255,9 @@
             <a:gdLst/>
             <a:ahLst/>
             <a:cxnLst/>
-            <a:rect r="r" b="b" t="t" l="l"/>
+            <a:rect l="l" t="t" r="r" b="b"/>
             <a:pathLst>
-              <a:path h="4114800" w="5427194">
+              <a:path w="5427194" h="4114800">
                 <a:moveTo>
                   <a:pt x="0" y="0"/>
                 </a:moveTo>
@@ -3198,19 +3286,19 @@
               </a:extLst>
             </a:blip>
             <a:stretch>
-              <a:fillRect l="0" t="0" r="0" b="0"/>
+              <a:fillRect/>
             </a:stretch>
           </a:blipFill>
         </p:spPr>
       </p:sp>
       <p:sp>
         <p:nvSpPr>
-          <p:cNvPr name="Freeform 4" id="4"/>
+          <p:cNvPr id="4" name="Freeform 4"/>
           <p:cNvSpPr/>
           <p:nvPr/>
         </p:nvSpPr>
         <p:spPr>
-          <a:xfrm flipH="false" flipV="false" rot="-10800000">
+          <a:xfrm rot="-10800000">
             <a:off x="12882085" y="9403981"/>
             <a:ext cx="3375087" cy="1257987"/>
           </a:xfrm>
@@ -3219,9 +3307,9 @@
             <a:gdLst/>
             <a:ahLst/>
             <a:cxnLst/>
-            <a:rect r="r" b="b" t="t" l="l"/>
+            <a:rect l="l" t="t" r="r" b="b"/>
             <a:pathLst>
-              <a:path h="1257987" w="3375087">
+              <a:path w="3375087" h="1257987">
                 <a:moveTo>
                   <a:pt x="0" y="0"/>
                 </a:moveTo>
@@ -3250,19 +3338,19 @@
               </a:extLst>
             </a:blip>
             <a:stretch>
-              <a:fillRect l="0" t="0" r="0" b="0"/>
+              <a:fillRect/>
             </a:stretch>
           </a:blipFill>
         </p:spPr>
       </p:sp>
       <p:sp>
         <p:nvSpPr>
-          <p:cNvPr name="Freeform 5" id="5"/>
+          <p:cNvPr id="5" name="Freeform 5"/>
           <p:cNvSpPr/>
           <p:nvPr/>
         </p:nvSpPr>
         <p:spPr>
-          <a:xfrm flipH="false" flipV="false" rot="2193841">
+          <a:xfrm rot="2193841">
             <a:off x="-942013" y="1438500"/>
             <a:ext cx="2216693" cy="2545263"/>
           </a:xfrm>
@@ -3271,9 +3359,9 @@
             <a:gdLst/>
             <a:ahLst/>
             <a:cxnLst/>
-            <a:rect r="r" b="b" t="t" l="l"/>
+            <a:rect l="l" t="t" r="r" b="b"/>
             <a:pathLst>
-              <a:path h="2545263" w="2216693">
+              <a:path w="2216693" h="2545263">
                 <a:moveTo>
                   <a:pt x="0" y="0"/>
                 </a:moveTo>
@@ -3302,19 +3390,19 @@
               </a:extLst>
             </a:blip>
             <a:stretch>
-              <a:fillRect l="0" t="0" r="0" b="0"/>
+              <a:fillRect/>
             </a:stretch>
           </a:blipFill>
         </p:spPr>
       </p:sp>
       <p:sp>
         <p:nvSpPr>
-          <p:cNvPr name="Freeform 6" id="6"/>
+          <p:cNvPr id="6" name="Freeform 6"/>
           <p:cNvSpPr/>
           <p:nvPr/>
         </p:nvSpPr>
         <p:spPr>
-          <a:xfrm flipH="false" flipV="false" rot="0">
+          <a:xfrm>
             <a:off x="17259300" y="4843764"/>
             <a:ext cx="1623151" cy="2807336"/>
           </a:xfrm>
@@ -3323,9 +3411,9 @@
             <a:gdLst/>
             <a:ahLst/>
             <a:cxnLst/>
-            <a:rect r="r" b="b" t="t" l="l"/>
+            <a:rect l="l" t="t" r="r" b="b"/>
             <a:pathLst>
-              <a:path h="2807336" w="1623151">
+              <a:path w="1623151" h="2807336">
                 <a:moveTo>
                   <a:pt x="0" y="0"/>
                 </a:moveTo>
@@ -3354,19 +3442,19 @@
               </a:extLst>
             </a:blip>
             <a:stretch>
-              <a:fillRect l="0" t="0" r="0" b="0"/>
+              <a:fillRect/>
             </a:stretch>
           </a:blipFill>
         </p:spPr>
       </p:sp>
       <p:sp>
         <p:nvSpPr>
-          <p:cNvPr name="Freeform 7" id="7"/>
+          <p:cNvPr id="7" name="Freeform 7"/>
           <p:cNvSpPr/>
           <p:nvPr/>
         </p:nvSpPr>
         <p:spPr>
-          <a:xfrm flipH="false" flipV="false" rot="0">
+          <a:xfrm>
             <a:off x="1814681" y="-3086100"/>
             <a:ext cx="2798064" cy="4114800"/>
           </a:xfrm>
@@ -3375,9 +3463,9 @@
             <a:gdLst/>
             <a:ahLst/>
             <a:cxnLst/>
-            <a:rect r="r" b="b" t="t" l="l"/>
+            <a:rect l="l" t="t" r="r" b="b"/>
             <a:pathLst>
-              <a:path h="4114800" w="2798064">
+              <a:path w="2798064" h="4114800">
                 <a:moveTo>
                   <a:pt x="0" y="0"/>
                 </a:moveTo>
@@ -3406,19 +3494,19 @@
               </a:extLst>
             </a:blip>
             <a:stretch>
-              <a:fillRect l="0" t="0" r="0" b="0"/>
+              <a:fillRect/>
             </a:stretch>
           </a:blipFill>
         </p:spPr>
       </p:sp>
       <p:sp>
         <p:nvSpPr>
-          <p:cNvPr name="Freeform 8" id="8"/>
+          <p:cNvPr id="8" name="Freeform 8"/>
           <p:cNvSpPr/>
           <p:nvPr/>
         </p:nvSpPr>
         <p:spPr>
-          <a:xfrm flipH="false" flipV="false" rot="0">
+          <a:xfrm>
             <a:off x="16569100" y="7854632"/>
             <a:ext cx="2000865" cy="2807336"/>
           </a:xfrm>
@@ -3427,9 +3515,9 @@
             <a:gdLst/>
             <a:ahLst/>
             <a:cxnLst/>
-            <a:rect r="r" b="b" t="t" l="l"/>
+            <a:rect l="l" t="t" r="r" b="b"/>
             <a:pathLst>
-              <a:path h="2807336" w="2000865">
+              <a:path w="2000865" h="2807336">
                 <a:moveTo>
                   <a:pt x="0" y="0"/>
                 </a:moveTo>
@@ -3458,19 +3546,19 @@
               </a:extLst>
             </a:blip>
             <a:stretch>
-              <a:fillRect l="0" t="0" r="0" b="0"/>
+              <a:fillRect/>
             </a:stretch>
           </a:blipFill>
         </p:spPr>
       </p:sp>
       <p:sp>
         <p:nvSpPr>
-          <p:cNvPr name="Freeform 9" id="9"/>
+          <p:cNvPr id="9" name="Freeform 9"/>
           <p:cNvSpPr/>
           <p:nvPr/>
         </p:nvSpPr>
         <p:spPr>
-          <a:xfrm flipH="false" flipV="false" rot="0">
+          <a:xfrm>
             <a:off x="-321736" y="-1028700"/>
             <a:ext cx="1818460" cy="2357136"/>
           </a:xfrm>
@@ -3479,9 +3567,9 @@
             <a:gdLst/>
             <a:ahLst/>
             <a:cxnLst/>
-            <a:rect r="r" b="b" t="t" l="l"/>
+            <a:rect l="l" t="t" r="r" b="b"/>
             <a:pathLst>
-              <a:path h="2357136" w="1818460">
+              <a:path w="1818460" h="2357136">
                 <a:moveTo>
                   <a:pt x="0" y="0"/>
                 </a:moveTo>
@@ -3510,19 +3598,19 @@
               </a:extLst>
             </a:blip>
             <a:stretch>
-              <a:fillRect l="0" t="0" r="0" b="0"/>
+              <a:fillRect/>
             </a:stretch>
           </a:blipFill>
         </p:spPr>
       </p:sp>
       <p:sp>
         <p:nvSpPr>
-          <p:cNvPr name="TextBox 10" id="10"/>
-          <p:cNvSpPr txBox="true"/>
-          <p:nvPr/>
-        </p:nvSpPr>
-        <p:spPr>
-          <a:xfrm rot="0">
+          <p:cNvPr id="10" name="TextBox 10"/>
+          <p:cNvSpPr txBox="1"/>
+          <p:nvPr/>
+        </p:nvSpPr>
+        <p:spPr>
+          <a:xfrm>
             <a:off x="3102793" y="3549886"/>
             <a:ext cx="12082415" cy="2749682"/>
           </a:xfrm>
@@ -3531,7 +3619,7 @@
           </a:prstGeom>
         </p:spPr>
         <p:txBody>
-          <a:bodyPr anchor="t" rtlCol="false" tIns="0" lIns="0" bIns="0" rIns="0">
+          <a:bodyPr lIns="0" tIns="0" rIns="0" bIns="0" rtlCol="0" anchor="t">
             <a:spAutoFit/>
           </a:bodyPr>
           <a:lstStyle/>
@@ -3558,12 +3646,12 @@
       </p:sp>
       <p:grpSp>
         <p:nvGrpSpPr>
-          <p:cNvPr name="Group 11" id="11"/>
+          <p:cNvPr id="11" name="Group 11"/>
           <p:cNvGrpSpPr/>
           <p:nvPr/>
         </p:nvGrpSpPr>
         <p:grpSpPr>
-          <a:xfrm rot="0">
+          <a:xfrm>
             <a:off x="7600950" y="-1314279"/>
             <a:ext cx="3086100" cy="3731463"/>
             <a:chOff x="0" y="0"/>
@@ -3572,12 +3660,12 @@
         </p:grpSpPr>
         <p:sp>
           <p:nvSpPr>
-            <p:cNvPr name="Freeform 12" id="12"/>
+            <p:cNvPr id="12" name="Freeform 12"/>
             <p:cNvSpPr/>
             <p:nvPr/>
           </p:nvSpPr>
           <p:spPr>
-            <a:xfrm flipH="false" flipV="false" rot="0">
+            <a:xfrm>
               <a:off x="0" y="0"/>
               <a:ext cx="812800" cy="982772"/>
             </a:xfrm>
@@ -3586,9 +3674,9 @@
               <a:gdLst/>
               <a:ahLst/>
               <a:cxnLst/>
-              <a:rect r="r" b="b" t="t" l="l"/>
+              <a:rect l="l" t="t" r="r" b="b"/>
               <a:pathLst>
-                <a:path h="982772" w="812800">
+                <a:path w="812800" h="982772">
                   <a:moveTo>
                     <a:pt x="105363" y="0"/>
                   </a:moveTo>
@@ -3640,8 +3728,8 @@
         </p:sp>
         <p:sp>
           <p:nvSpPr>
-            <p:cNvPr name="TextBox 13" id="13"/>
-            <p:cNvSpPr txBox="true"/>
+            <p:cNvPr id="13" name="TextBox 13"/>
+            <p:cNvSpPr txBox="1"/>
             <p:nvPr/>
           </p:nvSpPr>
           <p:spPr>
@@ -3654,7 +3742,7 @@
             </a:prstGeom>
           </p:spPr>
           <p:txBody>
-            <a:bodyPr anchor="ctr" rtlCol="false" tIns="50800" lIns="50800" bIns="50800" rIns="50800"/>
+            <a:bodyPr lIns="50800" tIns="50800" rIns="50800" bIns="50800" rtlCol="0" anchor="ctr"/>
             <a:lstStyle/>
             <a:p>
               <a:pPr algn="ctr">
@@ -3662,18 +3750,19 @@
                   <a:spcPts val="2659"/>
                 </a:lnSpc>
               </a:pPr>
+              <a:endParaRPr/>
             </a:p>
           </p:txBody>
         </p:sp>
       </p:grpSp>
       <p:sp>
         <p:nvSpPr>
-          <p:cNvPr name="Freeform 14" id="14"/>
+          <p:cNvPr id="14" name="Freeform 14"/>
           <p:cNvSpPr/>
           <p:nvPr/>
         </p:nvSpPr>
         <p:spPr>
-          <a:xfrm flipH="false" flipV="false" rot="0">
+          <a:xfrm>
             <a:off x="-736472" y="3168749"/>
             <a:ext cx="1765172" cy="1434604"/>
           </a:xfrm>
@@ -3682,9 +3771,9 @@
             <a:gdLst/>
             <a:ahLst/>
             <a:cxnLst/>
-            <a:rect r="r" b="b" t="t" l="l"/>
+            <a:rect l="l" t="t" r="r" b="b"/>
             <a:pathLst>
-              <a:path h="1434604" w="1765172">
+              <a:path w="1765172" h="1434604">
                 <a:moveTo>
                   <a:pt x="0" y="0"/>
                 </a:moveTo>
@@ -3713,19 +3802,19 @@
               </a:extLst>
             </a:blip>
             <a:stretch>
-              <a:fillRect l="0" t="0" r="0" b="0"/>
+              <a:fillRect/>
             </a:stretch>
           </a:blipFill>
         </p:spPr>
       </p:sp>
       <p:sp>
         <p:nvSpPr>
-          <p:cNvPr name="Freeform 15" id="15"/>
+          <p:cNvPr id="15" name="Freeform 15"/>
           <p:cNvSpPr/>
           <p:nvPr/>
         </p:nvSpPr>
         <p:spPr>
-          <a:xfrm flipH="true" flipV="true" rot="0">
+          <a:xfrm flipH="1" flipV="1">
             <a:off x="17188289" y="3168749"/>
             <a:ext cx="1765172" cy="1434604"/>
           </a:xfrm>
@@ -3734,9 +3823,9 @@
             <a:gdLst/>
             <a:ahLst/>
             <a:cxnLst/>
-            <a:rect r="r" b="b" t="t" l="l"/>
+            <a:rect l="l" t="t" r="r" b="b"/>
             <a:pathLst>
-              <a:path h="1434604" w="1765172">
+              <a:path w="1765172" h="1434604">
                 <a:moveTo>
                   <a:pt x="1765172" y="1434604"/>
                 </a:moveTo>
@@ -3765,7 +3854,7 @@
               </a:extLst>
             </a:blip>
             <a:stretch>
-              <a:fillRect l="0" t="0" r="0" b="0"/>
+              <a:fillRect/>
             </a:stretch>
           </a:blipFill>
         </p:spPr>
@@ -3779,13 +3868,14 @@
 </file>
 
 <file path=ppt/slides/slide10.xml><?xml version="1.0" encoding="utf-8"?>
-<p:sld xmlns:p="http://schemas.openxmlformats.org/presentationml/2006/main" xmlns:a="http://schemas.openxmlformats.org/drawingml/2006/main" xmlns:r="http://schemas.openxmlformats.org/officeDocument/2006/relationships">
+<p:sld xmlns:a="http://schemas.openxmlformats.org/drawingml/2006/main" xmlns:r="http://schemas.openxmlformats.org/officeDocument/2006/relationships" xmlns:p="http://schemas.openxmlformats.org/presentationml/2006/main">
   <p:cSld>
     <p:bg>
       <p:bgPr>
         <a:solidFill>
           <a:srgbClr val="F3F2F0"/>
         </a:solidFill>
+        <a:effectLst/>
       </p:bgPr>
     </p:bg>
     <p:spTree>
@@ -3804,12 +3894,12 @@
       </p:grpSpPr>
       <p:sp>
         <p:nvSpPr>
-          <p:cNvPr name="Freeform 2" id="2"/>
+          <p:cNvPr id="2" name="Freeform 2"/>
           <p:cNvSpPr/>
           <p:nvPr/>
         </p:nvSpPr>
         <p:spPr>
-          <a:xfrm flipH="false" flipV="false" rot="0">
+          <a:xfrm>
             <a:off x="-1320651" y="-1505948"/>
             <a:ext cx="4181833" cy="4114800"/>
           </a:xfrm>
@@ -3818,9 +3908,9 @@
             <a:gdLst/>
             <a:ahLst/>
             <a:cxnLst/>
-            <a:rect r="r" b="b" t="t" l="l"/>
+            <a:rect l="l" t="t" r="r" b="b"/>
             <a:pathLst>
-              <a:path h="4114800" w="4181833">
+              <a:path w="4181833" h="4114800">
                 <a:moveTo>
                   <a:pt x="0" y="0"/>
                 </a:moveTo>
@@ -3849,19 +3939,19 @@
               </a:extLst>
             </a:blip>
             <a:stretch>
-              <a:fillRect l="0" t="0" r="0" b="0"/>
+              <a:fillRect/>
             </a:stretch>
           </a:blipFill>
         </p:spPr>
       </p:sp>
       <p:sp>
         <p:nvSpPr>
-          <p:cNvPr name="Freeform 3" id="3"/>
+          <p:cNvPr id="3" name="Freeform 3"/>
           <p:cNvSpPr/>
           <p:nvPr/>
         </p:nvSpPr>
         <p:spPr>
-          <a:xfrm flipH="false" flipV="false" rot="0">
+          <a:xfrm>
             <a:off x="14286407" y="6845277"/>
             <a:ext cx="5427194" cy="4114800"/>
           </a:xfrm>
@@ -3870,9 +3960,9 @@
             <a:gdLst/>
             <a:ahLst/>
             <a:cxnLst/>
-            <a:rect r="r" b="b" t="t" l="l"/>
+            <a:rect l="l" t="t" r="r" b="b"/>
             <a:pathLst>
-              <a:path h="4114800" w="5427194">
+              <a:path w="5427194" h="4114800">
                 <a:moveTo>
                   <a:pt x="0" y="0"/>
                 </a:moveTo>
@@ -3901,19 +3991,19 @@
               </a:extLst>
             </a:blip>
             <a:stretch>
-              <a:fillRect l="0" t="0" r="0" b="0"/>
+              <a:fillRect/>
             </a:stretch>
           </a:blipFill>
         </p:spPr>
       </p:sp>
       <p:sp>
         <p:nvSpPr>
-          <p:cNvPr name="Freeform 4" id="4"/>
+          <p:cNvPr id="4" name="Freeform 4"/>
           <p:cNvSpPr/>
           <p:nvPr/>
         </p:nvSpPr>
         <p:spPr>
-          <a:xfrm flipH="false" flipV="false" rot="-10800000">
+          <a:xfrm rot="-10800000">
             <a:off x="12882085" y="9403981"/>
             <a:ext cx="3375087" cy="1257987"/>
           </a:xfrm>
@@ -3922,9 +4012,9 @@
             <a:gdLst/>
             <a:ahLst/>
             <a:cxnLst/>
-            <a:rect r="r" b="b" t="t" l="l"/>
+            <a:rect l="l" t="t" r="r" b="b"/>
             <a:pathLst>
-              <a:path h="1257987" w="3375087">
+              <a:path w="3375087" h="1257987">
                 <a:moveTo>
                   <a:pt x="0" y="0"/>
                 </a:moveTo>
@@ -3953,19 +4043,19 @@
               </a:extLst>
             </a:blip>
             <a:stretch>
-              <a:fillRect l="0" t="0" r="0" b="0"/>
+              <a:fillRect/>
             </a:stretch>
           </a:blipFill>
         </p:spPr>
       </p:sp>
       <p:sp>
         <p:nvSpPr>
-          <p:cNvPr name="Freeform 5" id="5"/>
+          <p:cNvPr id="5" name="Freeform 5"/>
           <p:cNvSpPr/>
           <p:nvPr/>
         </p:nvSpPr>
         <p:spPr>
-          <a:xfrm flipH="false" flipV="false" rot="2193841">
+          <a:xfrm rot="2193841">
             <a:off x="-942013" y="1438500"/>
             <a:ext cx="2216693" cy="2545263"/>
           </a:xfrm>
@@ -3974,9 +4064,9 @@
             <a:gdLst/>
             <a:ahLst/>
             <a:cxnLst/>
-            <a:rect r="r" b="b" t="t" l="l"/>
+            <a:rect l="l" t="t" r="r" b="b"/>
             <a:pathLst>
-              <a:path h="2545263" w="2216693">
+              <a:path w="2216693" h="2545263">
                 <a:moveTo>
                   <a:pt x="0" y="0"/>
                 </a:moveTo>
@@ -4005,19 +4095,19 @@
               </a:extLst>
             </a:blip>
             <a:stretch>
-              <a:fillRect l="0" t="0" r="0" b="0"/>
+              <a:fillRect/>
             </a:stretch>
           </a:blipFill>
         </p:spPr>
       </p:sp>
       <p:sp>
         <p:nvSpPr>
-          <p:cNvPr name="Freeform 6" id="6"/>
+          <p:cNvPr id="6" name="Freeform 6"/>
           <p:cNvSpPr/>
           <p:nvPr/>
         </p:nvSpPr>
         <p:spPr>
-          <a:xfrm flipH="false" flipV="false" rot="0">
+          <a:xfrm>
             <a:off x="17259300" y="4843764"/>
             <a:ext cx="1623151" cy="2807336"/>
           </a:xfrm>
@@ -4026,9 +4116,9 @@
             <a:gdLst/>
             <a:ahLst/>
             <a:cxnLst/>
-            <a:rect r="r" b="b" t="t" l="l"/>
+            <a:rect l="l" t="t" r="r" b="b"/>
             <a:pathLst>
-              <a:path h="2807336" w="1623151">
+              <a:path w="1623151" h="2807336">
                 <a:moveTo>
                   <a:pt x="0" y="0"/>
                 </a:moveTo>
@@ -4057,19 +4147,19 @@
               </a:extLst>
             </a:blip>
             <a:stretch>
-              <a:fillRect l="0" t="0" r="0" b="0"/>
+              <a:fillRect/>
             </a:stretch>
           </a:blipFill>
         </p:spPr>
       </p:sp>
       <p:sp>
         <p:nvSpPr>
-          <p:cNvPr name="Freeform 7" id="7"/>
+          <p:cNvPr id="7" name="Freeform 7"/>
           <p:cNvSpPr/>
           <p:nvPr/>
         </p:nvSpPr>
         <p:spPr>
-          <a:xfrm flipH="false" flipV="false" rot="0">
+          <a:xfrm>
             <a:off x="1814681" y="-3086100"/>
             <a:ext cx="2798064" cy="4114800"/>
           </a:xfrm>
@@ -4078,9 +4168,9 @@
             <a:gdLst/>
             <a:ahLst/>
             <a:cxnLst/>
-            <a:rect r="r" b="b" t="t" l="l"/>
+            <a:rect l="l" t="t" r="r" b="b"/>
             <a:pathLst>
-              <a:path h="4114800" w="2798064">
+              <a:path w="2798064" h="4114800">
                 <a:moveTo>
                   <a:pt x="0" y="0"/>
                 </a:moveTo>
@@ -4109,19 +4199,19 @@
               </a:extLst>
             </a:blip>
             <a:stretch>
-              <a:fillRect l="0" t="0" r="0" b="0"/>
+              <a:fillRect/>
             </a:stretch>
           </a:blipFill>
         </p:spPr>
       </p:sp>
       <p:sp>
         <p:nvSpPr>
-          <p:cNvPr name="Freeform 8" id="8"/>
+          <p:cNvPr id="8" name="Freeform 8"/>
           <p:cNvSpPr/>
           <p:nvPr/>
         </p:nvSpPr>
         <p:spPr>
-          <a:xfrm flipH="false" flipV="false" rot="0">
+          <a:xfrm>
             <a:off x="16569100" y="7854632"/>
             <a:ext cx="2000865" cy="2807336"/>
           </a:xfrm>
@@ -4130,9 +4220,9 @@
             <a:gdLst/>
             <a:ahLst/>
             <a:cxnLst/>
-            <a:rect r="r" b="b" t="t" l="l"/>
+            <a:rect l="l" t="t" r="r" b="b"/>
             <a:pathLst>
-              <a:path h="2807336" w="2000865">
+              <a:path w="2000865" h="2807336">
                 <a:moveTo>
                   <a:pt x="0" y="0"/>
                 </a:moveTo>
@@ -4161,19 +4251,19 @@
               </a:extLst>
             </a:blip>
             <a:stretch>
-              <a:fillRect l="0" t="0" r="0" b="0"/>
+              <a:fillRect/>
             </a:stretch>
           </a:blipFill>
         </p:spPr>
       </p:sp>
       <p:sp>
         <p:nvSpPr>
-          <p:cNvPr name="Freeform 9" id="9"/>
+          <p:cNvPr id="9" name="Freeform 9"/>
           <p:cNvSpPr/>
           <p:nvPr/>
         </p:nvSpPr>
         <p:spPr>
-          <a:xfrm flipH="false" flipV="false" rot="0">
+          <a:xfrm>
             <a:off x="-321736" y="-1028700"/>
             <a:ext cx="1818460" cy="2357136"/>
           </a:xfrm>
@@ -4182,9 +4272,9 @@
             <a:gdLst/>
             <a:ahLst/>
             <a:cxnLst/>
-            <a:rect r="r" b="b" t="t" l="l"/>
+            <a:rect l="l" t="t" r="r" b="b"/>
             <a:pathLst>
-              <a:path h="2357136" w="1818460">
+              <a:path w="1818460" h="2357136">
                 <a:moveTo>
                   <a:pt x="0" y="0"/>
                 </a:moveTo>
@@ -4213,19 +4303,19 @@
               </a:extLst>
             </a:blip>
             <a:stretch>
-              <a:fillRect l="0" t="0" r="0" b="0"/>
+              <a:fillRect/>
             </a:stretch>
           </a:blipFill>
         </p:spPr>
       </p:sp>
       <p:grpSp>
         <p:nvGrpSpPr>
-          <p:cNvPr name="Group 10" id="10"/>
+          <p:cNvPr id="10" name="Group 10"/>
           <p:cNvGrpSpPr/>
           <p:nvPr/>
         </p:nvGrpSpPr>
         <p:grpSpPr>
-          <a:xfrm rot="0">
+          <a:xfrm>
             <a:off x="16311522" y="949784"/>
             <a:ext cx="1026694" cy="1026694"/>
             <a:chOff x="0" y="0"/>
@@ -4234,12 +4324,12 @@
         </p:grpSpPr>
         <p:sp>
           <p:nvSpPr>
-            <p:cNvPr name="Freeform 11" id="11"/>
+            <p:cNvPr id="11" name="Freeform 11"/>
             <p:cNvSpPr/>
             <p:nvPr/>
           </p:nvSpPr>
           <p:spPr>
-            <a:xfrm flipH="false" flipV="false" rot="0">
+            <a:xfrm>
               <a:off x="0" y="0"/>
               <a:ext cx="812800" cy="812800"/>
             </a:xfrm>
@@ -4248,9 +4338,9 @@
               <a:gdLst/>
               <a:ahLst/>
               <a:cxnLst/>
-              <a:rect r="r" b="b" t="t" l="l"/>
+              <a:rect l="l" t="t" r="r" b="b"/>
               <a:pathLst>
-                <a:path h="812800" w="812800">
+                <a:path w="812800" h="812800">
                   <a:moveTo>
                     <a:pt x="406400" y="0"/>
                   </a:moveTo>
@@ -4285,8 +4375,8 @@
         </p:sp>
         <p:sp>
           <p:nvSpPr>
-            <p:cNvPr name="TextBox 12" id="12"/>
-            <p:cNvSpPr txBox="true"/>
+            <p:cNvPr id="12" name="TextBox 12"/>
+            <p:cNvSpPr txBox="1"/>
             <p:nvPr/>
           </p:nvSpPr>
           <p:spPr>
@@ -4299,7 +4389,7 @@
             </a:prstGeom>
           </p:spPr>
           <p:txBody>
-            <a:bodyPr anchor="ctr" rtlCol="false" tIns="50800" lIns="50800" bIns="50800" rIns="50800"/>
+            <a:bodyPr lIns="50800" tIns="50800" rIns="50800" bIns="50800" rtlCol="0" anchor="ctr"/>
             <a:lstStyle/>
             <a:p>
               <a:pPr algn="ctr">
@@ -4307,18 +4397,19 @@
                   <a:spcPts val="2659"/>
                 </a:lnSpc>
               </a:pPr>
+              <a:endParaRPr/>
             </a:p>
           </p:txBody>
         </p:sp>
       </p:grpSp>
       <p:grpSp>
         <p:nvGrpSpPr>
-          <p:cNvPr name="Group 13" id="13"/>
+          <p:cNvPr id="13" name="Group 13"/>
           <p:cNvGrpSpPr/>
           <p:nvPr/>
         </p:nvGrpSpPr>
         <p:grpSpPr>
-          <a:xfrm rot="0">
+          <a:xfrm>
             <a:off x="16390439" y="1028700"/>
             <a:ext cx="868861" cy="868861"/>
             <a:chOff x="0" y="0"/>
@@ -4327,12 +4418,12 @@
         </p:grpSpPr>
         <p:sp>
           <p:nvSpPr>
-            <p:cNvPr name="Freeform 14" id="14"/>
+            <p:cNvPr id="14" name="Freeform 14"/>
             <p:cNvSpPr/>
             <p:nvPr/>
           </p:nvSpPr>
           <p:spPr>
-            <a:xfrm flipH="false" flipV="false" rot="0">
+            <a:xfrm>
               <a:off x="0" y="0"/>
               <a:ext cx="812800" cy="812800"/>
             </a:xfrm>
@@ -4341,9 +4432,9 @@
               <a:gdLst/>
               <a:ahLst/>
               <a:cxnLst/>
-              <a:rect r="r" b="b" t="t" l="l"/>
+              <a:rect l="l" t="t" r="r" b="b"/>
               <a:pathLst>
-                <a:path h="812800" w="812800">
+                <a:path w="812800" h="812800">
                   <a:moveTo>
                     <a:pt x="406400" y="0"/>
                   </a:moveTo>
@@ -4378,8 +4469,8 @@
         </p:sp>
         <p:sp>
           <p:nvSpPr>
-            <p:cNvPr name="TextBox 15" id="15"/>
-            <p:cNvSpPr txBox="true"/>
+            <p:cNvPr id="15" name="TextBox 15"/>
+            <p:cNvSpPr txBox="1"/>
             <p:nvPr/>
           </p:nvSpPr>
           <p:spPr>
@@ -4392,7 +4483,7 @@
             </a:prstGeom>
           </p:spPr>
           <p:txBody>
-            <a:bodyPr anchor="ctr" rtlCol="false" tIns="50800" lIns="50800" bIns="50800" rIns="50800"/>
+            <a:bodyPr lIns="50800" tIns="50800" rIns="50800" bIns="50800" rtlCol="0" anchor="ctr"/>
             <a:lstStyle/>
             <a:p>
               <a:pPr algn="ctr">
@@ -4400,18 +4491,19 @@
                   <a:spcPts val="2659"/>
                 </a:lnSpc>
               </a:pPr>
+              <a:endParaRPr/>
             </a:p>
           </p:txBody>
         </p:sp>
       </p:grpSp>
       <p:sp>
         <p:nvSpPr>
-          <p:cNvPr name="TextBox 16" id="16"/>
-          <p:cNvSpPr txBox="true"/>
-          <p:nvPr/>
-        </p:nvSpPr>
-        <p:spPr>
-          <a:xfrm rot="0">
+          <p:cNvPr id="16" name="TextBox 16"/>
+          <p:cNvSpPr txBox="1"/>
+          <p:nvPr/>
+        </p:nvSpPr>
+        <p:spPr>
+          <a:xfrm>
             <a:off x="16474869" y="1303622"/>
             <a:ext cx="700000" cy="461892"/>
           </a:xfrm>
@@ -4420,7 +4512,7 @@
           </a:prstGeom>
         </p:spPr>
         <p:txBody>
-          <a:bodyPr anchor="t" rtlCol="false" tIns="0" lIns="0" bIns="0" rIns="0">
+          <a:bodyPr lIns="0" tIns="0" rIns="0" bIns="0" rtlCol="0" anchor="t">
             <a:spAutoFit/>
           </a:bodyPr>
           <a:lstStyle/>
@@ -4431,7 +4523,7 @@
               </a:lnSpc>
             </a:pPr>
             <a:r>
-              <a:rPr lang="en-US" b="true" sz="3721">
+              <a:rPr lang="en-US" sz="3721" b="1">
                 <a:solidFill>
                   <a:srgbClr val="F3F2F0"/>
                 </a:solidFill>
@@ -4447,12 +4539,12 @@
       </p:sp>
       <p:sp>
         <p:nvSpPr>
-          <p:cNvPr name="Freeform 17" id="17"/>
+          <p:cNvPr id="17" name="Freeform 17"/>
           <p:cNvSpPr/>
           <p:nvPr/>
         </p:nvSpPr>
         <p:spPr>
-          <a:xfrm flipH="false" flipV="false" rot="0">
+          <a:xfrm>
             <a:off x="-736472" y="3168749"/>
             <a:ext cx="1765172" cy="1434604"/>
           </a:xfrm>
@@ -4461,9 +4553,9 @@
             <a:gdLst/>
             <a:ahLst/>
             <a:cxnLst/>
-            <a:rect r="r" b="b" t="t" l="l"/>
+            <a:rect l="l" t="t" r="r" b="b"/>
             <a:pathLst>
-              <a:path h="1434604" w="1765172">
+              <a:path w="1765172" h="1434604">
                 <a:moveTo>
                   <a:pt x="0" y="0"/>
                 </a:moveTo>
@@ -4492,19 +4584,19 @@
               </a:extLst>
             </a:blip>
             <a:stretch>
-              <a:fillRect l="0" t="0" r="0" b="0"/>
+              <a:fillRect/>
             </a:stretch>
           </a:blipFill>
         </p:spPr>
       </p:sp>
       <p:sp>
         <p:nvSpPr>
-          <p:cNvPr name="Freeform 18" id="18"/>
+          <p:cNvPr id="18" name="Freeform 18"/>
           <p:cNvSpPr/>
           <p:nvPr/>
         </p:nvSpPr>
         <p:spPr>
-          <a:xfrm flipH="true" flipV="true" rot="0">
+          <a:xfrm flipH="1" flipV="1">
             <a:off x="17188289" y="3168749"/>
             <a:ext cx="1765172" cy="1434604"/>
           </a:xfrm>
@@ -4513,9 +4605,9 @@
             <a:gdLst/>
             <a:ahLst/>
             <a:cxnLst/>
-            <a:rect r="r" b="b" t="t" l="l"/>
+            <a:rect l="l" t="t" r="r" b="b"/>
             <a:pathLst>
-              <a:path h="1434604" w="1765172">
+              <a:path w="1765172" h="1434604">
                 <a:moveTo>
                   <a:pt x="1765172" y="1434604"/>
                 </a:moveTo>
@@ -4544,19 +4636,19 @@
               </a:extLst>
             </a:blip>
             <a:stretch>
-              <a:fillRect l="0" t="0" r="0" b="0"/>
+              <a:fillRect/>
             </a:stretch>
           </a:blipFill>
         </p:spPr>
       </p:sp>
       <p:sp>
         <p:nvSpPr>
-          <p:cNvPr name="TextBox 19" id="19"/>
-          <p:cNvSpPr txBox="true"/>
-          <p:nvPr/>
-        </p:nvSpPr>
-        <p:spPr>
-          <a:xfrm rot="0">
+          <p:cNvPr id="19" name="TextBox 19"/>
+          <p:cNvSpPr txBox="1"/>
+          <p:nvPr/>
+        </p:nvSpPr>
+        <p:spPr>
+          <a:xfrm>
             <a:off x="2861182" y="2408827"/>
             <a:ext cx="15009887" cy="6143625"/>
           </a:xfrm>
@@ -4565,7 +4657,7 @@
           </a:prstGeom>
         </p:spPr>
         <p:txBody>
-          <a:bodyPr anchor="t" rtlCol="false" tIns="0" lIns="0" bIns="0" rIns="0">
+          <a:bodyPr lIns="0" tIns="0" rIns="0" bIns="0" rtlCol="0" anchor="t">
             <a:spAutoFit/>
           </a:bodyPr>
           <a:lstStyle/>
@@ -4689,17 +4781,26 @@
                 <a:spcPts val="3600"/>
               </a:lnSpc>
             </a:pPr>
+            <a:endParaRPr lang="en-US" sz="3000" spc="-89">
+              <a:solidFill>
+                <a:srgbClr val="3D3D3D"/>
+              </a:solidFill>
+              <a:latin typeface="Mommi Light"/>
+              <a:ea typeface="Mommi Light"/>
+              <a:cs typeface="Mommi Light"/>
+              <a:sym typeface="Mommi Light"/>
+            </a:endParaRPr>
           </a:p>
         </p:txBody>
       </p:sp>
       <p:sp>
         <p:nvSpPr>
-          <p:cNvPr name="TextBox 20" id="20"/>
-          <p:cNvSpPr txBox="true"/>
-          <p:nvPr/>
-        </p:nvSpPr>
-        <p:spPr>
-          <a:xfrm rot="0">
+          <p:cNvPr id="20" name="TextBox 20"/>
+          <p:cNvSpPr txBox="1"/>
+          <p:nvPr/>
+        </p:nvSpPr>
+        <p:spPr>
+          <a:xfrm>
             <a:off x="2861182" y="1408397"/>
             <a:ext cx="10828645" cy="855980"/>
           </a:xfrm>
@@ -4708,7 +4809,7 @@
           </a:prstGeom>
         </p:spPr>
         <p:txBody>
-          <a:bodyPr anchor="t" rtlCol="false" tIns="0" lIns="0" bIns="0" rIns="0">
+          <a:bodyPr lIns="0" tIns="0" rIns="0" bIns="0" rtlCol="0" anchor="t">
             <a:spAutoFit/>
           </a:bodyPr>
           <a:lstStyle/>
@@ -4742,13 +4843,14 @@
 </file>
 
 <file path=ppt/slides/slide11.xml><?xml version="1.0" encoding="utf-8"?>
-<p:sld xmlns:p="http://schemas.openxmlformats.org/presentationml/2006/main" xmlns:a="http://schemas.openxmlformats.org/drawingml/2006/main" xmlns:r="http://schemas.openxmlformats.org/officeDocument/2006/relationships">
+<p:sld xmlns:a="http://schemas.openxmlformats.org/drawingml/2006/main" xmlns:r="http://schemas.openxmlformats.org/officeDocument/2006/relationships" xmlns:p="http://schemas.openxmlformats.org/presentationml/2006/main">
   <p:cSld>
     <p:bg>
       <p:bgPr>
         <a:solidFill>
           <a:srgbClr val="F3F2F0"/>
         </a:solidFill>
+        <a:effectLst/>
       </p:bgPr>
     </p:bg>
     <p:spTree>
@@ -4767,12 +4869,12 @@
       </p:grpSpPr>
       <p:sp>
         <p:nvSpPr>
-          <p:cNvPr name="Freeform 2" id="2"/>
+          <p:cNvPr id="2" name="Freeform 2"/>
           <p:cNvSpPr/>
           <p:nvPr/>
         </p:nvSpPr>
         <p:spPr>
-          <a:xfrm flipH="false" flipV="false" rot="0">
+          <a:xfrm>
             <a:off x="-1320651" y="-1505948"/>
             <a:ext cx="4181833" cy="4114800"/>
           </a:xfrm>
@@ -4781,9 +4883,9 @@
             <a:gdLst/>
             <a:ahLst/>
             <a:cxnLst/>
-            <a:rect r="r" b="b" t="t" l="l"/>
+            <a:rect l="l" t="t" r="r" b="b"/>
             <a:pathLst>
-              <a:path h="4114800" w="4181833">
+              <a:path w="4181833" h="4114800">
                 <a:moveTo>
                   <a:pt x="0" y="0"/>
                 </a:moveTo>
@@ -4812,19 +4914,19 @@
               </a:extLst>
             </a:blip>
             <a:stretch>
-              <a:fillRect l="0" t="0" r="0" b="0"/>
+              <a:fillRect/>
             </a:stretch>
           </a:blipFill>
         </p:spPr>
       </p:sp>
       <p:sp>
         <p:nvSpPr>
-          <p:cNvPr name="Freeform 3" id="3"/>
+          <p:cNvPr id="3" name="Freeform 3"/>
           <p:cNvSpPr/>
           <p:nvPr/>
         </p:nvSpPr>
         <p:spPr>
-          <a:xfrm flipH="false" flipV="false" rot="0">
+          <a:xfrm>
             <a:off x="14286407" y="6845277"/>
             <a:ext cx="5427194" cy="4114800"/>
           </a:xfrm>
@@ -4833,9 +4935,9 @@
             <a:gdLst/>
             <a:ahLst/>
             <a:cxnLst/>
-            <a:rect r="r" b="b" t="t" l="l"/>
+            <a:rect l="l" t="t" r="r" b="b"/>
             <a:pathLst>
-              <a:path h="4114800" w="5427194">
+              <a:path w="5427194" h="4114800">
                 <a:moveTo>
                   <a:pt x="0" y="0"/>
                 </a:moveTo>
@@ -4864,19 +4966,19 @@
               </a:extLst>
             </a:blip>
             <a:stretch>
-              <a:fillRect l="0" t="0" r="0" b="0"/>
+              <a:fillRect/>
             </a:stretch>
           </a:blipFill>
         </p:spPr>
       </p:sp>
       <p:sp>
         <p:nvSpPr>
-          <p:cNvPr name="Freeform 4" id="4"/>
+          <p:cNvPr id="4" name="Freeform 4"/>
           <p:cNvSpPr/>
           <p:nvPr/>
         </p:nvSpPr>
         <p:spPr>
-          <a:xfrm flipH="false" flipV="false" rot="-10800000">
+          <a:xfrm rot="-10800000">
             <a:off x="12882085" y="9403981"/>
             <a:ext cx="3375087" cy="1257987"/>
           </a:xfrm>
@@ -4885,9 +4987,9 @@
             <a:gdLst/>
             <a:ahLst/>
             <a:cxnLst/>
-            <a:rect r="r" b="b" t="t" l="l"/>
+            <a:rect l="l" t="t" r="r" b="b"/>
             <a:pathLst>
-              <a:path h="1257987" w="3375087">
+              <a:path w="3375087" h="1257987">
                 <a:moveTo>
                   <a:pt x="0" y="0"/>
                 </a:moveTo>
@@ -4916,19 +5018,19 @@
               </a:extLst>
             </a:blip>
             <a:stretch>
-              <a:fillRect l="0" t="0" r="0" b="0"/>
+              <a:fillRect/>
             </a:stretch>
           </a:blipFill>
         </p:spPr>
       </p:sp>
       <p:sp>
         <p:nvSpPr>
-          <p:cNvPr name="Freeform 5" id="5"/>
+          <p:cNvPr id="5" name="Freeform 5"/>
           <p:cNvSpPr/>
           <p:nvPr/>
         </p:nvSpPr>
         <p:spPr>
-          <a:xfrm flipH="false" flipV="false" rot="2193841">
+          <a:xfrm rot="2193841">
             <a:off x="-942013" y="1438500"/>
             <a:ext cx="2216693" cy="2545263"/>
           </a:xfrm>
@@ -4937,9 +5039,9 @@
             <a:gdLst/>
             <a:ahLst/>
             <a:cxnLst/>
-            <a:rect r="r" b="b" t="t" l="l"/>
+            <a:rect l="l" t="t" r="r" b="b"/>
             <a:pathLst>
-              <a:path h="2545263" w="2216693">
+              <a:path w="2216693" h="2545263">
                 <a:moveTo>
                   <a:pt x="0" y="0"/>
                 </a:moveTo>
@@ -4968,19 +5070,19 @@
               </a:extLst>
             </a:blip>
             <a:stretch>
-              <a:fillRect l="0" t="0" r="0" b="0"/>
+              <a:fillRect/>
             </a:stretch>
           </a:blipFill>
         </p:spPr>
       </p:sp>
       <p:sp>
         <p:nvSpPr>
-          <p:cNvPr name="Freeform 6" id="6"/>
+          <p:cNvPr id="6" name="Freeform 6"/>
           <p:cNvSpPr/>
           <p:nvPr/>
         </p:nvSpPr>
         <p:spPr>
-          <a:xfrm flipH="false" flipV="false" rot="0">
+          <a:xfrm>
             <a:off x="17259300" y="4843764"/>
             <a:ext cx="1623151" cy="2807336"/>
           </a:xfrm>
@@ -4989,9 +5091,9 @@
             <a:gdLst/>
             <a:ahLst/>
             <a:cxnLst/>
-            <a:rect r="r" b="b" t="t" l="l"/>
+            <a:rect l="l" t="t" r="r" b="b"/>
             <a:pathLst>
-              <a:path h="2807336" w="1623151">
+              <a:path w="1623151" h="2807336">
                 <a:moveTo>
                   <a:pt x="0" y="0"/>
                 </a:moveTo>
@@ -5020,19 +5122,19 @@
               </a:extLst>
             </a:blip>
             <a:stretch>
-              <a:fillRect l="0" t="0" r="0" b="0"/>
+              <a:fillRect/>
             </a:stretch>
           </a:blipFill>
         </p:spPr>
       </p:sp>
       <p:sp>
         <p:nvSpPr>
-          <p:cNvPr name="Freeform 7" id="7"/>
+          <p:cNvPr id="7" name="Freeform 7"/>
           <p:cNvSpPr/>
           <p:nvPr/>
         </p:nvSpPr>
         <p:spPr>
-          <a:xfrm flipH="false" flipV="false" rot="0">
+          <a:xfrm>
             <a:off x="1814681" y="-3086100"/>
             <a:ext cx="2798064" cy="4114800"/>
           </a:xfrm>
@@ -5041,9 +5143,9 @@
             <a:gdLst/>
             <a:ahLst/>
             <a:cxnLst/>
-            <a:rect r="r" b="b" t="t" l="l"/>
+            <a:rect l="l" t="t" r="r" b="b"/>
             <a:pathLst>
-              <a:path h="4114800" w="2798064">
+              <a:path w="2798064" h="4114800">
                 <a:moveTo>
                   <a:pt x="0" y="0"/>
                 </a:moveTo>
@@ -5072,19 +5174,19 @@
               </a:extLst>
             </a:blip>
             <a:stretch>
-              <a:fillRect l="0" t="0" r="0" b="0"/>
+              <a:fillRect/>
             </a:stretch>
           </a:blipFill>
         </p:spPr>
       </p:sp>
       <p:sp>
         <p:nvSpPr>
-          <p:cNvPr name="Freeform 8" id="8"/>
+          <p:cNvPr id="8" name="Freeform 8"/>
           <p:cNvSpPr/>
           <p:nvPr/>
         </p:nvSpPr>
         <p:spPr>
-          <a:xfrm flipH="false" flipV="false" rot="0">
+          <a:xfrm>
             <a:off x="16569100" y="7854632"/>
             <a:ext cx="2000865" cy="2807336"/>
           </a:xfrm>
@@ -5093,9 +5195,9 @@
             <a:gdLst/>
             <a:ahLst/>
             <a:cxnLst/>
-            <a:rect r="r" b="b" t="t" l="l"/>
+            <a:rect l="l" t="t" r="r" b="b"/>
             <a:pathLst>
-              <a:path h="2807336" w="2000865">
+              <a:path w="2000865" h="2807336">
                 <a:moveTo>
                   <a:pt x="0" y="0"/>
                 </a:moveTo>
@@ -5124,19 +5226,19 @@
               </a:extLst>
             </a:blip>
             <a:stretch>
-              <a:fillRect l="0" t="0" r="0" b="0"/>
+              <a:fillRect/>
             </a:stretch>
           </a:blipFill>
         </p:spPr>
       </p:sp>
       <p:sp>
         <p:nvSpPr>
-          <p:cNvPr name="Freeform 9" id="9"/>
+          <p:cNvPr id="9" name="Freeform 9"/>
           <p:cNvSpPr/>
           <p:nvPr/>
         </p:nvSpPr>
         <p:spPr>
-          <a:xfrm flipH="false" flipV="false" rot="0">
+          <a:xfrm>
             <a:off x="-321736" y="-1028700"/>
             <a:ext cx="1818460" cy="2357136"/>
           </a:xfrm>
@@ -5145,9 +5247,9 @@
             <a:gdLst/>
             <a:ahLst/>
             <a:cxnLst/>
-            <a:rect r="r" b="b" t="t" l="l"/>
+            <a:rect l="l" t="t" r="r" b="b"/>
             <a:pathLst>
-              <a:path h="2357136" w="1818460">
+              <a:path w="1818460" h="2357136">
                 <a:moveTo>
                   <a:pt x="0" y="0"/>
                 </a:moveTo>
@@ -5176,19 +5278,19 @@
               </a:extLst>
             </a:blip>
             <a:stretch>
-              <a:fillRect l="0" t="0" r="0" b="0"/>
+              <a:fillRect/>
             </a:stretch>
           </a:blipFill>
         </p:spPr>
       </p:sp>
       <p:grpSp>
         <p:nvGrpSpPr>
-          <p:cNvPr name="Group 10" id="10"/>
+          <p:cNvPr id="10" name="Group 10"/>
           <p:cNvGrpSpPr/>
           <p:nvPr/>
         </p:nvGrpSpPr>
         <p:grpSpPr>
-          <a:xfrm rot="0">
+          <a:xfrm>
             <a:off x="16311522" y="949784"/>
             <a:ext cx="1026694" cy="1026694"/>
             <a:chOff x="0" y="0"/>
@@ -5197,12 +5299,12 @@
         </p:grpSpPr>
         <p:sp>
           <p:nvSpPr>
-            <p:cNvPr name="Freeform 11" id="11"/>
+            <p:cNvPr id="11" name="Freeform 11"/>
             <p:cNvSpPr/>
             <p:nvPr/>
           </p:nvSpPr>
           <p:spPr>
-            <a:xfrm flipH="false" flipV="false" rot="0">
+            <a:xfrm>
               <a:off x="0" y="0"/>
               <a:ext cx="812800" cy="812800"/>
             </a:xfrm>
@@ -5211,9 +5313,9 @@
               <a:gdLst/>
               <a:ahLst/>
               <a:cxnLst/>
-              <a:rect r="r" b="b" t="t" l="l"/>
+              <a:rect l="l" t="t" r="r" b="b"/>
               <a:pathLst>
-                <a:path h="812800" w="812800">
+                <a:path w="812800" h="812800">
                   <a:moveTo>
                     <a:pt x="406400" y="0"/>
                   </a:moveTo>
@@ -5248,8 +5350,8 @@
         </p:sp>
         <p:sp>
           <p:nvSpPr>
-            <p:cNvPr name="TextBox 12" id="12"/>
-            <p:cNvSpPr txBox="true"/>
+            <p:cNvPr id="12" name="TextBox 12"/>
+            <p:cNvSpPr txBox="1"/>
             <p:nvPr/>
           </p:nvSpPr>
           <p:spPr>
@@ -5262,7 +5364,7 @@
             </a:prstGeom>
           </p:spPr>
           <p:txBody>
-            <a:bodyPr anchor="ctr" rtlCol="false" tIns="50800" lIns="50800" bIns="50800" rIns="50800"/>
+            <a:bodyPr lIns="50800" tIns="50800" rIns="50800" bIns="50800" rtlCol="0" anchor="ctr"/>
             <a:lstStyle/>
             <a:p>
               <a:pPr algn="ctr">
@@ -5270,18 +5372,19 @@
                   <a:spcPts val="2659"/>
                 </a:lnSpc>
               </a:pPr>
+              <a:endParaRPr/>
             </a:p>
           </p:txBody>
         </p:sp>
       </p:grpSp>
       <p:grpSp>
         <p:nvGrpSpPr>
-          <p:cNvPr name="Group 13" id="13"/>
+          <p:cNvPr id="13" name="Group 13"/>
           <p:cNvGrpSpPr/>
           <p:nvPr/>
         </p:nvGrpSpPr>
         <p:grpSpPr>
-          <a:xfrm rot="0">
+          <a:xfrm>
             <a:off x="16390439" y="1028700"/>
             <a:ext cx="868861" cy="868861"/>
             <a:chOff x="0" y="0"/>
@@ -5290,12 +5393,12 @@
         </p:grpSpPr>
         <p:sp>
           <p:nvSpPr>
-            <p:cNvPr name="Freeform 14" id="14"/>
+            <p:cNvPr id="14" name="Freeform 14"/>
             <p:cNvSpPr/>
             <p:nvPr/>
           </p:nvSpPr>
           <p:spPr>
-            <a:xfrm flipH="false" flipV="false" rot="0">
+            <a:xfrm>
               <a:off x="0" y="0"/>
               <a:ext cx="812800" cy="812800"/>
             </a:xfrm>
@@ -5304,9 +5407,9 @@
               <a:gdLst/>
               <a:ahLst/>
               <a:cxnLst/>
-              <a:rect r="r" b="b" t="t" l="l"/>
+              <a:rect l="l" t="t" r="r" b="b"/>
               <a:pathLst>
-                <a:path h="812800" w="812800">
+                <a:path w="812800" h="812800">
                   <a:moveTo>
                     <a:pt x="406400" y="0"/>
                   </a:moveTo>
@@ -5341,8 +5444,8 @@
         </p:sp>
         <p:sp>
           <p:nvSpPr>
-            <p:cNvPr name="TextBox 15" id="15"/>
-            <p:cNvSpPr txBox="true"/>
+            <p:cNvPr id="15" name="TextBox 15"/>
+            <p:cNvSpPr txBox="1"/>
             <p:nvPr/>
           </p:nvSpPr>
           <p:spPr>
@@ -5355,7 +5458,7 @@
             </a:prstGeom>
           </p:spPr>
           <p:txBody>
-            <a:bodyPr anchor="ctr" rtlCol="false" tIns="50800" lIns="50800" bIns="50800" rIns="50800"/>
+            <a:bodyPr lIns="50800" tIns="50800" rIns="50800" bIns="50800" rtlCol="0" anchor="ctr"/>
             <a:lstStyle/>
             <a:p>
               <a:pPr algn="ctr">
@@ -5363,18 +5466,19 @@
                   <a:spcPts val="2659"/>
                 </a:lnSpc>
               </a:pPr>
+              <a:endParaRPr/>
             </a:p>
           </p:txBody>
         </p:sp>
       </p:grpSp>
       <p:sp>
         <p:nvSpPr>
-          <p:cNvPr name="TextBox 16" id="16"/>
-          <p:cNvSpPr txBox="true"/>
-          <p:nvPr/>
-        </p:nvSpPr>
-        <p:spPr>
-          <a:xfrm rot="0">
+          <p:cNvPr id="16" name="TextBox 16"/>
+          <p:cNvSpPr txBox="1"/>
+          <p:nvPr/>
+        </p:nvSpPr>
+        <p:spPr>
+          <a:xfrm>
             <a:off x="16474869" y="1303622"/>
             <a:ext cx="700000" cy="461892"/>
           </a:xfrm>
@@ -5383,7 +5487,7 @@
           </a:prstGeom>
         </p:spPr>
         <p:txBody>
-          <a:bodyPr anchor="t" rtlCol="false" tIns="0" lIns="0" bIns="0" rIns="0">
+          <a:bodyPr lIns="0" tIns="0" rIns="0" bIns="0" rtlCol="0" anchor="t">
             <a:spAutoFit/>
           </a:bodyPr>
           <a:lstStyle/>
@@ -5394,7 +5498,7 @@
               </a:lnSpc>
             </a:pPr>
             <a:r>
-              <a:rPr lang="en-US" b="true" sz="3721">
+              <a:rPr lang="en-US" sz="3721" b="1">
                 <a:solidFill>
                   <a:srgbClr val="F3F2F0"/>
                 </a:solidFill>
@@ -5410,12 +5514,12 @@
       </p:sp>
       <p:sp>
         <p:nvSpPr>
-          <p:cNvPr name="Freeform 17" id="17"/>
+          <p:cNvPr id="17" name="Freeform 17"/>
           <p:cNvSpPr/>
           <p:nvPr/>
         </p:nvSpPr>
         <p:spPr>
-          <a:xfrm flipH="false" flipV="false" rot="0">
+          <a:xfrm>
             <a:off x="-736472" y="3168749"/>
             <a:ext cx="1765172" cy="1434604"/>
           </a:xfrm>
@@ -5424,9 +5528,9 @@
             <a:gdLst/>
             <a:ahLst/>
             <a:cxnLst/>
-            <a:rect r="r" b="b" t="t" l="l"/>
+            <a:rect l="l" t="t" r="r" b="b"/>
             <a:pathLst>
-              <a:path h="1434604" w="1765172">
+              <a:path w="1765172" h="1434604">
                 <a:moveTo>
                   <a:pt x="0" y="0"/>
                 </a:moveTo>
@@ -5455,19 +5559,19 @@
               </a:extLst>
             </a:blip>
             <a:stretch>
-              <a:fillRect l="0" t="0" r="0" b="0"/>
+              <a:fillRect/>
             </a:stretch>
           </a:blipFill>
         </p:spPr>
       </p:sp>
       <p:sp>
         <p:nvSpPr>
-          <p:cNvPr name="Freeform 18" id="18"/>
+          <p:cNvPr id="18" name="Freeform 18"/>
           <p:cNvSpPr/>
           <p:nvPr/>
         </p:nvSpPr>
         <p:spPr>
-          <a:xfrm flipH="true" flipV="true" rot="0">
+          <a:xfrm flipH="1" flipV="1">
             <a:off x="17188289" y="3168749"/>
             <a:ext cx="1765172" cy="1434604"/>
           </a:xfrm>
@@ -5476,9 +5580,9 @@
             <a:gdLst/>
             <a:ahLst/>
             <a:cxnLst/>
-            <a:rect r="r" b="b" t="t" l="l"/>
+            <a:rect l="l" t="t" r="r" b="b"/>
             <a:pathLst>
-              <a:path h="1434604" w="1765172">
+              <a:path w="1765172" h="1434604">
                 <a:moveTo>
                   <a:pt x="1765172" y="1434604"/>
                 </a:moveTo>
@@ -5507,19 +5611,19 @@
               </a:extLst>
             </a:blip>
             <a:stretch>
-              <a:fillRect l="0" t="0" r="0" b="0"/>
+              <a:fillRect/>
             </a:stretch>
           </a:blipFill>
         </p:spPr>
       </p:sp>
       <p:sp>
         <p:nvSpPr>
-          <p:cNvPr name="TextBox 19" id="19"/>
-          <p:cNvSpPr txBox="true"/>
-          <p:nvPr/>
-        </p:nvSpPr>
-        <p:spPr>
-          <a:xfrm rot="0">
+          <p:cNvPr id="19" name="TextBox 19"/>
+          <p:cNvSpPr txBox="1"/>
+          <p:nvPr/>
+        </p:nvSpPr>
+        <p:spPr>
+          <a:xfrm>
             <a:off x="3213713" y="1159334"/>
             <a:ext cx="7905857" cy="855980"/>
           </a:xfrm>
@@ -5528,7 +5632,7 @@
           </a:prstGeom>
         </p:spPr>
         <p:txBody>
-          <a:bodyPr anchor="t" rtlCol="false" tIns="0" lIns="0" bIns="0" rIns="0">
+          <a:bodyPr lIns="0" tIns="0" rIns="0" bIns="0" rtlCol="0" anchor="t">
             <a:spAutoFit/>
           </a:bodyPr>
           <a:lstStyle/>
@@ -5555,12 +5659,12 @@
       </p:sp>
       <p:sp>
         <p:nvSpPr>
-          <p:cNvPr name="TextBox 20" id="20"/>
-          <p:cNvSpPr txBox="true"/>
-          <p:nvPr/>
-        </p:nvSpPr>
-        <p:spPr>
-          <a:xfrm rot="0">
+          <p:cNvPr id="20" name="TextBox 20"/>
+          <p:cNvSpPr txBox="1"/>
+          <p:nvPr/>
+        </p:nvSpPr>
+        <p:spPr>
+          <a:xfrm>
             <a:off x="2861182" y="2212963"/>
             <a:ext cx="13961157" cy="3286125"/>
           </a:xfrm>
@@ -5569,7 +5673,7 @@
           </a:prstGeom>
         </p:spPr>
         <p:txBody>
-          <a:bodyPr anchor="t" rtlCol="false" tIns="0" lIns="0" bIns="0" rIns="0">
+          <a:bodyPr lIns="0" tIns="0" rIns="0" bIns="0" rtlCol="0" anchor="t">
             <a:spAutoFit/>
           </a:bodyPr>
           <a:lstStyle/>
@@ -5592,7 +5696,7 @@
               <a:t> </a:t>
             </a:r>
             <a:r>
-              <a:rPr lang="en-US" sz="2600" spc="-78" b="true">
+              <a:rPr lang="en-US" sz="2600" b="1" spc="-78">
                 <a:solidFill>
                   <a:srgbClr val="3D3D3D"/>
                 </a:solidFill>
@@ -5667,17 +5771,26 @@
                 <a:spcPts val="3120"/>
               </a:lnSpc>
             </a:pPr>
+            <a:endParaRPr lang="en-US" sz="2600" spc="-78">
+              <a:solidFill>
+                <a:srgbClr val="3D3D3D"/>
+              </a:solidFill>
+              <a:latin typeface="Mommi Light"/>
+              <a:ea typeface="Mommi Light"/>
+              <a:cs typeface="Mommi Light"/>
+              <a:sym typeface="Mommi Light"/>
+            </a:endParaRPr>
           </a:p>
         </p:txBody>
       </p:sp>
       <p:sp>
         <p:nvSpPr>
-          <p:cNvPr name="TextBox 21" id="21"/>
-          <p:cNvSpPr txBox="true"/>
-          <p:nvPr/>
-        </p:nvSpPr>
-        <p:spPr>
-          <a:xfrm rot="0">
+          <p:cNvPr id="21" name="TextBox 21"/>
+          <p:cNvSpPr txBox="1"/>
+          <p:nvPr/>
+        </p:nvSpPr>
+        <p:spPr>
+          <a:xfrm>
             <a:off x="2861182" y="5337163"/>
             <a:ext cx="13611156" cy="2505075"/>
           </a:xfrm>
@@ -5686,12 +5799,12 @@
           </a:prstGeom>
         </p:spPr>
         <p:txBody>
-          <a:bodyPr anchor="t" rtlCol="false" tIns="0" lIns="0" bIns="0" rIns="0">
+          <a:bodyPr lIns="0" tIns="0" rIns="0" bIns="0" rtlCol="0" anchor="t">
             <a:spAutoFit/>
           </a:bodyPr>
           <a:lstStyle/>
           <a:p>
-            <a:pPr algn="l" marL="0" indent="0" lvl="0">
+            <a:pPr marL="0" lvl="0" indent="0" algn="l">
               <a:lnSpc>
                 <a:spcPts val="3120"/>
               </a:lnSpc>
@@ -5700,7 +5813,7 @@
               </a:spcBef>
             </a:pPr>
             <a:r>
-              <a:rPr lang="en-US" b="true" sz="2600" spc="-78" strike="noStrike" u="none">
+              <a:rPr lang="en-US" sz="2600" b="1" u="none" strike="noStrike" spc="-78">
                 <a:solidFill>
                   <a:srgbClr val="3D3D3D"/>
                 </a:solidFill>
@@ -5713,7 +5826,7 @@
             </a:r>
           </a:p>
           <a:p>
-            <a:pPr algn="l" marL="0" indent="0" lvl="0">
+            <a:pPr marL="0" lvl="0" indent="0" algn="l">
               <a:lnSpc>
                 <a:spcPts val="3120"/>
               </a:lnSpc>
@@ -5722,7 +5835,7 @@
               </a:spcBef>
             </a:pPr>
             <a:r>
-              <a:rPr lang="en-US" sz="2600" spc="-78" strike="noStrike" u="none">
+              <a:rPr lang="en-US" sz="2600" u="none" strike="noStrike" spc="-78">
                 <a:solidFill>
                   <a:srgbClr val="3D3D3D"/>
                 </a:solidFill>
@@ -5735,7 +5848,7 @@
             </a:r>
           </a:p>
           <a:p>
-            <a:pPr algn="l" marL="0" indent="0" lvl="0">
+            <a:pPr marL="0" lvl="0" indent="0" algn="l">
               <a:lnSpc>
                 <a:spcPts val="3120"/>
               </a:lnSpc>
@@ -5744,7 +5857,7 @@
               </a:spcBef>
             </a:pPr>
             <a:r>
-              <a:rPr lang="en-US" sz="2600" spc="-78" strike="noStrike" u="none">
+              <a:rPr lang="en-US" sz="2600" u="none" strike="noStrike" spc="-78">
                 <a:solidFill>
                   <a:srgbClr val="3D3D3D"/>
                 </a:solidFill>
@@ -5757,7 +5870,7 @@
             </a:r>
           </a:p>
           <a:p>
-            <a:pPr algn="l" marL="0" indent="0" lvl="0">
+            <a:pPr marL="0" lvl="0" indent="0" algn="l">
               <a:lnSpc>
                 <a:spcPts val="3120"/>
               </a:lnSpc>
@@ -5765,6 +5878,15 @@
                 <a:spcPct val="0"/>
               </a:spcBef>
             </a:pPr>
+            <a:endParaRPr lang="en-US" sz="2600" u="none" strike="noStrike" spc="-78">
+              <a:solidFill>
+                <a:srgbClr val="3D3D3D"/>
+              </a:solidFill>
+              <a:latin typeface="Mommi Light"/>
+              <a:ea typeface="Mommi Light"/>
+              <a:cs typeface="Mommi Light"/>
+              <a:sym typeface="Mommi Light"/>
+            </a:endParaRPr>
           </a:p>
         </p:txBody>
       </p:sp>
@@ -5777,13 +5899,14 @@
 </file>
 
 <file path=ppt/slides/slide12.xml><?xml version="1.0" encoding="utf-8"?>
-<p:sld xmlns:p="http://schemas.openxmlformats.org/presentationml/2006/main" xmlns:a="http://schemas.openxmlformats.org/drawingml/2006/main" xmlns:r="http://schemas.openxmlformats.org/officeDocument/2006/relationships">
+<p:sld xmlns:a="http://schemas.openxmlformats.org/drawingml/2006/main" xmlns:r="http://schemas.openxmlformats.org/officeDocument/2006/relationships" xmlns:p="http://schemas.openxmlformats.org/presentationml/2006/main">
   <p:cSld>
     <p:bg>
       <p:bgPr>
         <a:solidFill>
           <a:srgbClr val="F3F2F0"/>
         </a:solidFill>
+        <a:effectLst/>
       </p:bgPr>
     </p:bg>
     <p:spTree>
@@ -5802,12 +5925,12 @@
       </p:grpSpPr>
       <p:sp>
         <p:nvSpPr>
-          <p:cNvPr name="Freeform 2" id="2"/>
+          <p:cNvPr id="2" name="Freeform 2"/>
           <p:cNvSpPr/>
           <p:nvPr/>
         </p:nvSpPr>
         <p:spPr>
-          <a:xfrm flipH="false" flipV="false" rot="0">
+          <a:xfrm>
             <a:off x="-1320651" y="-1505948"/>
             <a:ext cx="4181833" cy="4114800"/>
           </a:xfrm>
@@ -5816,9 +5939,9 @@
             <a:gdLst/>
             <a:ahLst/>
             <a:cxnLst/>
-            <a:rect r="r" b="b" t="t" l="l"/>
+            <a:rect l="l" t="t" r="r" b="b"/>
             <a:pathLst>
-              <a:path h="4114800" w="4181833">
+              <a:path w="4181833" h="4114800">
                 <a:moveTo>
                   <a:pt x="0" y="0"/>
                 </a:moveTo>
@@ -5847,19 +5970,19 @@
               </a:extLst>
             </a:blip>
             <a:stretch>
-              <a:fillRect l="0" t="0" r="0" b="0"/>
+              <a:fillRect/>
             </a:stretch>
           </a:blipFill>
         </p:spPr>
       </p:sp>
       <p:sp>
         <p:nvSpPr>
-          <p:cNvPr name="Freeform 3" id="3"/>
+          <p:cNvPr id="3" name="Freeform 3"/>
           <p:cNvSpPr/>
           <p:nvPr/>
         </p:nvSpPr>
         <p:spPr>
-          <a:xfrm flipH="false" flipV="false" rot="0">
+          <a:xfrm>
             <a:off x="14286407" y="6845277"/>
             <a:ext cx="5427194" cy="4114800"/>
           </a:xfrm>
@@ -5868,9 +5991,9 @@
             <a:gdLst/>
             <a:ahLst/>
             <a:cxnLst/>
-            <a:rect r="r" b="b" t="t" l="l"/>
+            <a:rect l="l" t="t" r="r" b="b"/>
             <a:pathLst>
-              <a:path h="4114800" w="5427194">
+              <a:path w="5427194" h="4114800">
                 <a:moveTo>
                   <a:pt x="0" y="0"/>
                 </a:moveTo>
@@ -5899,19 +6022,19 @@
               </a:extLst>
             </a:blip>
             <a:stretch>
-              <a:fillRect l="0" t="0" r="0" b="0"/>
+              <a:fillRect/>
             </a:stretch>
           </a:blipFill>
         </p:spPr>
       </p:sp>
       <p:sp>
         <p:nvSpPr>
-          <p:cNvPr name="Freeform 4" id="4"/>
+          <p:cNvPr id="4" name="Freeform 4"/>
           <p:cNvSpPr/>
           <p:nvPr/>
         </p:nvSpPr>
         <p:spPr>
-          <a:xfrm flipH="false" flipV="false" rot="-10800000">
+          <a:xfrm rot="-10800000">
             <a:off x="12882085" y="9403981"/>
             <a:ext cx="3375087" cy="1257987"/>
           </a:xfrm>
@@ -5920,9 +6043,9 @@
             <a:gdLst/>
             <a:ahLst/>
             <a:cxnLst/>
-            <a:rect r="r" b="b" t="t" l="l"/>
+            <a:rect l="l" t="t" r="r" b="b"/>
             <a:pathLst>
-              <a:path h="1257987" w="3375087">
+              <a:path w="3375087" h="1257987">
                 <a:moveTo>
                   <a:pt x="0" y="0"/>
                 </a:moveTo>
@@ -5951,19 +6074,19 @@
               </a:extLst>
             </a:blip>
             <a:stretch>
-              <a:fillRect l="0" t="0" r="0" b="0"/>
+              <a:fillRect/>
             </a:stretch>
           </a:blipFill>
         </p:spPr>
       </p:sp>
       <p:sp>
         <p:nvSpPr>
-          <p:cNvPr name="Freeform 5" id="5"/>
+          <p:cNvPr id="5" name="Freeform 5"/>
           <p:cNvSpPr/>
           <p:nvPr/>
         </p:nvSpPr>
         <p:spPr>
-          <a:xfrm flipH="false" flipV="false" rot="2193841">
+          <a:xfrm rot="2193841">
             <a:off x="-942013" y="1438500"/>
             <a:ext cx="2216693" cy="2545263"/>
           </a:xfrm>
@@ -5972,9 +6095,9 @@
             <a:gdLst/>
             <a:ahLst/>
             <a:cxnLst/>
-            <a:rect r="r" b="b" t="t" l="l"/>
+            <a:rect l="l" t="t" r="r" b="b"/>
             <a:pathLst>
-              <a:path h="2545263" w="2216693">
+              <a:path w="2216693" h="2545263">
                 <a:moveTo>
                   <a:pt x="0" y="0"/>
                 </a:moveTo>
@@ -6003,19 +6126,19 @@
               </a:extLst>
             </a:blip>
             <a:stretch>
-              <a:fillRect l="0" t="0" r="0" b="0"/>
+              <a:fillRect/>
             </a:stretch>
           </a:blipFill>
         </p:spPr>
       </p:sp>
       <p:sp>
         <p:nvSpPr>
-          <p:cNvPr name="Freeform 6" id="6"/>
+          <p:cNvPr id="6" name="Freeform 6"/>
           <p:cNvSpPr/>
           <p:nvPr/>
         </p:nvSpPr>
         <p:spPr>
-          <a:xfrm flipH="false" flipV="false" rot="0">
+          <a:xfrm>
             <a:off x="17259300" y="4843764"/>
             <a:ext cx="1623151" cy="2807336"/>
           </a:xfrm>
@@ -6024,9 +6147,9 @@
             <a:gdLst/>
             <a:ahLst/>
             <a:cxnLst/>
-            <a:rect r="r" b="b" t="t" l="l"/>
+            <a:rect l="l" t="t" r="r" b="b"/>
             <a:pathLst>
-              <a:path h="2807336" w="1623151">
+              <a:path w="1623151" h="2807336">
                 <a:moveTo>
                   <a:pt x="0" y="0"/>
                 </a:moveTo>
@@ -6055,19 +6178,19 @@
               </a:extLst>
             </a:blip>
             <a:stretch>
-              <a:fillRect l="0" t="0" r="0" b="0"/>
+              <a:fillRect/>
             </a:stretch>
           </a:blipFill>
         </p:spPr>
       </p:sp>
       <p:sp>
         <p:nvSpPr>
-          <p:cNvPr name="Freeform 7" id="7"/>
+          <p:cNvPr id="7" name="Freeform 7"/>
           <p:cNvSpPr/>
           <p:nvPr/>
         </p:nvSpPr>
         <p:spPr>
-          <a:xfrm flipH="false" flipV="false" rot="0">
+          <a:xfrm>
             <a:off x="1814681" y="-3086100"/>
             <a:ext cx="2798064" cy="4114800"/>
           </a:xfrm>
@@ -6076,9 +6199,9 @@
             <a:gdLst/>
             <a:ahLst/>
             <a:cxnLst/>
-            <a:rect r="r" b="b" t="t" l="l"/>
+            <a:rect l="l" t="t" r="r" b="b"/>
             <a:pathLst>
-              <a:path h="4114800" w="2798064">
+              <a:path w="2798064" h="4114800">
                 <a:moveTo>
                   <a:pt x="0" y="0"/>
                 </a:moveTo>
@@ -6107,19 +6230,19 @@
               </a:extLst>
             </a:blip>
             <a:stretch>
-              <a:fillRect l="0" t="0" r="0" b="0"/>
+              <a:fillRect/>
             </a:stretch>
           </a:blipFill>
         </p:spPr>
       </p:sp>
       <p:sp>
         <p:nvSpPr>
-          <p:cNvPr name="Freeform 8" id="8"/>
+          <p:cNvPr id="8" name="Freeform 8"/>
           <p:cNvSpPr/>
           <p:nvPr/>
         </p:nvSpPr>
         <p:spPr>
-          <a:xfrm flipH="false" flipV="false" rot="0">
+          <a:xfrm>
             <a:off x="16569100" y="7854632"/>
             <a:ext cx="2000865" cy="2807336"/>
           </a:xfrm>
@@ -6128,9 +6251,9 @@
             <a:gdLst/>
             <a:ahLst/>
             <a:cxnLst/>
-            <a:rect r="r" b="b" t="t" l="l"/>
+            <a:rect l="l" t="t" r="r" b="b"/>
             <a:pathLst>
-              <a:path h="2807336" w="2000865">
+              <a:path w="2000865" h="2807336">
                 <a:moveTo>
                   <a:pt x="0" y="0"/>
                 </a:moveTo>
@@ -6159,19 +6282,19 @@
               </a:extLst>
             </a:blip>
             <a:stretch>
-              <a:fillRect l="0" t="0" r="0" b="0"/>
+              <a:fillRect/>
             </a:stretch>
           </a:blipFill>
         </p:spPr>
       </p:sp>
       <p:sp>
         <p:nvSpPr>
-          <p:cNvPr name="Freeform 9" id="9"/>
+          <p:cNvPr id="9" name="Freeform 9"/>
           <p:cNvSpPr/>
           <p:nvPr/>
         </p:nvSpPr>
         <p:spPr>
-          <a:xfrm flipH="false" flipV="false" rot="0">
+          <a:xfrm>
             <a:off x="-321736" y="-1028700"/>
             <a:ext cx="1818460" cy="2357136"/>
           </a:xfrm>
@@ -6180,9 +6303,9 @@
             <a:gdLst/>
             <a:ahLst/>
             <a:cxnLst/>
-            <a:rect r="r" b="b" t="t" l="l"/>
+            <a:rect l="l" t="t" r="r" b="b"/>
             <a:pathLst>
-              <a:path h="2357136" w="1818460">
+              <a:path w="1818460" h="2357136">
                 <a:moveTo>
                   <a:pt x="0" y="0"/>
                 </a:moveTo>
@@ -6211,28 +6334,28 @@
               </a:extLst>
             </a:blip>
             <a:stretch>
-              <a:fillRect l="0" t="0" r="0" b="0"/>
+              <a:fillRect/>
             </a:stretch>
           </a:blipFill>
         </p:spPr>
       </p:sp>
       <p:sp>
         <p:nvSpPr>
-          <p:cNvPr name="TextBox 10" id="10"/>
-          <p:cNvSpPr txBox="true"/>
-          <p:nvPr/>
-        </p:nvSpPr>
-        <p:spPr>
-          <a:xfrm rot="0">
+          <p:cNvPr id="10" name="TextBox 10"/>
+          <p:cNvSpPr txBox="1"/>
+          <p:nvPr/>
+        </p:nvSpPr>
+        <p:spPr>
+          <a:xfrm>
             <a:off x="2759951" y="3208020"/>
-            <a:ext cx="12768099" cy="4261486"/>
+            <a:ext cx="12768099" cy="4312078"/>
           </a:xfrm>
           <a:prstGeom prst="rect">
             <a:avLst/>
           </a:prstGeom>
         </p:spPr>
         <p:txBody>
-          <a:bodyPr anchor="t" rtlCol="false" tIns="0" lIns="0" bIns="0" rIns="0">
+          <a:bodyPr lIns="0" tIns="0" rIns="0" bIns="0" rtlCol="0" anchor="t">
             <a:spAutoFit/>
           </a:bodyPr>
           <a:lstStyle/>
@@ -6243,7 +6366,7 @@
               </a:lnSpc>
             </a:pPr>
             <a:r>
-              <a:rPr lang="en-US" sz="17000">
+              <a:rPr lang="en-US" sz="17000" dirty="0">
                 <a:solidFill>
                   <a:srgbClr val="586977"/>
                 </a:solidFill>
@@ -6252,38 +6375,19 @@
                 <a:cs typeface="Purple Purse"/>
                 <a:sym typeface="Purple Purse"/>
               </a:rPr>
-              <a:t>THANK</a:t>
-            </a:r>
-          </a:p>
-          <a:p>
-            <a:pPr algn="ctr">
-              <a:lnSpc>
-                <a:spcPts val="16320"/>
-              </a:lnSpc>
-            </a:pPr>
-            <a:r>
-              <a:rPr lang="en-US" sz="17000">
-                <a:solidFill>
-                  <a:srgbClr val="586977"/>
-                </a:solidFill>
-                <a:latin typeface="Purple Purse"/>
-                <a:ea typeface="Purple Purse"/>
-                <a:cs typeface="Purple Purse"/>
-                <a:sym typeface="Purple Purse"/>
-              </a:rPr>
-              <a:t>YOU</a:t>
+              <a:t>THANK YOU</a:t>
             </a:r>
           </a:p>
         </p:txBody>
       </p:sp>
       <p:grpSp>
         <p:nvGrpSpPr>
-          <p:cNvPr name="Group 11" id="11"/>
+          <p:cNvPr id="11" name="Group 11"/>
           <p:cNvGrpSpPr/>
           <p:nvPr/>
         </p:nvGrpSpPr>
         <p:grpSpPr>
-          <a:xfrm rot="0">
+          <a:xfrm>
             <a:off x="16311522" y="949784"/>
             <a:ext cx="1026694" cy="1026694"/>
             <a:chOff x="0" y="0"/>
@@ -6292,12 +6396,12 @@
         </p:grpSpPr>
         <p:sp>
           <p:nvSpPr>
-            <p:cNvPr name="Freeform 12" id="12"/>
+            <p:cNvPr id="12" name="Freeform 12"/>
             <p:cNvSpPr/>
             <p:nvPr/>
           </p:nvSpPr>
           <p:spPr>
-            <a:xfrm flipH="false" flipV="false" rot="0">
+            <a:xfrm>
               <a:off x="0" y="0"/>
               <a:ext cx="812800" cy="812800"/>
             </a:xfrm>
@@ -6306,9 +6410,9 @@
               <a:gdLst/>
               <a:ahLst/>
               <a:cxnLst/>
-              <a:rect r="r" b="b" t="t" l="l"/>
+              <a:rect l="l" t="t" r="r" b="b"/>
               <a:pathLst>
-                <a:path h="812800" w="812800">
+                <a:path w="812800" h="812800">
                   <a:moveTo>
                     <a:pt x="406400" y="0"/>
                   </a:moveTo>
@@ -6343,8 +6447,8 @@
         </p:sp>
         <p:sp>
           <p:nvSpPr>
-            <p:cNvPr name="TextBox 13" id="13"/>
-            <p:cNvSpPr txBox="true"/>
+            <p:cNvPr id="13" name="TextBox 13"/>
+            <p:cNvSpPr txBox="1"/>
             <p:nvPr/>
           </p:nvSpPr>
           <p:spPr>
@@ -6357,7 +6461,7 @@
             </a:prstGeom>
           </p:spPr>
           <p:txBody>
-            <a:bodyPr anchor="ctr" rtlCol="false" tIns="50800" lIns="50800" bIns="50800" rIns="50800"/>
+            <a:bodyPr lIns="50800" tIns="50800" rIns="50800" bIns="50800" rtlCol="0" anchor="ctr"/>
             <a:lstStyle/>
             <a:p>
               <a:pPr algn="ctr">
@@ -6365,18 +6469,19 @@
                   <a:spcPts val="2659"/>
                 </a:lnSpc>
               </a:pPr>
+              <a:endParaRPr/>
             </a:p>
           </p:txBody>
         </p:sp>
       </p:grpSp>
       <p:grpSp>
         <p:nvGrpSpPr>
-          <p:cNvPr name="Group 14" id="14"/>
+          <p:cNvPr id="14" name="Group 14"/>
           <p:cNvGrpSpPr/>
           <p:nvPr/>
         </p:nvGrpSpPr>
         <p:grpSpPr>
-          <a:xfrm rot="0">
+          <a:xfrm>
             <a:off x="16390439" y="1028700"/>
             <a:ext cx="868861" cy="868861"/>
             <a:chOff x="0" y="0"/>
@@ -6385,12 +6490,12 @@
         </p:grpSpPr>
         <p:sp>
           <p:nvSpPr>
-            <p:cNvPr name="Freeform 15" id="15"/>
+            <p:cNvPr id="15" name="Freeform 15"/>
             <p:cNvSpPr/>
             <p:nvPr/>
           </p:nvSpPr>
           <p:spPr>
-            <a:xfrm flipH="false" flipV="false" rot="0">
+            <a:xfrm>
               <a:off x="0" y="0"/>
               <a:ext cx="812800" cy="812800"/>
             </a:xfrm>
@@ -6399,9 +6504,9 @@
               <a:gdLst/>
               <a:ahLst/>
               <a:cxnLst/>
-              <a:rect r="r" b="b" t="t" l="l"/>
+              <a:rect l="l" t="t" r="r" b="b"/>
               <a:pathLst>
-                <a:path h="812800" w="812800">
+                <a:path w="812800" h="812800">
                   <a:moveTo>
                     <a:pt x="406400" y="0"/>
                   </a:moveTo>
@@ -6436,8 +6541,8 @@
         </p:sp>
         <p:sp>
           <p:nvSpPr>
-            <p:cNvPr name="TextBox 16" id="16"/>
-            <p:cNvSpPr txBox="true"/>
+            <p:cNvPr id="16" name="TextBox 16"/>
+            <p:cNvSpPr txBox="1"/>
             <p:nvPr/>
           </p:nvSpPr>
           <p:spPr>
@@ -6450,7 +6555,7 @@
             </a:prstGeom>
           </p:spPr>
           <p:txBody>
-            <a:bodyPr anchor="ctr" rtlCol="false" tIns="50800" lIns="50800" bIns="50800" rIns="50800"/>
+            <a:bodyPr lIns="50800" tIns="50800" rIns="50800" bIns="50800" rtlCol="0" anchor="ctr"/>
             <a:lstStyle/>
             <a:p>
               <a:pPr algn="ctr">
@@ -6458,18 +6563,19 @@
                   <a:spcPts val="2659"/>
                 </a:lnSpc>
               </a:pPr>
+              <a:endParaRPr/>
             </a:p>
           </p:txBody>
         </p:sp>
       </p:grpSp>
       <p:sp>
         <p:nvSpPr>
-          <p:cNvPr name="TextBox 17" id="17"/>
-          <p:cNvSpPr txBox="true"/>
-          <p:nvPr/>
-        </p:nvSpPr>
-        <p:spPr>
-          <a:xfrm rot="0">
+          <p:cNvPr id="17" name="TextBox 17"/>
+          <p:cNvSpPr txBox="1"/>
+          <p:nvPr/>
+        </p:nvSpPr>
+        <p:spPr>
+          <a:xfrm>
             <a:off x="16474869" y="1303622"/>
             <a:ext cx="700000" cy="461892"/>
           </a:xfrm>
@@ -6478,7 +6584,7 @@
           </a:prstGeom>
         </p:spPr>
         <p:txBody>
-          <a:bodyPr anchor="t" rtlCol="false" tIns="0" lIns="0" bIns="0" rIns="0">
+          <a:bodyPr lIns="0" tIns="0" rIns="0" bIns="0" rtlCol="0" anchor="t">
             <a:spAutoFit/>
           </a:bodyPr>
           <a:lstStyle/>
@@ -6489,7 +6595,7 @@
               </a:lnSpc>
             </a:pPr>
             <a:r>
-              <a:rPr lang="en-US" b="true" sz="3721">
+              <a:rPr lang="en-US" sz="3721" b="1">
                 <a:solidFill>
                   <a:srgbClr val="F3F2F0"/>
                 </a:solidFill>
@@ -6505,12 +6611,12 @@
       </p:sp>
       <p:sp>
         <p:nvSpPr>
-          <p:cNvPr name="Freeform 18" id="18"/>
+          <p:cNvPr id="18" name="Freeform 18"/>
           <p:cNvSpPr/>
           <p:nvPr/>
         </p:nvSpPr>
         <p:spPr>
-          <a:xfrm flipH="false" flipV="false" rot="0">
+          <a:xfrm>
             <a:off x="-736472" y="3168749"/>
             <a:ext cx="1765172" cy="1434604"/>
           </a:xfrm>
@@ -6519,9 +6625,9 @@
             <a:gdLst/>
             <a:ahLst/>
             <a:cxnLst/>
-            <a:rect r="r" b="b" t="t" l="l"/>
+            <a:rect l="l" t="t" r="r" b="b"/>
             <a:pathLst>
-              <a:path h="1434604" w="1765172">
+              <a:path w="1765172" h="1434604">
                 <a:moveTo>
                   <a:pt x="0" y="0"/>
                 </a:moveTo>
@@ -6550,19 +6656,19 @@
               </a:extLst>
             </a:blip>
             <a:stretch>
-              <a:fillRect l="0" t="0" r="0" b="0"/>
+              <a:fillRect/>
             </a:stretch>
           </a:blipFill>
         </p:spPr>
       </p:sp>
       <p:sp>
         <p:nvSpPr>
-          <p:cNvPr name="Freeform 19" id="19"/>
+          <p:cNvPr id="19" name="Freeform 19"/>
           <p:cNvSpPr/>
           <p:nvPr/>
         </p:nvSpPr>
         <p:spPr>
-          <a:xfrm flipH="true" flipV="true" rot="0">
+          <a:xfrm flipH="1" flipV="1">
             <a:off x="17188289" y="3168749"/>
             <a:ext cx="1765172" cy="1434604"/>
           </a:xfrm>
@@ -6571,9 +6677,9 @@
             <a:gdLst/>
             <a:ahLst/>
             <a:cxnLst/>
-            <a:rect r="r" b="b" t="t" l="l"/>
+            <a:rect l="l" t="t" r="r" b="b"/>
             <a:pathLst>
-              <a:path h="1434604" w="1765172">
+              <a:path w="1765172" h="1434604">
                 <a:moveTo>
                   <a:pt x="1765172" y="1434604"/>
                 </a:moveTo>
@@ -6602,10 +6708,60 @@
               </a:extLst>
             </a:blip>
             <a:stretch>
-              <a:fillRect l="0" t="0" r="0" b="0"/>
+              <a:fillRect/>
             </a:stretch>
           </a:blipFill>
         </p:spPr>
+      </p:sp>
+      <p:sp>
+        <p:nvSpPr>
+          <p:cNvPr id="24" name="Title 23">
+            <a:extLst>
+              <a:ext uri="{FF2B5EF4-FFF2-40B4-BE49-F238E27FC236}">
+                <a16:creationId xmlns:a16="http://schemas.microsoft.com/office/drawing/2014/main" id="{8D57AC63-0439-3F2F-5F62-78C4B8C7A632}"/>
+              </a:ext>
+            </a:extLst>
+          </p:cNvPr>
+          <p:cNvSpPr>
+            <a:spLocks noGrp="1"/>
+          </p:cNvSpPr>
+          <p:nvPr>
+            <p:ph type="ctrTitle"/>
+          </p:nvPr>
+        </p:nvSpPr>
+        <p:spPr>
+          <a:xfrm>
+            <a:off x="7543800" y="7556522"/>
+            <a:ext cx="9025300" cy="1426855"/>
+          </a:xfrm>
+        </p:spPr>
+        <p:txBody>
+          <a:bodyPr>
+            <a:normAutofit fontScale="90000"/>
+          </a:bodyPr>
+          <a:lstStyle/>
+          <a:p>
+            <a:r>
+              <a:rPr lang="en-US" dirty="0"/>
+              <a:t>By:</a:t>
+            </a:r>
+            <a:br>
+              <a:rPr lang="en-US" dirty="0"/>
+            </a:br>
+            <a:r>
+              <a:rPr lang="en-US" dirty="0"/>
+              <a:t>R Yadunath Reddy     – 2023BCS0077</a:t>
+            </a:r>
+            <a:br>
+              <a:rPr lang="en-US" dirty="0"/>
+            </a:br>
+            <a:r>
+              <a:rPr lang="en-US" dirty="0"/>
+              <a:t>N Harsha Vardhan     – 2023BCS0158</a:t>
+            </a:r>
+            <a:endParaRPr lang="en-IN" dirty="0"/>
+          </a:p>
+        </p:txBody>
       </p:sp>
     </p:spTree>
   </p:cSld>
@@ -6616,13 +6772,14 @@
 </file>
 
 <file path=ppt/slides/slide2.xml><?xml version="1.0" encoding="utf-8"?>
-<p:sld xmlns:p="http://schemas.openxmlformats.org/presentationml/2006/main" xmlns:a="http://schemas.openxmlformats.org/drawingml/2006/main" xmlns:r="http://schemas.openxmlformats.org/officeDocument/2006/relationships">
+<p:sld xmlns:a="http://schemas.openxmlformats.org/drawingml/2006/main" xmlns:r="http://schemas.openxmlformats.org/officeDocument/2006/relationships" xmlns:p="http://schemas.openxmlformats.org/presentationml/2006/main">
   <p:cSld>
     <p:bg>
       <p:bgPr>
         <a:solidFill>
           <a:srgbClr val="F3F2F0"/>
         </a:solidFill>
+        <a:effectLst/>
       </p:bgPr>
     </p:bg>
     <p:spTree>
@@ -6641,12 +6798,12 @@
       </p:grpSpPr>
       <p:sp>
         <p:nvSpPr>
-          <p:cNvPr name="Freeform 2" id="2"/>
+          <p:cNvPr id="2" name="Freeform 2"/>
           <p:cNvSpPr/>
           <p:nvPr/>
         </p:nvSpPr>
         <p:spPr>
-          <a:xfrm flipH="false" flipV="false" rot="0">
+          <a:xfrm>
             <a:off x="-1320651" y="-1505948"/>
             <a:ext cx="4181833" cy="4114800"/>
           </a:xfrm>
@@ -6655,9 +6812,9 @@
             <a:gdLst/>
             <a:ahLst/>
             <a:cxnLst/>
-            <a:rect r="r" b="b" t="t" l="l"/>
+            <a:rect l="l" t="t" r="r" b="b"/>
             <a:pathLst>
-              <a:path h="4114800" w="4181833">
+              <a:path w="4181833" h="4114800">
                 <a:moveTo>
                   <a:pt x="0" y="0"/>
                 </a:moveTo>
@@ -6686,19 +6843,19 @@
               </a:extLst>
             </a:blip>
             <a:stretch>
-              <a:fillRect l="0" t="0" r="0" b="0"/>
+              <a:fillRect/>
             </a:stretch>
           </a:blipFill>
         </p:spPr>
       </p:sp>
       <p:sp>
         <p:nvSpPr>
-          <p:cNvPr name="Freeform 3" id="3"/>
+          <p:cNvPr id="3" name="Freeform 3"/>
           <p:cNvSpPr/>
           <p:nvPr/>
         </p:nvSpPr>
         <p:spPr>
-          <a:xfrm flipH="false" flipV="false" rot="0">
+          <a:xfrm>
             <a:off x="14286407" y="6845277"/>
             <a:ext cx="5427194" cy="4114800"/>
           </a:xfrm>
@@ -6707,9 +6864,9 @@
             <a:gdLst/>
             <a:ahLst/>
             <a:cxnLst/>
-            <a:rect r="r" b="b" t="t" l="l"/>
+            <a:rect l="l" t="t" r="r" b="b"/>
             <a:pathLst>
-              <a:path h="4114800" w="5427194">
+              <a:path w="5427194" h="4114800">
                 <a:moveTo>
                   <a:pt x="0" y="0"/>
                 </a:moveTo>
@@ -6738,19 +6895,19 @@
               </a:extLst>
             </a:blip>
             <a:stretch>
-              <a:fillRect l="0" t="0" r="0" b="0"/>
+              <a:fillRect/>
             </a:stretch>
           </a:blipFill>
         </p:spPr>
       </p:sp>
       <p:sp>
         <p:nvSpPr>
-          <p:cNvPr name="Freeform 4" id="4"/>
+          <p:cNvPr id="4" name="Freeform 4"/>
           <p:cNvSpPr/>
           <p:nvPr/>
         </p:nvSpPr>
         <p:spPr>
-          <a:xfrm flipH="false" flipV="false" rot="-10800000">
+          <a:xfrm rot="-10800000">
             <a:off x="12882085" y="9403981"/>
             <a:ext cx="3375087" cy="1257987"/>
           </a:xfrm>
@@ -6759,9 +6916,9 @@
             <a:gdLst/>
             <a:ahLst/>
             <a:cxnLst/>
-            <a:rect r="r" b="b" t="t" l="l"/>
+            <a:rect l="l" t="t" r="r" b="b"/>
             <a:pathLst>
-              <a:path h="1257987" w="3375087">
+              <a:path w="3375087" h="1257987">
                 <a:moveTo>
                   <a:pt x="0" y="0"/>
                 </a:moveTo>
@@ -6790,19 +6947,19 @@
               </a:extLst>
             </a:blip>
             <a:stretch>
-              <a:fillRect l="0" t="0" r="0" b="0"/>
+              <a:fillRect/>
             </a:stretch>
           </a:blipFill>
         </p:spPr>
       </p:sp>
       <p:sp>
         <p:nvSpPr>
-          <p:cNvPr name="Freeform 5" id="5"/>
+          <p:cNvPr id="5" name="Freeform 5"/>
           <p:cNvSpPr/>
           <p:nvPr/>
         </p:nvSpPr>
         <p:spPr>
-          <a:xfrm flipH="false" flipV="false" rot="2193841">
+          <a:xfrm rot="2193841">
             <a:off x="-942013" y="1438500"/>
             <a:ext cx="2216693" cy="2545263"/>
           </a:xfrm>
@@ -6811,9 +6968,9 @@
             <a:gdLst/>
             <a:ahLst/>
             <a:cxnLst/>
-            <a:rect r="r" b="b" t="t" l="l"/>
+            <a:rect l="l" t="t" r="r" b="b"/>
             <a:pathLst>
-              <a:path h="2545263" w="2216693">
+              <a:path w="2216693" h="2545263">
                 <a:moveTo>
                   <a:pt x="0" y="0"/>
                 </a:moveTo>
@@ -6842,19 +6999,19 @@
               </a:extLst>
             </a:blip>
             <a:stretch>
-              <a:fillRect l="0" t="0" r="0" b="0"/>
+              <a:fillRect/>
             </a:stretch>
           </a:blipFill>
         </p:spPr>
       </p:sp>
       <p:sp>
         <p:nvSpPr>
-          <p:cNvPr name="Freeform 6" id="6"/>
+          <p:cNvPr id="6" name="Freeform 6"/>
           <p:cNvSpPr/>
           <p:nvPr/>
         </p:nvSpPr>
         <p:spPr>
-          <a:xfrm flipH="false" flipV="false" rot="0">
+          <a:xfrm>
             <a:off x="17259300" y="4843764"/>
             <a:ext cx="1623151" cy="2807336"/>
           </a:xfrm>
@@ -6863,9 +7020,9 @@
             <a:gdLst/>
             <a:ahLst/>
             <a:cxnLst/>
-            <a:rect r="r" b="b" t="t" l="l"/>
+            <a:rect l="l" t="t" r="r" b="b"/>
             <a:pathLst>
-              <a:path h="2807336" w="1623151">
+              <a:path w="1623151" h="2807336">
                 <a:moveTo>
                   <a:pt x="0" y="0"/>
                 </a:moveTo>
@@ -6894,19 +7051,19 @@
               </a:extLst>
             </a:blip>
             <a:stretch>
-              <a:fillRect l="0" t="0" r="0" b="0"/>
+              <a:fillRect/>
             </a:stretch>
           </a:blipFill>
         </p:spPr>
       </p:sp>
       <p:sp>
         <p:nvSpPr>
-          <p:cNvPr name="Freeform 7" id="7"/>
+          <p:cNvPr id="7" name="Freeform 7"/>
           <p:cNvSpPr/>
           <p:nvPr/>
         </p:nvSpPr>
         <p:spPr>
-          <a:xfrm flipH="false" flipV="false" rot="0">
+          <a:xfrm>
             <a:off x="1814681" y="-3086100"/>
             <a:ext cx="2798064" cy="4114800"/>
           </a:xfrm>
@@ -6915,9 +7072,9 @@
             <a:gdLst/>
             <a:ahLst/>
             <a:cxnLst/>
-            <a:rect r="r" b="b" t="t" l="l"/>
+            <a:rect l="l" t="t" r="r" b="b"/>
             <a:pathLst>
-              <a:path h="4114800" w="2798064">
+              <a:path w="2798064" h="4114800">
                 <a:moveTo>
                   <a:pt x="0" y="0"/>
                 </a:moveTo>
@@ -6946,19 +7103,19 @@
               </a:extLst>
             </a:blip>
             <a:stretch>
-              <a:fillRect l="0" t="0" r="0" b="0"/>
+              <a:fillRect/>
             </a:stretch>
           </a:blipFill>
         </p:spPr>
       </p:sp>
       <p:sp>
         <p:nvSpPr>
-          <p:cNvPr name="Freeform 8" id="8"/>
+          <p:cNvPr id="8" name="Freeform 8"/>
           <p:cNvSpPr/>
           <p:nvPr/>
         </p:nvSpPr>
         <p:spPr>
-          <a:xfrm flipH="false" flipV="false" rot="0">
+          <a:xfrm>
             <a:off x="16569100" y="7854632"/>
             <a:ext cx="2000865" cy="2807336"/>
           </a:xfrm>
@@ -6967,9 +7124,9 @@
             <a:gdLst/>
             <a:ahLst/>
             <a:cxnLst/>
-            <a:rect r="r" b="b" t="t" l="l"/>
+            <a:rect l="l" t="t" r="r" b="b"/>
             <a:pathLst>
-              <a:path h="2807336" w="2000865">
+              <a:path w="2000865" h="2807336">
                 <a:moveTo>
                   <a:pt x="0" y="0"/>
                 </a:moveTo>
@@ -6998,19 +7155,19 @@
               </a:extLst>
             </a:blip>
             <a:stretch>
-              <a:fillRect l="0" t="0" r="0" b="0"/>
+              <a:fillRect/>
             </a:stretch>
           </a:blipFill>
         </p:spPr>
       </p:sp>
       <p:sp>
         <p:nvSpPr>
-          <p:cNvPr name="Freeform 9" id="9"/>
+          <p:cNvPr id="9" name="Freeform 9"/>
           <p:cNvSpPr/>
           <p:nvPr/>
         </p:nvSpPr>
         <p:spPr>
-          <a:xfrm flipH="false" flipV="false" rot="0">
+          <a:xfrm>
             <a:off x="-321736" y="-1028700"/>
             <a:ext cx="1818460" cy="2357136"/>
           </a:xfrm>
@@ -7019,9 +7176,9 @@
             <a:gdLst/>
             <a:ahLst/>
             <a:cxnLst/>
-            <a:rect r="r" b="b" t="t" l="l"/>
+            <a:rect l="l" t="t" r="r" b="b"/>
             <a:pathLst>
-              <a:path h="2357136" w="1818460">
+              <a:path w="1818460" h="2357136">
                 <a:moveTo>
                   <a:pt x="0" y="0"/>
                 </a:moveTo>
@@ -7050,19 +7207,19 @@
               </a:extLst>
             </a:blip>
             <a:stretch>
-              <a:fillRect l="0" t="0" r="0" b="0"/>
+              <a:fillRect/>
             </a:stretch>
           </a:blipFill>
         </p:spPr>
       </p:sp>
       <p:grpSp>
         <p:nvGrpSpPr>
-          <p:cNvPr name="Group 10" id="10"/>
+          <p:cNvPr id="10" name="Group 10"/>
           <p:cNvGrpSpPr/>
           <p:nvPr/>
         </p:nvGrpSpPr>
         <p:grpSpPr>
-          <a:xfrm rot="0">
+          <a:xfrm>
             <a:off x="16311522" y="949784"/>
             <a:ext cx="1026694" cy="1026694"/>
             <a:chOff x="0" y="0"/>
@@ -7071,12 +7228,12 @@
         </p:grpSpPr>
         <p:sp>
           <p:nvSpPr>
-            <p:cNvPr name="Freeform 11" id="11"/>
+            <p:cNvPr id="11" name="Freeform 11"/>
             <p:cNvSpPr/>
             <p:nvPr/>
           </p:nvSpPr>
           <p:spPr>
-            <a:xfrm flipH="false" flipV="false" rot="0">
+            <a:xfrm>
               <a:off x="0" y="0"/>
               <a:ext cx="812800" cy="812800"/>
             </a:xfrm>
@@ -7085,9 +7242,9 @@
               <a:gdLst/>
               <a:ahLst/>
               <a:cxnLst/>
-              <a:rect r="r" b="b" t="t" l="l"/>
+              <a:rect l="l" t="t" r="r" b="b"/>
               <a:pathLst>
-                <a:path h="812800" w="812800">
+                <a:path w="812800" h="812800">
                   <a:moveTo>
                     <a:pt x="406400" y="0"/>
                   </a:moveTo>
@@ -7122,8 +7279,8 @@
         </p:sp>
         <p:sp>
           <p:nvSpPr>
-            <p:cNvPr name="TextBox 12" id="12"/>
-            <p:cNvSpPr txBox="true"/>
+            <p:cNvPr id="12" name="TextBox 12"/>
+            <p:cNvSpPr txBox="1"/>
             <p:nvPr/>
           </p:nvSpPr>
           <p:spPr>
@@ -7136,7 +7293,7 @@
             </a:prstGeom>
           </p:spPr>
           <p:txBody>
-            <a:bodyPr anchor="ctr" rtlCol="false" tIns="50800" lIns="50800" bIns="50800" rIns="50800"/>
+            <a:bodyPr lIns="50800" tIns="50800" rIns="50800" bIns="50800" rtlCol="0" anchor="ctr"/>
             <a:lstStyle/>
             <a:p>
               <a:pPr algn="ctr">
@@ -7144,18 +7301,19 @@
                   <a:spcPts val="2659"/>
                 </a:lnSpc>
               </a:pPr>
+              <a:endParaRPr/>
             </a:p>
           </p:txBody>
         </p:sp>
       </p:grpSp>
       <p:grpSp>
         <p:nvGrpSpPr>
-          <p:cNvPr name="Group 13" id="13"/>
+          <p:cNvPr id="13" name="Group 13"/>
           <p:cNvGrpSpPr/>
           <p:nvPr/>
         </p:nvGrpSpPr>
         <p:grpSpPr>
-          <a:xfrm rot="0">
+          <a:xfrm>
             <a:off x="16390439" y="1028700"/>
             <a:ext cx="868861" cy="868861"/>
             <a:chOff x="0" y="0"/>
@@ -7164,12 +7322,12 @@
         </p:grpSpPr>
         <p:sp>
           <p:nvSpPr>
-            <p:cNvPr name="Freeform 14" id="14"/>
+            <p:cNvPr id="14" name="Freeform 14"/>
             <p:cNvSpPr/>
             <p:nvPr/>
           </p:nvSpPr>
           <p:spPr>
-            <a:xfrm flipH="false" flipV="false" rot="0">
+            <a:xfrm>
               <a:off x="0" y="0"/>
               <a:ext cx="812800" cy="812800"/>
             </a:xfrm>
@@ -7178,9 +7336,9 @@
               <a:gdLst/>
               <a:ahLst/>
               <a:cxnLst/>
-              <a:rect r="r" b="b" t="t" l="l"/>
+              <a:rect l="l" t="t" r="r" b="b"/>
               <a:pathLst>
-                <a:path h="812800" w="812800">
+                <a:path w="812800" h="812800">
                   <a:moveTo>
                     <a:pt x="406400" y="0"/>
                   </a:moveTo>
@@ -7215,8 +7373,8 @@
         </p:sp>
         <p:sp>
           <p:nvSpPr>
-            <p:cNvPr name="TextBox 15" id="15"/>
-            <p:cNvSpPr txBox="true"/>
+            <p:cNvPr id="15" name="TextBox 15"/>
+            <p:cNvSpPr txBox="1"/>
             <p:nvPr/>
           </p:nvSpPr>
           <p:spPr>
@@ -7229,7 +7387,7 @@
             </a:prstGeom>
           </p:spPr>
           <p:txBody>
-            <a:bodyPr anchor="ctr" rtlCol="false" tIns="50800" lIns="50800" bIns="50800" rIns="50800"/>
+            <a:bodyPr lIns="50800" tIns="50800" rIns="50800" bIns="50800" rtlCol="0" anchor="ctr"/>
             <a:lstStyle/>
             <a:p>
               <a:pPr algn="ctr">
@@ -7237,18 +7395,19 @@
                   <a:spcPts val="2659"/>
                 </a:lnSpc>
               </a:pPr>
+              <a:endParaRPr/>
             </a:p>
           </p:txBody>
         </p:sp>
       </p:grpSp>
       <p:sp>
         <p:nvSpPr>
-          <p:cNvPr name="TextBox 16" id="16"/>
-          <p:cNvSpPr txBox="true"/>
-          <p:nvPr/>
-        </p:nvSpPr>
-        <p:spPr>
-          <a:xfrm rot="0">
+          <p:cNvPr id="16" name="TextBox 16"/>
+          <p:cNvSpPr txBox="1"/>
+          <p:nvPr/>
+        </p:nvSpPr>
+        <p:spPr>
+          <a:xfrm>
             <a:off x="3457762" y="1689314"/>
             <a:ext cx="10828645" cy="8647430"/>
           </a:xfrm>
@@ -7257,7 +7416,7 @@
           </a:prstGeom>
         </p:spPr>
         <p:txBody>
-          <a:bodyPr anchor="t" rtlCol="false" tIns="0" lIns="0" bIns="0" rIns="0">
+          <a:bodyPr lIns="0" tIns="0" rIns="0" bIns="0" rtlCol="0" anchor="t">
             <a:spAutoFit/>
           </a:bodyPr>
           <a:lstStyle/>
@@ -7280,7 +7439,7 @@
               <a:t>• </a:t>
             </a:r>
             <a:r>
-              <a:rPr lang="en-US" sz="3800" spc="-114" b="true">
+              <a:rPr lang="en-US" sz="3800" b="1" spc="-114">
                 <a:solidFill>
                   <a:srgbClr val="586977"/>
                 </a:solidFill>
@@ -7323,7 +7482,7 @@
               <a:t>• </a:t>
             </a:r>
             <a:r>
-              <a:rPr lang="en-US" sz="3800" spc="-114" b="true">
+              <a:rPr lang="en-US" sz="3800" b="1" spc="-114">
                 <a:solidFill>
                   <a:srgbClr val="586977"/>
                 </a:solidFill>
@@ -7366,7 +7525,7 @@
               <a:t>• </a:t>
             </a:r>
             <a:r>
-              <a:rPr lang="en-US" sz="3800" spc="-114" b="true">
+              <a:rPr lang="en-US" sz="3800" b="1" spc="-114">
                 <a:solidFill>
                   <a:srgbClr val="586977"/>
                 </a:solidFill>
@@ -7396,17 +7555,26 @@
                 <a:spcPts val="5320"/>
               </a:lnSpc>
             </a:pPr>
+            <a:endParaRPr lang="en-US" sz="3800" spc="-114">
+              <a:solidFill>
+                <a:srgbClr val="586977"/>
+              </a:solidFill>
+              <a:latin typeface="Circe"/>
+              <a:ea typeface="Circe"/>
+              <a:cs typeface="Circe"/>
+              <a:sym typeface="Circe"/>
+            </a:endParaRPr>
           </a:p>
         </p:txBody>
       </p:sp>
       <p:sp>
         <p:nvSpPr>
-          <p:cNvPr name="TextBox 17" id="17"/>
-          <p:cNvSpPr txBox="true"/>
-          <p:nvPr/>
-        </p:nvSpPr>
-        <p:spPr>
-          <a:xfrm rot="0">
+          <p:cNvPr id="17" name="TextBox 17"/>
+          <p:cNvSpPr txBox="1"/>
+          <p:nvPr/>
+        </p:nvSpPr>
+        <p:spPr>
+          <a:xfrm>
             <a:off x="3457762" y="761002"/>
             <a:ext cx="10839951" cy="856179"/>
           </a:xfrm>
@@ -7415,7 +7583,7 @@
           </a:prstGeom>
         </p:spPr>
         <p:txBody>
-          <a:bodyPr anchor="t" rtlCol="false" tIns="0" lIns="0" bIns="0" rIns="0">
+          <a:bodyPr lIns="0" tIns="0" rIns="0" bIns="0" rtlCol="0" anchor="t">
             <a:spAutoFit/>
           </a:bodyPr>
           <a:lstStyle/>
@@ -7442,12 +7610,12 @@
       </p:sp>
       <p:sp>
         <p:nvSpPr>
-          <p:cNvPr name="TextBox 18" id="18"/>
-          <p:cNvSpPr txBox="true"/>
-          <p:nvPr/>
-        </p:nvSpPr>
-        <p:spPr>
-          <a:xfrm rot="0">
+          <p:cNvPr id="18" name="TextBox 18"/>
+          <p:cNvSpPr txBox="1"/>
+          <p:nvPr/>
+        </p:nvSpPr>
+        <p:spPr>
+          <a:xfrm>
             <a:off x="16474869" y="1303622"/>
             <a:ext cx="700000" cy="461892"/>
           </a:xfrm>
@@ -7456,7 +7624,7 @@
           </a:prstGeom>
         </p:spPr>
         <p:txBody>
-          <a:bodyPr anchor="t" rtlCol="false" tIns="0" lIns="0" bIns="0" rIns="0">
+          <a:bodyPr lIns="0" tIns="0" rIns="0" bIns="0" rtlCol="0" anchor="t">
             <a:spAutoFit/>
           </a:bodyPr>
           <a:lstStyle/>
@@ -7467,7 +7635,7 @@
               </a:lnSpc>
             </a:pPr>
             <a:r>
-              <a:rPr lang="en-US" b="true" sz="3721">
+              <a:rPr lang="en-US" sz="3721" b="1">
                 <a:solidFill>
                   <a:srgbClr val="F3F2F0"/>
                 </a:solidFill>
@@ -7483,12 +7651,12 @@
       </p:sp>
       <p:sp>
         <p:nvSpPr>
-          <p:cNvPr name="Freeform 19" id="19"/>
+          <p:cNvPr id="19" name="Freeform 19"/>
           <p:cNvSpPr/>
           <p:nvPr/>
         </p:nvSpPr>
         <p:spPr>
-          <a:xfrm flipH="false" flipV="false" rot="0">
+          <a:xfrm>
             <a:off x="-736472" y="3168749"/>
             <a:ext cx="1765172" cy="1434604"/>
           </a:xfrm>
@@ -7497,9 +7665,9 @@
             <a:gdLst/>
             <a:ahLst/>
             <a:cxnLst/>
-            <a:rect r="r" b="b" t="t" l="l"/>
+            <a:rect l="l" t="t" r="r" b="b"/>
             <a:pathLst>
-              <a:path h="1434604" w="1765172">
+              <a:path w="1765172" h="1434604">
                 <a:moveTo>
                   <a:pt x="0" y="0"/>
                 </a:moveTo>
@@ -7528,19 +7696,19 @@
               </a:extLst>
             </a:blip>
             <a:stretch>
-              <a:fillRect l="0" t="0" r="0" b="0"/>
+              <a:fillRect/>
             </a:stretch>
           </a:blipFill>
         </p:spPr>
       </p:sp>
       <p:sp>
         <p:nvSpPr>
-          <p:cNvPr name="Freeform 20" id="20"/>
+          <p:cNvPr id="20" name="Freeform 20"/>
           <p:cNvSpPr/>
           <p:nvPr/>
         </p:nvSpPr>
         <p:spPr>
-          <a:xfrm flipH="true" flipV="true" rot="0">
+          <a:xfrm flipH="1" flipV="1">
             <a:off x="17188289" y="3168749"/>
             <a:ext cx="1765172" cy="1434604"/>
           </a:xfrm>
@@ -7549,9 +7717,9 @@
             <a:gdLst/>
             <a:ahLst/>
             <a:cxnLst/>
-            <a:rect r="r" b="b" t="t" l="l"/>
+            <a:rect l="l" t="t" r="r" b="b"/>
             <a:pathLst>
-              <a:path h="1434604" w="1765172">
+              <a:path w="1765172" h="1434604">
                 <a:moveTo>
                   <a:pt x="1765172" y="1434604"/>
                 </a:moveTo>
@@ -7580,7 +7748,7 @@
               </a:extLst>
             </a:blip>
             <a:stretch>
-              <a:fillRect l="0" t="0" r="0" b="0"/>
+              <a:fillRect/>
             </a:stretch>
           </a:blipFill>
         </p:spPr>
@@ -7594,13 +7762,14 @@
 </file>
 
 <file path=ppt/slides/slide3.xml><?xml version="1.0" encoding="utf-8"?>
-<p:sld xmlns:p="http://schemas.openxmlformats.org/presentationml/2006/main" xmlns:a="http://schemas.openxmlformats.org/drawingml/2006/main" xmlns:r="http://schemas.openxmlformats.org/officeDocument/2006/relationships">
+<p:sld xmlns:a="http://schemas.openxmlformats.org/drawingml/2006/main" xmlns:r="http://schemas.openxmlformats.org/officeDocument/2006/relationships" xmlns:p="http://schemas.openxmlformats.org/presentationml/2006/main">
   <p:cSld>
     <p:bg>
       <p:bgPr>
         <a:solidFill>
           <a:srgbClr val="F3F2F0"/>
         </a:solidFill>
+        <a:effectLst/>
       </p:bgPr>
     </p:bg>
     <p:spTree>
@@ -7619,12 +7788,12 @@
       </p:grpSpPr>
       <p:sp>
         <p:nvSpPr>
-          <p:cNvPr name="Freeform 2" id="2"/>
+          <p:cNvPr id="2" name="Freeform 2"/>
           <p:cNvSpPr/>
           <p:nvPr/>
         </p:nvSpPr>
         <p:spPr>
-          <a:xfrm flipH="false" flipV="false" rot="0">
+          <a:xfrm>
             <a:off x="-1320651" y="-1505948"/>
             <a:ext cx="4181833" cy="4114800"/>
           </a:xfrm>
@@ -7633,9 +7802,9 @@
             <a:gdLst/>
             <a:ahLst/>
             <a:cxnLst/>
-            <a:rect r="r" b="b" t="t" l="l"/>
+            <a:rect l="l" t="t" r="r" b="b"/>
             <a:pathLst>
-              <a:path h="4114800" w="4181833">
+              <a:path w="4181833" h="4114800">
                 <a:moveTo>
                   <a:pt x="0" y="0"/>
                 </a:moveTo>
@@ -7664,19 +7833,19 @@
               </a:extLst>
             </a:blip>
             <a:stretch>
-              <a:fillRect l="0" t="0" r="0" b="0"/>
+              <a:fillRect/>
             </a:stretch>
           </a:blipFill>
         </p:spPr>
       </p:sp>
       <p:sp>
         <p:nvSpPr>
-          <p:cNvPr name="Freeform 3" id="3"/>
+          <p:cNvPr id="3" name="Freeform 3"/>
           <p:cNvSpPr/>
           <p:nvPr/>
         </p:nvSpPr>
         <p:spPr>
-          <a:xfrm flipH="false" flipV="false" rot="0">
+          <a:xfrm>
             <a:off x="14286407" y="6845277"/>
             <a:ext cx="5427194" cy="4114800"/>
           </a:xfrm>
@@ -7685,9 +7854,9 @@
             <a:gdLst/>
             <a:ahLst/>
             <a:cxnLst/>
-            <a:rect r="r" b="b" t="t" l="l"/>
+            <a:rect l="l" t="t" r="r" b="b"/>
             <a:pathLst>
-              <a:path h="4114800" w="5427194">
+              <a:path w="5427194" h="4114800">
                 <a:moveTo>
                   <a:pt x="0" y="0"/>
                 </a:moveTo>
@@ -7716,19 +7885,19 @@
               </a:extLst>
             </a:blip>
             <a:stretch>
-              <a:fillRect l="0" t="0" r="0" b="0"/>
+              <a:fillRect/>
             </a:stretch>
           </a:blipFill>
         </p:spPr>
       </p:sp>
       <p:sp>
         <p:nvSpPr>
-          <p:cNvPr name="Freeform 4" id="4"/>
+          <p:cNvPr id="4" name="Freeform 4"/>
           <p:cNvSpPr/>
           <p:nvPr/>
         </p:nvSpPr>
         <p:spPr>
-          <a:xfrm flipH="false" flipV="false" rot="-10800000">
+          <a:xfrm rot="-10800000">
             <a:off x="12882085" y="9403981"/>
             <a:ext cx="3375087" cy="1257987"/>
           </a:xfrm>
@@ -7737,9 +7906,9 @@
             <a:gdLst/>
             <a:ahLst/>
             <a:cxnLst/>
-            <a:rect r="r" b="b" t="t" l="l"/>
+            <a:rect l="l" t="t" r="r" b="b"/>
             <a:pathLst>
-              <a:path h="1257987" w="3375087">
+              <a:path w="3375087" h="1257987">
                 <a:moveTo>
                   <a:pt x="0" y="0"/>
                 </a:moveTo>
@@ -7768,19 +7937,19 @@
               </a:extLst>
             </a:blip>
             <a:stretch>
-              <a:fillRect l="0" t="0" r="0" b="0"/>
+              <a:fillRect/>
             </a:stretch>
           </a:blipFill>
         </p:spPr>
       </p:sp>
       <p:sp>
         <p:nvSpPr>
-          <p:cNvPr name="Freeform 5" id="5"/>
+          <p:cNvPr id="5" name="Freeform 5"/>
           <p:cNvSpPr/>
           <p:nvPr/>
         </p:nvSpPr>
         <p:spPr>
-          <a:xfrm flipH="false" flipV="false" rot="2193841">
+          <a:xfrm rot="2193841">
             <a:off x="-942013" y="1438500"/>
             <a:ext cx="2216693" cy="2545263"/>
           </a:xfrm>
@@ -7789,9 +7958,9 @@
             <a:gdLst/>
             <a:ahLst/>
             <a:cxnLst/>
-            <a:rect r="r" b="b" t="t" l="l"/>
+            <a:rect l="l" t="t" r="r" b="b"/>
             <a:pathLst>
-              <a:path h="2545263" w="2216693">
+              <a:path w="2216693" h="2545263">
                 <a:moveTo>
                   <a:pt x="0" y="0"/>
                 </a:moveTo>
@@ -7820,19 +7989,19 @@
               </a:extLst>
             </a:blip>
             <a:stretch>
-              <a:fillRect l="0" t="0" r="0" b="0"/>
+              <a:fillRect/>
             </a:stretch>
           </a:blipFill>
         </p:spPr>
       </p:sp>
       <p:sp>
         <p:nvSpPr>
-          <p:cNvPr name="Freeform 6" id="6"/>
+          <p:cNvPr id="6" name="Freeform 6"/>
           <p:cNvSpPr/>
           <p:nvPr/>
         </p:nvSpPr>
         <p:spPr>
-          <a:xfrm flipH="false" flipV="false" rot="0">
+          <a:xfrm>
             <a:off x="17259300" y="4843764"/>
             <a:ext cx="1623151" cy="2807336"/>
           </a:xfrm>
@@ -7841,9 +8010,9 @@
             <a:gdLst/>
             <a:ahLst/>
             <a:cxnLst/>
-            <a:rect r="r" b="b" t="t" l="l"/>
+            <a:rect l="l" t="t" r="r" b="b"/>
             <a:pathLst>
-              <a:path h="2807336" w="1623151">
+              <a:path w="1623151" h="2807336">
                 <a:moveTo>
                   <a:pt x="0" y="0"/>
                 </a:moveTo>
@@ -7872,19 +8041,19 @@
               </a:extLst>
             </a:blip>
             <a:stretch>
-              <a:fillRect l="0" t="0" r="0" b="0"/>
+              <a:fillRect/>
             </a:stretch>
           </a:blipFill>
         </p:spPr>
       </p:sp>
       <p:sp>
         <p:nvSpPr>
-          <p:cNvPr name="Freeform 7" id="7"/>
+          <p:cNvPr id="7" name="Freeform 7"/>
           <p:cNvSpPr/>
           <p:nvPr/>
         </p:nvSpPr>
         <p:spPr>
-          <a:xfrm flipH="false" flipV="false" rot="0">
+          <a:xfrm>
             <a:off x="1814681" y="-3086100"/>
             <a:ext cx="2798064" cy="4114800"/>
           </a:xfrm>
@@ -7893,9 +8062,9 @@
             <a:gdLst/>
             <a:ahLst/>
             <a:cxnLst/>
-            <a:rect r="r" b="b" t="t" l="l"/>
+            <a:rect l="l" t="t" r="r" b="b"/>
             <a:pathLst>
-              <a:path h="4114800" w="2798064">
+              <a:path w="2798064" h="4114800">
                 <a:moveTo>
                   <a:pt x="0" y="0"/>
                 </a:moveTo>
@@ -7924,19 +8093,19 @@
               </a:extLst>
             </a:blip>
             <a:stretch>
-              <a:fillRect l="0" t="0" r="0" b="0"/>
+              <a:fillRect/>
             </a:stretch>
           </a:blipFill>
         </p:spPr>
       </p:sp>
       <p:sp>
         <p:nvSpPr>
-          <p:cNvPr name="Freeform 8" id="8"/>
+          <p:cNvPr id="8" name="Freeform 8"/>
           <p:cNvSpPr/>
           <p:nvPr/>
         </p:nvSpPr>
         <p:spPr>
-          <a:xfrm flipH="false" flipV="false" rot="0">
+          <a:xfrm>
             <a:off x="16569100" y="7854632"/>
             <a:ext cx="2000865" cy="2807336"/>
           </a:xfrm>
@@ -7945,9 +8114,9 @@
             <a:gdLst/>
             <a:ahLst/>
             <a:cxnLst/>
-            <a:rect r="r" b="b" t="t" l="l"/>
+            <a:rect l="l" t="t" r="r" b="b"/>
             <a:pathLst>
-              <a:path h="2807336" w="2000865">
+              <a:path w="2000865" h="2807336">
                 <a:moveTo>
                   <a:pt x="0" y="0"/>
                 </a:moveTo>
@@ -7976,19 +8145,19 @@
               </a:extLst>
             </a:blip>
             <a:stretch>
-              <a:fillRect l="0" t="0" r="0" b="0"/>
+              <a:fillRect/>
             </a:stretch>
           </a:blipFill>
         </p:spPr>
       </p:sp>
       <p:sp>
         <p:nvSpPr>
-          <p:cNvPr name="Freeform 9" id="9"/>
+          <p:cNvPr id="9" name="Freeform 9"/>
           <p:cNvSpPr/>
           <p:nvPr/>
         </p:nvSpPr>
         <p:spPr>
-          <a:xfrm flipH="false" flipV="false" rot="0">
+          <a:xfrm>
             <a:off x="-321736" y="-1028700"/>
             <a:ext cx="1818460" cy="2357136"/>
           </a:xfrm>
@@ -7997,9 +8166,9 @@
             <a:gdLst/>
             <a:ahLst/>
             <a:cxnLst/>
-            <a:rect r="r" b="b" t="t" l="l"/>
+            <a:rect l="l" t="t" r="r" b="b"/>
             <a:pathLst>
-              <a:path h="2357136" w="1818460">
+              <a:path w="1818460" h="2357136">
                 <a:moveTo>
                   <a:pt x="0" y="0"/>
                 </a:moveTo>
@@ -8028,19 +8197,19 @@
               </a:extLst>
             </a:blip>
             <a:stretch>
-              <a:fillRect l="0" t="0" r="0" b="0"/>
+              <a:fillRect/>
             </a:stretch>
           </a:blipFill>
         </p:spPr>
       </p:sp>
       <p:grpSp>
         <p:nvGrpSpPr>
-          <p:cNvPr name="Group 10" id="10"/>
+          <p:cNvPr id="10" name="Group 10"/>
           <p:cNvGrpSpPr/>
           <p:nvPr/>
         </p:nvGrpSpPr>
         <p:grpSpPr>
-          <a:xfrm rot="0">
+          <a:xfrm>
             <a:off x="16311522" y="949784"/>
             <a:ext cx="1026694" cy="1026694"/>
             <a:chOff x="0" y="0"/>
@@ -8049,12 +8218,12 @@
         </p:grpSpPr>
         <p:sp>
           <p:nvSpPr>
-            <p:cNvPr name="Freeform 11" id="11"/>
+            <p:cNvPr id="11" name="Freeform 11"/>
             <p:cNvSpPr/>
             <p:nvPr/>
           </p:nvSpPr>
           <p:spPr>
-            <a:xfrm flipH="false" flipV="false" rot="0">
+            <a:xfrm>
               <a:off x="0" y="0"/>
               <a:ext cx="812800" cy="812800"/>
             </a:xfrm>
@@ -8063,9 +8232,9 @@
               <a:gdLst/>
               <a:ahLst/>
               <a:cxnLst/>
-              <a:rect r="r" b="b" t="t" l="l"/>
+              <a:rect l="l" t="t" r="r" b="b"/>
               <a:pathLst>
-                <a:path h="812800" w="812800">
+                <a:path w="812800" h="812800">
                   <a:moveTo>
                     <a:pt x="406400" y="0"/>
                   </a:moveTo>
@@ -8100,8 +8269,8 @@
         </p:sp>
         <p:sp>
           <p:nvSpPr>
-            <p:cNvPr name="TextBox 12" id="12"/>
-            <p:cNvSpPr txBox="true"/>
+            <p:cNvPr id="12" name="TextBox 12"/>
+            <p:cNvSpPr txBox="1"/>
             <p:nvPr/>
           </p:nvSpPr>
           <p:spPr>
@@ -8114,7 +8283,7 @@
             </a:prstGeom>
           </p:spPr>
           <p:txBody>
-            <a:bodyPr anchor="ctr" rtlCol="false" tIns="50800" lIns="50800" bIns="50800" rIns="50800"/>
+            <a:bodyPr lIns="50800" tIns="50800" rIns="50800" bIns="50800" rtlCol="0" anchor="ctr"/>
             <a:lstStyle/>
             <a:p>
               <a:pPr algn="ctr">
@@ -8122,18 +8291,19 @@
                   <a:spcPts val="2659"/>
                 </a:lnSpc>
               </a:pPr>
+              <a:endParaRPr/>
             </a:p>
           </p:txBody>
         </p:sp>
       </p:grpSp>
       <p:grpSp>
         <p:nvGrpSpPr>
-          <p:cNvPr name="Group 13" id="13"/>
+          <p:cNvPr id="13" name="Group 13"/>
           <p:cNvGrpSpPr/>
           <p:nvPr/>
         </p:nvGrpSpPr>
         <p:grpSpPr>
-          <a:xfrm rot="0">
+          <a:xfrm>
             <a:off x="16390439" y="1028700"/>
             <a:ext cx="868861" cy="868861"/>
             <a:chOff x="0" y="0"/>
@@ -8142,12 +8312,12 @@
         </p:grpSpPr>
         <p:sp>
           <p:nvSpPr>
-            <p:cNvPr name="Freeform 14" id="14"/>
+            <p:cNvPr id="14" name="Freeform 14"/>
             <p:cNvSpPr/>
             <p:nvPr/>
           </p:nvSpPr>
           <p:spPr>
-            <a:xfrm flipH="false" flipV="false" rot="0">
+            <a:xfrm>
               <a:off x="0" y="0"/>
               <a:ext cx="812800" cy="812800"/>
             </a:xfrm>
@@ -8156,9 +8326,9 @@
               <a:gdLst/>
               <a:ahLst/>
               <a:cxnLst/>
-              <a:rect r="r" b="b" t="t" l="l"/>
+              <a:rect l="l" t="t" r="r" b="b"/>
               <a:pathLst>
-                <a:path h="812800" w="812800">
+                <a:path w="812800" h="812800">
                   <a:moveTo>
                     <a:pt x="406400" y="0"/>
                   </a:moveTo>
@@ -8193,8 +8363,8 @@
         </p:sp>
         <p:sp>
           <p:nvSpPr>
-            <p:cNvPr name="TextBox 15" id="15"/>
-            <p:cNvSpPr txBox="true"/>
+            <p:cNvPr id="15" name="TextBox 15"/>
+            <p:cNvSpPr txBox="1"/>
             <p:nvPr/>
           </p:nvSpPr>
           <p:spPr>
@@ -8207,7 +8377,7 @@
             </a:prstGeom>
           </p:spPr>
           <p:txBody>
-            <a:bodyPr anchor="ctr" rtlCol="false" tIns="50800" lIns="50800" bIns="50800" rIns="50800"/>
+            <a:bodyPr lIns="50800" tIns="50800" rIns="50800" bIns="50800" rtlCol="0" anchor="ctr"/>
             <a:lstStyle/>
             <a:p>
               <a:pPr algn="ctr">
@@ -8215,18 +8385,19 @@
                   <a:spcPts val="2659"/>
                 </a:lnSpc>
               </a:pPr>
+              <a:endParaRPr/>
             </a:p>
           </p:txBody>
         </p:sp>
       </p:grpSp>
       <p:sp>
         <p:nvSpPr>
-          <p:cNvPr name="TextBox 16" id="16"/>
-          <p:cNvSpPr txBox="true"/>
-          <p:nvPr/>
-        </p:nvSpPr>
-        <p:spPr>
-          <a:xfrm rot="0">
+          <p:cNvPr id="16" name="TextBox 16"/>
+          <p:cNvSpPr txBox="1"/>
+          <p:nvPr/>
+        </p:nvSpPr>
+        <p:spPr>
+          <a:xfrm>
             <a:off x="3255789" y="1830886"/>
             <a:ext cx="10828645" cy="7781290"/>
           </a:xfrm>
@@ -8235,7 +8406,7 @@
           </a:prstGeom>
         </p:spPr>
         <p:txBody>
-          <a:bodyPr anchor="t" rtlCol="false" tIns="0" lIns="0" bIns="0" rIns="0">
+          <a:bodyPr lIns="0" tIns="0" rIns="0" bIns="0" rtlCol="0" anchor="t">
             <a:spAutoFit/>
           </a:bodyPr>
           <a:lstStyle/>
@@ -8246,7 +8417,7 @@
               </a:lnSpc>
             </a:pPr>
             <a:r>
-              <a:rPr lang="en-US" sz="3400" spc="-102" b="true">
+              <a:rPr lang="en-US" sz="3400" b="1" spc="-102">
                 <a:solidFill>
                   <a:srgbClr val="586977"/>
                 </a:solidFill>
@@ -8270,7 +8441,7 @@
               <a:t> </a:t>
             </a:r>
             <a:r>
-              <a:rPr lang="en-US" sz="3400" spc="-102" b="true">
+              <a:rPr lang="en-US" sz="3400" b="1" spc="-102">
                 <a:solidFill>
                   <a:srgbClr val="586977"/>
                 </a:solidFill>
@@ -8301,7 +8472,7 @@
               </a:lnSpc>
             </a:pPr>
             <a:r>
-              <a:rPr lang="en-US" sz="3400" spc="-102" b="true">
+              <a:rPr lang="en-US" sz="3400" b="1" spc="-102">
                 <a:solidFill>
                   <a:srgbClr val="586977"/>
                 </a:solidFill>
@@ -8332,7 +8503,7 @@
               </a:lnSpc>
             </a:pPr>
             <a:r>
-              <a:rPr lang="en-US" sz="3400" spc="-102" b="true">
+              <a:rPr lang="en-US" sz="3400" b="1" spc="-102">
                 <a:solidFill>
                   <a:srgbClr val="586977"/>
                 </a:solidFill>
@@ -8363,7 +8534,7 @@
               </a:lnSpc>
             </a:pPr>
             <a:r>
-              <a:rPr lang="en-US" sz="3400" spc="-102" b="true">
+              <a:rPr lang="en-US" sz="3400" b="1" spc="-102">
                 <a:solidFill>
                   <a:srgbClr val="586977"/>
                 </a:solidFill>
@@ -8394,7 +8565,7 @@
               </a:lnSpc>
             </a:pPr>
             <a:r>
-              <a:rPr lang="en-US" sz="3400" spc="-102" b="true">
+              <a:rPr lang="en-US" sz="3400" b="1" spc="-102">
                 <a:solidFill>
                   <a:srgbClr val="586977"/>
                 </a:solidFill>
@@ -8424,17 +8595,26 @@
                 <a:spcPts val="4760"/>
               </a:lnSpc>
             </a:pPr>
+            <a:endParaRPr lang="en-US" sz="3400" spc="-102">
+              <a:solidFill>
+                <a:srgbClr val="586977"/>
+              </a:solidFill>
+              <a:latin typeface="Circe"/>
+              <a:ea typeface="Circe"/>
+              <a:cs typeface="Circe"/>
+              <a:sym typeface="Circe"/>
+            </a:endParaRPr>
           </a:p>
         </p:txBody>
       </p:sp>
       <p:sp>
         <p:nvSpPr>
-          <p:cNvPr name="TextBox 17" id="17"/>
-          <p:cNvSpPr txBox="true"/>
-          <p:nvPr/>
-        </p:nvSpPr>
-        <p:spPr>
-          <a:xfrm rot="0">
+          <p:cNvPr id="17" name="TextBox 17"/>
+          <p:cNvSpPr txBox="1"/>
+          <p:nvPr/>
+        </p:nvSpPr>
+        <p:spPr>
+          <a:xfrm>
             <a:off x="3255789" y="882327"/>
             <a:ext cx="10839951" cy="856179"/>
           </a:xfrm>
@@ -8443,7 +8623,7 @@
           </a:prstGeom>
         </p:spPr>
         <p:txBody>
-          <a:bodyPr anchor="t" rtlCol="false" tIns="0" lIns="0" bIns="0" rIns="0">
+          <a:bodyPr lIns="0" tIns="0" rIns="0" bIns="0" rtlCol="0" anchor="t">
             <a:spAutoFit/>
           </a:bodyPr>
           <a:lstStyle/>
@@ -8470,12 +8650,12 @@
       </p:sp>
       <p:sp>
         <p:nvSpPr>
-          <p:cNvPr name="TextBox 18" id="18"/>
-          <p:cNvSpPr txBox="true"/>
-          <p:nvPr/>
-        </p:nvSpPr>
-        <p:spPr>
-          <a:xfrm rot="0">
+          <p:cNvPr id="18" name="TextBox 18"/>
+          <p:cNvSpPr txBox="1"/>
+          <p:nvPr/>
+        </p:nvSpPr>
+        <p:spPr>
+          <a:xfrm>
             <a:off x="16474869" y="1303622"/>
             <a:ext cx="700000" cy="461892"/>
           </a:xfrm>
@@ -8484,7 +8664,7 @@
           </a:prstGeom>
         </p:spPr>
         <p:txBody>
-          <a:bodyPr anchor="t" rtlCol="false" tIns="0" lIns="0" bIns="0" rIns="0">
+          <a:bodyPr lIns="0" tIns="0" rIns="0" bIns="0" rtlCol="0" anchor="t">
             <a:spAutoFit/>
           </a:bodyPr>
           <a:lstStyle/>
@@ -8495,7 +8675,7 @@
               </a:lnSpc>
             </a:pPr>
             <a:r>
-              <a:rPr lang="en-US" b="true" sz="3721">
+              <a:rPr lang="en-US" sz="3721" b="1">
                 <a:solidFill>
                   <a:srgbClr val="F3F2F0"/>
                 </a:solidFill>
@@ -8511,12 +8691,12 @@
       </p:sp>
       <p:sp>
         <p:nvSpPr>
-          <p:cNvPr name="Freeform 19" id="19"/>
+          <p:cNvPr id="19" name="Freeform 19"/>
           <p:cNvSpPr/>
           <p:nvPr/>
         </p:nvSpPr>
         <p:spPr>
-          <a:xfrm flipH="false" flipV="false" rot="0">
+          <a:xfrm>
             <a:off x="-736472" y="3168749"/>
             <a:ext cx="1765172" cy="1434604"/>
           </a:xfrm>
@@ -8525,9 +8705,9 @@
             <a:gdLst/>
             <a:ahLst/>
             <a:cxnLst/>
-            <a:rect r="r" b="b" t="t" l="l"/>
+            <a:rect l="l" t="t" r="r" b="b"/>
             <a:pathLst>
-              <a:path h="1434604" w="1765172">
+              <a:path w="1765172" h="1434604">
                 <a:moveTo>
                   <a:pt x="0" y="0"/>
                 </a:moveTo>
@@ -8556,19 +8736,19 @@
               </a:extLst>
             </a:blip>
             <a:stretch>
-              <a:fillRect l="0" t="0" r="0" b="0"/>
+              <a:fillRect/>
             </a:stretch>
           </a:blipFill>
         </p:spPr>
       </p:sp>
       <p:sp>
         <p:nvSpPr>
-          <p:cNvPr name="Freeform 20" id="20"/>
+          <p:cNvPr id="20" name="Freeform 20"/>
           <p:cNvSpPr/>
           <p:nvPr/>
         </p:nvSpPr>
         <p:spPr>
-          <a:xfrm flipH="true" flipV="true" rot="0">
+          <a:xfrm flipH="1" flipV="1">
             <a:off x="17188289" y="3168749"/>
             <a:ext cx="1765172" cy="1434604"/>
           </a:xfrm>
@@ -8577,9 +8757,9 @@
             <a:gdLst/>
             <a:ahLst/>
             <a:cxnLst/>
-            <a:rect r="r" b="b" t="t" l="l"/>
+            <a:rect l="l" t="t" r="r" b="b"/>
             <a:pathLst>
-              <a:path h="1434604" w="1765172">
+              <a:path w="1765172" h="1434604">
                 <a:moveTo>
                   <a:pt x="1765172" y="1434604"/>
                 </a:moveTo>
@@ -8608,7 +8788,7 @@
               </a:extLst>
             </a:blip>
             <a:stretch>
-              <a:fillRect l="0" t="0" r="0" b="0"/>
+              <a:fillRect/>
             </a:stretch>
           </a:blipFill>
         </p:spPr>
@@ -8622,13 +8802,14 @@
 </file>
 
 <file path=ppt/slides/slide4.xml><?xml version="1.0" encoding="utf-8"?>
-<p:sld xmlns:p="http://schemas.openxmlformats.org/presentationml/2006/main" xmlns:a="http://schemas.openxmlformats.org/drawingml/2006/main" xmlns:r="http://schemas.openxmlformats.org/officeDocument/2006/relationships">
+<p:sld xmlns:a="http://schemas.openxmlformats.org/drawingml/2006/main" xmlns:r="http://schemas.openxmlformats.org/officeDocument/2006/relationships" xmlns:p="http://schemas.openxmlformats.org/presentationml/2006/main">
   <p:cSld>
     <p:bg>
       <p:bgPr>
         <a:solidFill>
           <a:srgbClr val="F3F2F0"/>
         </a:solidFill>
+        <a:effectLst/>
       </p:bgPr>
     </p:bg>
     <p:spTree>
@@ -8647,12 +8828,12 @@
       </p:grpSpPr>
       <p:sp>
         <p:nvSpPr>
-          <p:cNvPr name="Freeform 2" id="2"/>
+          <p:cNvPr id="2" name="Freeform 2"/>
           <p:cNvSpPr/>
           <p:nvPr/>
         </p:nvSpPr>
         <p:spPr>
-          <a:xfrm flipH="false" flipV="false" rot="0">
+          <a:xfrm>
             <a:off x="-1320651" y="-1505948"/>
             <a:ext cx="4181833" cy="4114800"/>
           </a:xfrm>
@@ -8661,9 +8842,9 @@
             <a:gdLst/>
             <a:ahLst/>
             <a:cxnLst/>
-            <a:rect r="r" b="b" t="t" l="l"/>
+            <a:rect l="l" t="t" r="r" b="b"/>
             <a:pathLst>
-              <a:path h="4114800" w="4181833">
+              <a:path w="4181833" h="4114800">
                 <a:moveTo>
                   <a:pt x="0" y="0"/>
                 </a:moveTo>
@@ -8692,19 +8873,19 @@
               </a:extLst>
             </a:blip>
             <a:stretch>
-              <a:fillRect l="0" t="0" r="0" b="0"/>
+              <a:fillRect/>
             </a:stretch>
           </a:blipFill>
         </p:spPr>
       </p:sp>
       <p:sp>
         <p:nvSpPr>
-          <p:cNvPr name="Freeform 3" id="3"/>
+          <p:cNvPr id="3" name="Freeform 3"/>
           <p:cNvSpPr/>
           <p:nvPr/>
         </p:nvSpPr>
         <p:spPr>
-          <a:xfrm flipH="false" flipV="false" rot="0">
+          <a:xfrm>
             <a:off x="14286407" y="6845277"/>
             <a:ext cx="5427194" cy="4114800"/>
           </a:xfrm>
@@ -8713,9 +8894,9 @@
             <a:gdLst/>
             <a:ahLst/>
             <a:cxnLst/>
-            <a:rect r="r" b="b" t="t" l="l"/>
+            <a:rect l="l" t="t" r="r" b="b"/>
             <a:pathLst>
-              <a:path h="4114800" w="5427194">
+              <a:path w="5427194" h="4114800">
                 <a:moveTo>
                   <a:pt x="0" y="0"/>
                 </a:moveTo>
@@ -8744,19 +8925,19 @@
               </a:extLst>
             </a:blip>
             <a:stretch>
-              <a:fillRect l="0" t="0" r="0" b="0"/>
+              <a:fillRect/>
             </a:stretch>
           </a:blipFill>
         </p:spPr>
       </p:sp>
       <p:sp>
         <p:nvSpPr>
-          <p:cNvPr name="Freeform 4" id="4"/>
+          <p:cNvPr id="4" name="Freeform 4"/>
           <p:cNvSpPr/>
           <p:nvPr/>
         </p:nvSpPr>
         <p:spPr>
-          <a:xfrm flipH="false" flipV="false" rot="-10800000">
+          <a:xfrm rot="-10800000">
             <a:off x="12882085" y="9403981"/>
             <a:ext cx="3375087" cy="1257987"/>
           </a:xfrm>
@@ -8765,9 +8946,9 @@
             <a:gdLst/>
             <a:ahLst/>
             <a:cxnLst/>
-            <a:rect r="r" b="b" t="t" l="l"/>
+            <a:rect l="l" t="t" r="r" b="b"/>
             <a:pathLst>
-              <a:path h="1257987" w="3375087">
+              <a:path w="3375087" h="1257987">
                 <a:moveTo>
                   <a:pt x="0" y="0"/>
                 </a:moveTo>
@@ -8796,19 +8977,19 @@
               </a:extLst>
             </a:blip>
             <a:stretch>
-              <a:fillRect l="0" t="0" r="0" b="0"/>
+              <a:fillRect/>
             </a:stretch>
           </a:blipFill>
         </p:spPr>
       </p:sp>
       <p:sp>
         <p:nvSpPr>
-          <p:cNvPr name="Freeform 5" id="5"/>
+          <p:cNvPr id="5" name="Freeform 5"/>
           <p:cNvSpPr/>
           <p:nvPr/>
         </p:nvSpPr>
         <p:spPr>
-          <a:xfrm flipH="false" flipV="false" rot="2193841">
+          <a:xfrm rot="2193841">
             <a:off x="-942013" y="1438500"/>
             <a:ext cx="2216693" cy="2545263"/>
           </a:xfrm>
@@ -8817,9 +8998,9 @@
             <a:gdLst/>
             <a:ahLst/>
             <a:cxnLst/>
-            <a:rect r="r" b="b" t="t" l="l"/>
+            <a:rect l="l" t="t" r="r" b="b"/>
             <a:pathLst>
-              <a:path h="2545263" w="2216693">
+              <a:path w="2216693" h="2545263">
                 <a:moveTo>
                   <a:pt x="0" y="0"/>
                 </a:moveTo>
@@ -8848,19 +9029,19 @@
               </a:extLst>
             </a:blip>
             <a:stretch>
-              <a:fillRect l="0" t="0" r="0" b="0"/>
+              <a:fillRect/>
             </a:stretch>
           </a:blipFill>
         </p:spPr>
       </p:sp>
       <p:sp>
         <p:nvSpPr>
-          <p:cNvPr name="Freeform 6" id="6"/>
+          <p:cNvPr id="6" name="Freeform 6"/>
           <p:cNvSpPr/>
           <p:nvPr/>
         </p:nvSpPr>
         <p:spPr>
-          <a:xfrm flipH="false" flipV="false" rot="0">
+          <a:xfrm>
             <a:off x="17259300" y="4843764"/>
             <a:ext cx="1623151" cy="2807336"/>
           </a:xfrm>
@@ -8869,9 +9050,9 @@
             <a:gdLst/>
             <a:ahLst/>
             <a:cxnLst/>
-            <a:rect r="r" b="b" t="t" l="l"/>
+            <a:rect l="l" t="t" r="r" b="b"/>
             <a:pathLst>
-              <a:path h="2807336" w="1623151">
+              <a:path w="1623151" h="2807336">
                 <a:moveTo>
                   <a:pt x="0" y="0"/>
                 </a:moveTo>
@@ -8900,19 +9081,19 @@
               </a:extLst>
             </a:blip>
             <a:stretch>
-              <a:fillRect l="0" t="0" r="0" b="0"/>
+              <a:fillRect/>
             </a:stretch>
           </a:blipFill>
         </p:spPr>
       </p:sp>
       <p:sp>
         <p:nvSpPr>
-          <p:cNvPr name="Freeform 7" id="7"/>
+          <p:cNvPr id="7" name="Freeform 7"/>
           <p:cNvSpPr/>
           <p:nvPr/>
         </p:nvSpPr>
         <p:spPr>
-          <a:xfrm flipH="false" flipV="false" rot="0">
+          <a:xfrm>
             <a:off x="1814681" y="-3086100"/>
             <a:ext cx="2798064" cy="4114800"/>
           </a:xfrm>
@@ -8921,9 +9102,9 @@
             <a:gdLst/>
             <a:ahLst/>
             <a:cxnLst/>
-            <a:rect r="r" b="b" t="t" l="l"/>
+            <a:rect l="l" t="t" r="r" b="b"/>
             <a:pathLst>
-              <a:path h="4114800" w="2798064">
+              <a:path w="2798064" h="4114800">
                 <a:moveTo>
                   <a:pt x="0" y="0"/>
                 </a:moveTo>
@@ -8952,19 +9133,19 @@
               </a:extLst>
             </a:blip>
             <a:stretch>
-              <a:fillRect l="0" t="0" r="0" b="0"/>
+              <a:fillRect/>
             </a:stretch>
           </a:blipFill>
         </p:spPr>
       </p:sp>
       <p:sp>
         <p:nvSpPr>
-          <p:cNvPr name="Freeform 8" id="8"/>
+          <p:cNvPr id="8" name="Freeform 8"/>
           <p:cNvSpPr/>
           <p:nvPr/>
         </p:nvSpPr>
         <p:spPr>
-          <a:xfrm flipH="false" flipV="false" rot="0">
+          <a:xfrm>
             <a:off x="16569100" y="7854632"/>
             <a:ext cx="2000865" cy="2807336"/>
           </a:xfrm>
@@ -8973,9 +9154,9 @@
             <a:gdLst/>
             <a:ahLst/>
             <a:cxnLst/>
-            <a:rect r="r" b="b" t="t" l="l"/>
+            <a:rect l="l" t="t" r="r" b="b"/>
             <a:pathLst>
-              <a:path h="2807336" w="2000865">
+              <a:path w="2000865" h="2807336">
                 <a:moveTo>
                   <a:pt x="0" y="0"/>
                 </a:moveTo>
@@ -9004,19 +9185,19 @@
               </a:extLst>
             </a:blip>
             <a:stretch>
-              <a:fillRect l="0" t="0" r="0" b="0"/>
+              <a:fillRect/>
             </a:stretch>
           </a:blipFill>
         </p:spPr>
       </p:sp>
       <p:sp>
         <p:nvSpPr>
-          <p:cNvPr name="Freeform 9" id="9"/>
+          <p:cNvPr id="9" name="Freeform 9"/>
           <p:cNvSpPr/>
           <p:nvPr/>
         </p:nvSpPr>
         <p:spPr>
-          <a:xfrm flipH="false" flipV="false" rot="0">
+          <a:xfrm>
             <a:off x="-321736" y="-1028700"/>
             <a:ext cx="1818460" cy="2357136"/>
           </a:xfrm>
@@ -9025,9 +9206,9 @@
             <a:gdLst/>
             <a:ahLst/>
             <a:cxnLst/>
-            <a:rect r="r" b="b" t="t" l="l"/>
+            <a:rect l="l" t="t" r="r" b="b"/>
             <a:pathLst>
-              <a:path h="2357136" w="1818460">
+              <a:path w="1818460" h="2357136">
                 <a:moveTo>
                   <a:pt x="0" y="0"/>
                 </a:moveTo>
@@ -9056,19 +9237,19 @@
               </a:extLst>
             </a:blip>
             <a:stretch>
-              <a:fillRect l="0" t="0" r="0" b="0"/>
+              <a:fillRect/>
             </a:stretch>
           </a:blipFill>
         </p:spPr>
       </p:sp>
       <p:grpSp>
         <p:nvGrpSpPr>
-          <p:cNvPr name="Group 10" id="10"/>
+          <p:cNvPr id="10" name="Group 10"/>
           <p:cNvGrpSpPr/>
           <p:nvPr/>
         </p:nvGrpSpPr>
         <p:grpSpPr>
-          <a:xfrm rot="0">
+          <a:xfrm>
             <a:off x="16311522" y="949784"/>
             <a:ext cx="1026694" cy="1026694"/>
             <a:chOff x="0" y="0"/>
@@ -9077,12 +9258,12 @@
         </p:grpSpPr>
         <p:sp>
           <p:nvSpPr>
-            <p:cNvPr name="Freeform 11" id="11"/>
+            <p:cNvPr id="11" name="Freeform 11"/>
             <p:cNvSpPr/>
             <p:nvPr/>
           </p:nvSpPr>
           <p:spPr>
-            <a:xfrm flipH="false" flipV="false" rot="0">
+            <a:xfrm>
               <a:off x="0" y="0"/>
               <a:ext cx="812800" cy="812800"/>
             </a:xfrm>
@@ -9091,9 +9272,9 @@
               <a:gdLst/>
               <a:ahLst/>
               <a:cxnLst/>
-              <a:rect r="r" b="b" t="t" l="l"/>
+              <a:rect l="l" t="t" r="r" b="b"/>
               <a:pathLst>
-                <a:path h="812800" w="812800">
+                <a:path w="812800" h="812800">
                   <a:moveTo>
                     <a:pt x="406400" y="0"/>
                   </a:moveTo>
@@ -9128,8 +9309,8 @@
         </p:sp>
         <p:sp>
           <p:nvSpPr>
-            <p:cNvPr name="TextBox 12" id="12"/>
-            <p:cNvSpPr txBox="true"/>
+            <p:cNvPr id="12" name="TextBox 12"/>
+            <p:cNvSpPr txBox="1"/>
             <p:nvPr/>
           </p:nvSpPr>
           <p:spPr>
@@ -9142,7 +9323,7 @@
             </a:prstGeom>
           </p:spPr>
           <p:txBody>
-            <a:bodyPr anchor="ctr" rtlCol="false" tIns="50800" lIns="50800" bIns="50800" rIns="50800"/>
+            <a:bodyPr lIns="50800" tIns="50800" rIns="50800" bIns="50800" rtlCol="0" anchor="ctr"/>
             <a:lstStyle/>
             <a:p>
               <a:pPr algn="ctr">
@@ -9150,18 +9331,19 @@
                   <a:spcPts val="2659"/>
                 </a:lnSpc>
               </a:pPr>
+              <a:endParaRPr/>
             </a:p>
           </p:txBody>
         </p:sp>
       </p:grpSp>
       <p:grpSp>
         <p:nvGrpSpPr>
-          <p:cNvPr name="Group 13" id="13"/>
+          <p:cNvPr id="13" name="Group 13"/>
           <p:cNvGrpSpPr/>
           <p:nvPr/>
         </p:nvGrpSpPr>
         <p:grpSpPr>
-          <a:xfrm rot="0">
+          <a:xfrm>
             <a:off x="16390439" y="1028700"/>
             <a:ext cx="868861" cy="868861"/>
             <a:chOff x="0" y="0"/>
@@ -9170,12 +9352,12 @@
         </p:grpSpPr>
         <p:sp>
           <p:nvSpPr>
-            <p:cNvPr name="Freeform 14" id="14"/>
+            <p:cNvPr id="14" name="Freeform 14"/>
             <p:cNvSpPr/>
             <p:nvPr/>
           </p:nvSpPr>
           <p:spPr>
-            <a:xfrm flipH="false" flipV="false" rot="0">
+            <a:xfrm>
               <a:off x="0" y="0"/>
               <a:ext cx="812800" cy="812800"/>
             </a:xfrm>
@@ -9184,9 +9366,9 @@
               <a:gdLst/>
               <a:ahLst/>
               <a:cxnLst/>
-              <a:rect r="r" b="b" t="t" l="l"/>
+              <a:rect l="l" t="t" r="r" b="b"/>
               <a:pathLst>
-                <a:path h="812800" w="812800">
+                <a:path w="812800" h="812800">
                   <a:moveTo>
                     <a:pt x="406400" y="0"/>
                   </a:moveTo>
@@ -9221,8 +9403,8 @@
         </p:sp>
         <p:sp>
           <p:nvSpPr>
-            <p:cNvPr name="TextBox 15" id="15"/>
-            <p:cNvSpPr txBox="true"/>
+            <p:cNvPr id="15" name="TextBox 15"/>
+            <p:cNvSpPr txBox="1"/>
             <p:nvPr/>
           </p:nvSpPr>
           <p:spPr>
@@ -9235,7 +9417,7 @@
             </a:prstGeom>
           </p:spPr>
           <p:txBody>
-            <a:bodyPr anchor="ctr" rtlCol="false" tIns="50800" lIns="50800" bIns="50800" rIns="50800"/>
+            <a:bodyPr lIns="50800" tIns="50800" rIns="50800" bIns="50800" rtlCol="0" anchor="ctr"/>
             <a:lstStyle/>
             <a:p>
               <a:pPr algn="ctr">
@@ -9243,18 +9425,19 @@
                   <a:spcPts val="2659"/>
                 </a:lnSpc>
               </a:pPr>
+              <a:endParaRPr/>
             </a:p>
           </p:txBody>
         </p:sp>
       </p:grpSp>
       <p:sp>
         <p:nvSpPr>
-          <p:cNvPr name="Freeform 16" id="16"/>
+          <p:cNvPr id="16" name="Freeform 16"/>
           <p:cNvSpPr/>
           <p:nvPr/>
         </p:nvSpPr>
         <p:spPr>
-          <a:xfrm flipH="false" flipV="false" rot="0">
+          <a:xfrm>
             <a:off x="4086071" y="2143597"/>
             <a:ext cx="427227" cy="474697"/>
           </a:xfrm>
@@ -9263,9 +9446,9 @@
             <a:gdLst/>
             <a:ahLst/>
             <a:cxnLst/>
-            <a:rect r="r" b="b" t="t" l="l"/>
+            <a:rect l="l" t="t" r="r" b="b"/>
             <a:pathLst>
-              <a:path h="474697" w="427227">
+              <a:path w="427227" h="474697">
                 <a:moveTo>
                   <a:pt x="0" y="0"/>
                 </a:moveTo>
@@ -9294,19 +9477,19 @@
               </a:extLst>
             </a:blip>
             <a:stretch>
-              <a:fillRect l="0" t="0" r="0" b="0"/>
+              <a:fillRect/>
             </a:stretch>
           </a:blipFill>
         </p:spPr>
       </p:sp>
       <p:sp>
         <p:nvSpPr>
-          <p:cNvPr name="Freeform 17" id="17"/>
+          <p:cNvPr id="17" name="Freeform 17"/>
           <p:cNvSpPr/>
           <p:nvPr/>
         </p:nvSpPr>
         <p:spPr>
-          <a:xfrm flipH="false" flipV="false" rot="0">
+          <a:xfrm>
             <a:off x="4081542" y="3400718"/>
             <a:ext cx="427227" cy="474697"/>
           </a:xfrm>
@@ -9315,9 +9498,9 @@
             <a:gdLst/>
             <a:ahLst/>
             <a:cxnLst/>
-            <a:rect r="r" b="b" t="t" l="l"/>
+            <a:rect l="l" t="t" r="r" b="b"/>
             <a:pathLst>
-              <a:path h="474697" w="427227">
+              <a:path w="427227" h="474697">
                 <a:moveTo>
                   <a:pt x="0" y="0"/>
                 </a:moveTo>
@@ -9346,19 +9529,19 @@
               </a:extLst>
             </a:blip>
             <a:stretch>
-              <a:fillRect l="0" t="0" r="0" b="0"/>
+              <a:fillRect/>
             </a:stretch>
           </a:blipFill>
         </p:spPr>
       </p:sp>
       <p:sp>
         <p:nvSpPr>
-          <p:cNvPr name="Freeform 18" id="18"/>
+          <p:cNvPr id="18" name="Freeform 18"/>
           <p:cNvSpPr/>
           <p:nvPr/>
         </p:nvSpPr>
         <p:spPr>
-          <a:xfrm flipH="false" flipV="false" rot="0">
+          <a:xfrm>
             <a:off x="4081542" y="4668803"/>
             <a:ext cx="427227" cy="474697"/>
           </a:xfrm>
@@ -9367,9 +9550,9 @@
             <a:gdLst/>
             <a:ahLst/>
             <a:cxnLst/>
-            <a:rect r="r" b="b" t="t" l="l"/>
+            <a:rect l="l" t="t" r="r" b="b"/>
             <a:pathLst>
-              <a:path h="474697" w="427227">
+              <a:path w="427227" h="474697">
                 <a:moveTo>
                   <a:pt x="0" y="0"/>
                 </a:moveTo>
@@ -9398,19 +9581,19 @@
               </a:extLst>
             </a:blip>
             <a:stretch>
-              <a:fillRect l="0" t="0" r="0" b="0"/>
+              <a:fillRect/>
             </a:stretch>
           </a:blipFill>
         </p:spPr>
       </p:sp>
       <p:sp>
         <p:nvSpPr>
-          <p:cNvPr name="TextBox 19" id="19"/>
-          <p:cNvSpPr txBox="true"/>
-          <p:nvPr/>
-        </p:nvSpPr>
-        <p:spPr>
-          <a:xfrm rot="0">
+          <p:cNvPr id="19" name="TextBox 19"/>
+          <p:cNvSpPr txBox="1"/>
+          <p:nvPr/>
+        </p:nvSpPr>
+        <p:spPr>
+          <a:xfrm>
             <a:off x="4086071" y="1005221"/>
             <a:ext cx="10115858" cy="855980"/>
           </a:xfrm>
@@ -9419,7 +9602,7 @@
           </a:prstGeom>
         </p:spPr>
         <p:txBody>
-          <a:bodyPr anchor="t" rtlCol="false" tIns="0" lIns="0" bIns="0" rIns="0">
+          <a:bodyPr lIns="0" tIns="0" rIns="0" bIns="0" rtlCol="0" anchor="t">
             <a:spAutoFit/>
           </a:bodyPr>
           <a:lstStyle/>
@@ -9446,12 +9629,12 @@
       </p:sp>
       <p:sp>
         <p:nvSpPr>
-          <p:cNvPr name="TextBox 20" id="20"/>
-          <p:cNvSpPr txBox="true"/>
-          <p:nvPr/>
-        </p:nvSpPr>
-        <p:spPr>
-          <a:xfrm rot="0">
+          <p:cNvPr id="20" name="TextBox 20"/>
+          <p:cNvSpPr txBox="1"/>
+          <p:nvPr/>
+        </p:nvSpPr>
+        <p:spPr>
+          <a:xfrm>
             <a:off x="4578378" y="2123756"/>
             <a:ext cx="9131245" cy="1117601"/>
           </a:xfrm>
@@ -9460,7 +9643,7 @@
           </a:prstGeom>
         </p:spPr>
         <p:txBody>
-          <a:bodyPr anchor="t" rtlCol="false" tIns="0" lIns="0" bIns="0" rIns="0">
+          <a:bodyPr lIns="0" tIns="0" rIns="0" bIns="0" rtlCol="0" anchor="t">
             <a:spAutoFit/>
           </a:bodyPr>
           <a:lstStyle/>
@@ -9487,12 +9670,12 @@
       </p:sp>
       <p:sp>
         <p:nvSpPr>
-          <p:cNvPr name="TextBox 21" id="21"/>
-          <p:cNvSpPr txBox="true"/>
-          <p:nvPr/>
-        </p:nvSpPr>
-        <p:spPr>
-          <a:xfrm rot="0">
+          <p:cNvPr id="21" name="TextBox 21"/>
+          <p:cNvSpPr txBox="1"/>
+          <p:nvPr/>
+        </p:nvSpPr>
+        <p:spPr>
+          <a:xfrm>
             <a:off x="4508769" y="3343568"/>
             <a:ext cx="9131245" cy="1117601"/>
           </a:xfrm>
@@ -9501,7 +9684,7 @@
           </a:prstGeom>
         </p:spPr>
         <p:txBody>
-          <a:bodyPr anchor="t" rtlCol="false" tIns="0" lIns="0" bIns="0" rIns="0">
+          <a:bodyPr lIns="0" tIns="0" rIns="0" bIns="0" rtlCol="0" anchor="t">
             <a:spAutoFit/>
           </a:bodyPr>
           <a:lstStyle/>
@@ -9521,8 +9704,37 @@
                 <a:cs typeface="Circe"/>
                 <a:sym typeface="Circe"/>
               </a:rPr>
-              <a:t> </a:t>
-            </a:r>
+              <a:t> To identify the main bottlenecks and the segments of the code that can be run in parallel.</a:t>
+            </a:r>
+          </a:p>
+        </p:txBody>
+      </p:sp>
+      <p:sp>
+        <p:nvSpPr>
+          <p:cNvPr id="22" name="TextBox 22"/>
+          <p:cNvSpPr txBox="1"/>
+          <p:nvPr/>
+        </p:nvSpPr>
+        <p:spPr>
+          <a:xfrm>
+            <a:off x="4578378" y="5923341"/>
+            <a:ext cx="9131245" cy="1117601"/>
+          </a:xfrm>
+          <a:prstGeom prst="rect">
+            <a:avLst/>
+          </a:prstGeom>
+        </p:spPr>
+        <p:txBody>
+          <a:bodyPr lIns="0" tIns="0" rIns="0" bIns="0" rtlCol="0" anchor="t">
+            <a:spAutoFit/>
+          </a:bodyPr>
+          <a:lstStyle/>
+          <a:p>
+            <a:pPr algn="l">
+              <a:lnSpc>
+                <a:spcPts val="4549"/>
+              </a:lnSpc>
+            </a:pPr>
             <a:r>
               <a:rPr lang="en-US" sz="3249">
                 <a:solidFill>
@@ -9533,72 +9745,19 @@
                 <a:cs typeface="Circe"/>
                 <a:sym typeface="Circe"/>
               </a:rPr>
-              <a:t>To identify the main bottlenecks and the segments of the code that can be run in parallel.</a:t>
+              <a:t> To analyze and compare the performances of the serial and parallel versions to measure the speedup.</a:t>
             </a:r>
           </a:p>
         </p:txBody>
       </p:sp>
       <p:sp>
         <p:nvSpPr>
-          <p:cNvPr name="TextBox 22" id="22"/>
-          <p:cNvSpPr txBox="true"/>
-          <p:nvPr/>
-        </p:nvSpPr>
-        <p:spPr>
-          <a:xfrm rot="0">
-            <a:off x="4578378" y="5923341"/>
-            <a:ext cx="9131245" cy="1117601"/>
-          </a:xfrm>
-          <a:prstGeom prst="rect">
-            <a:avLst/>
-          </a:prstGeom>
-        </p:spPr>
-        <p:txBody>
-          <a:bodyPr anchor="t" rtlCol="false" tIns="0" lIns="0" bIns="0" rIns="0">
-            <a:spAutoFit/>
-          </a:bodyPr>
-          <a:lstStyle/>
-          <a:p>
-            <a:pPr algn="l">
-              <a:lnSpc>
-                <a:spcPts val="4549"/>
-              </a:lnSpc>
-            </a:pPr>
-            <a:r>
-              <a:rPr lang="en-US" sz="3249">
-                <a:solidFill>
-                  <a:srgbClr val="586977"/>
-                </a:solidFill>
-                <a:latin typeface="Circe"/>
-                <a:ea typeface="Circe"/>
-                <a:cs typeface="Circe"/>
-                <a:sym typeface="Circe"/>
-              </a:rPr>
-              <a:t> </a:t>
-            </a:r>
-            <a:r>
-              <a:rPr lang="en-US" sz="3249">
-                <a:solidFill>
-                  <a:srgbClr val="586977"/>
-                </a:solidFill>
-                <a:latin typeface="Circe"/>
-                <a:ea typeface="Circe"/>
-                <a:cs typeface="Circe"/>
-                <a:sym typeface="Circe"/>
-              </a:rPr>
-              <a:t>To analyze and compare the performances of the serial and parallel versions to measure the speedup.</a:t>
-            </a:r>
-          </a:p>
-        </p:txBody>
-      </p:sp>
-      <p:sp>
-        <p:nvSpPr>
-          <p:cNvPr name="TextBox 23" id="23"/>
-          <p:cNvSpPr txBox="true"/>
-          <p:nvPr/>
-        </p:nvSpPr>
-        <p:spPr>
-          <a:xfrm rot="0">
+          <p:cNvPr id="23" name="TextBox 23"/>
+          <p:cNvSpPr txBox="1"/>
+          <p:nvPr/>
+        </p:nvSpPr>
+        <p:spPr>
+          <a:xfrm>
             <a:off x="16474869" y="1303622"/>
             <a:ext cx="700000" cy="461892"/>
           </a:xfrm>
@@ -9607,7 +9766,7 @@
           </a:prstGeom>
         </p:spPr>
         <p:txBody>
-          <a:bodyPr anchor="t" rtlCol="false" tIns="0" lIns="0" bIns="0" rIns="0">
+          <a:bodyPr lIns="0" tIns="0" rIns="0" bIns="0" rtlCol="0" anchor="t">
             <a:spAutoFit/>
           </a:bodyPr>
           <a:lstStyle/>
@@ -9618,7 +9777,7 @@
               </a:lnSpc>
             </a:pPr>
             <a:r>
-              <a:rPr lang="en-US" b="true" sz="3721">
+              <a:rPr lang="en-US" sz="3721" b="1">
                 <a:solidFill>
                   <a:srgbClr val="F3F2F0"/>
                 </a:solidFill>
@@ -9634,12 +9793,12 @@
       </p:sp>
       <p:sp>
         <p:nvSpPr>
-          <p:cNvPr name="Freeform 24" id="24"/>
+          <p:cNvPr id="24" name="Freeform 24"/>
           <p:cNvSpPr/>
           <p:nvPr/>
         </p:nvSpPr>
         <p:spPr>
-          <a:xfrm flipH="false" flipV="false" rot="0">
+          <a:xfrm>
             <a:off x="-736472" y="3168749"/>
             <a:ext cx="1765172" cy="1434604"/>
           </a:xfrm>
@@ -9648,9 +9807,9 @@
             <a:gdLst/>
             <a:ahLst/>
             <a:cxnLst/>
-            <a:rect r="r" b="b" t="t" l="l"/>
+            <a:rect l="l" t="t" r="r" b="b"/>
             <a:pathLst>
-              <a:path h="1434604" w="1765172">
+              <a:path w="1765172" h="1434604">
                 <a:moveTo>
                   <a:pt x="0" y="0"/>
                 </a:moveTo>
@@ -9679,19 +9838,19 @@
               </a:extLst>
             </a:blip>
             <a:stretch>
-              <a:fillRect l="0" t="0" r="0" b="0"/>
+              <a:fillRect/>
             </a:stretch>
           </a:blipFill>
         </p:spPr>
       </p:sp>
       <p:sp>
         <p:nvSpPr>
-          <p:cNvPr name="Freeform 25" id="25"/>
+          <p:cNvPr id="25" name="Freeform 25"/>
           <p:cNvSpPr/>
           <p:nvPr/>
         </p:nvSpPr>
         <p:spPr>
-          <a:xfrm flipH="true" flipV="true" rot="0">
+          <a:xfrm flipH="1" flipV="1">
             <a:off x="17188289" y="3168749"/>
             <a:ext cx="1765172" cy="1434604"/>
           </a:xfrm>
@@ -9700,9 +9859,9 @@
             <a:gdLst/>
             <a:ahLst/>
             <a:cxnLst/>
-            <a:rect r="r" b="b" t="t" l="l"/>
+            <a:rect l="l" t="t" r="r" b="b"/>
             <a:pathLst>
-              <a:path h="1434604" w="1765172">
+              <a:path w="1765172" h="1434604">
                 <a:moveTo>
                   <a:pt x="1765172" y="1434604"/>
                 </a:moveTo>
@@ -9731,19 +9890,19 @@
               </a:extLst>
             </a:blip>
             <a:stretch>
-              <a:fillRect l="0" t="0" r="0" b="0"/>
+              <a:fillRect/>
             </a:stretch>
           </a:blipFill>
         </p:spPr>
       </p:sp>
       <p:sp>
         <p:nvSpPr>
-          <p:cNvPr name="Freeform 26" id="26"/>
+          <p:cNvPr id="26" name="Freeform 26"/>
           <p:cNvSpPr/>
           <p:nvPr/>
         </p:nvSpPr>
         <p:spPr>
-          <a:xfrm flipH="false" flipV="false" rot="0">
+          <a:xfrm>
             <a:off x="4081542" y="5924550"/>
             <a:ext cx="427227" cy="474697"/>
           </a:xfrm>
@@ -9752,9 +9911,9 @@
             <a:gdLst/>
             <a:ahLst/>
             <a:cxnLst/>
-            <a:rect r="r" b="b" t="t" l="l"/>
+            <a:rect l="l" t="t" r="r" b="b"/>
             <a:pathLst>
-              <a:path h="474697" w="427227">
+              <a:path w="427227" h="474697">
                 <a:moveTo>
                   <a:pt x="0" y="0"/>
                 </a:moveTo>
@@ -9783,19 +9942,19 @@
               </a:extLst>
             </a:blip>
             <a:stretch>
-              <a:fillRect l="0" t="0" r="0" b="0"/>
+              <a:fillRect/>
             </a:stretch>
           </a:blipFill>
         </p:spPr>
       </p:sp>
       <p:sp>
         <p:nvSpPr>
-          <p:cNvPr name="TextBox 27" id="27"/>
-          <p:cNvSpPr txBox="true"/>
-          <p:nvPr/>
-        </p:nvSpPr>
-        <p:spPr>
-          <a:xfrm rot="0">
+          <p:cNvPr id="27" name="TextBox 27"/>
+          <p:cNvSpPr txBox="1"/>
+          <p:nvPr/>
+        </p:nvSpPr>
+        <p:spPr>
+          <a:xfrm>
             <a:off x="4612745" y="4643816"/>
             <a:ext cx="9131245" cy="1117601"/>
           </a:xfrm>
@@ -9804,7 +9963,7 @@
           </a:prstGeom>
         </p:spPr>
         <p:txBody>
-          <a:bodyPr anchor="t" rtlCol="false" tIns="0" lIns="0" bIns="0" rIns="0">
+          <a:bodyPr lIns="0" tIns="0" rIns="0" bIns="0" rtlCol="0" anchor="t">
             <a:spAutoFit/>
           </a:bodyPr>
           <a:lstStyle/>
@@ -9838,13 +9997,14 @@
 </file>
 
 <file path=ppt/slides/slide5.xml><?xml version="1.0" encoding="utf-8"?>
-<p:sld xmlns:p="http://schemas.openxmlformats.org/presentationml/2006/main" xmlns:a="http://schemas.openxmlformats.org/drawingml/2006/main" xmlns:r="http://schemas.openxmlformats.org/officeDocument/2006/relationships">
+<p:sld xmlns:a="http://schemas.openxmlformats.org/drawingml/2006/main" xmlns:r="http://schemas.openxmlformats.org/officeDocument/2006/relationships" xmlns:p="http://schemas.openxmlformats.org/presentationml/2006/main">
   <p:cSld>
     <p:bg>
       <p:bgPr>
         <a:solidFill>
           <a:srgbClr val="F3F2F0"/>
         </a:solidFill>
+        <a:effectLst/>
       </p:bgPr>
     </p:bg>
     <p:spTree>
@@ -9863,12 +10023,12 @@
       </p:grpSpPr>
       <p:sp>
         <p:nvSpPr>
-          <p:cNvPr name="Freeform 2" id="2"/>
+          <p:cNvPr id="2" name="Freeform 2"/>
           <p:cNvSpPr/>
           <p:nvPr/>
         </p:nvSpPr>
         <p:spPr>
-          <a:xfrm flipH="false" flipV="false" rot="0">
+          <a:xfrm>
             <a:off x="-1320651" y="-1505948"/>
             <a:ext cx="4181833" cy="4114800"/>
           </a:xfrm>
@@ -9877,9 +10037,9 @@
             <a:gdLst/>
             <a:ahLst/>
             <a:cxnLst/>
-            <a:rect r="r" b="b" t="t" l="l"/>
+            <a:rect l="l" t="t" r="r" b="b"/>
             <a:pathLst>
-              <a:path h="4114800" w="4181833">
+              <a:path w="4181833" h="4114800">
                 <a:moveTo>
                   <a:pt x="0" y="0"/>
                 </a:moveTo>
@@ -9908,19 +10068,19 @@
               </a:extLst>
             </a:blip>
             <a:stretch>
-              <a:fillRect l="0" t="0" r="0" b="0"/>
+              <a:fillRect/>
             </a:stretch>
           </a:blipFill>
         </p:spPr>
       </p:sp>
       <p:sp>
         <p:nvSpPr>
-          <p:cNvPr name="Freeform 3" id="3"/>
+          <p:cNvPr id="3" name="Freeform 3"/>
           <p:cNvSpPr/>
           <p:nvPr/>
         </p:nvSpPr>
         <p:spPr>
-          <a:xfrm flipH="false" flipV="false" rot="0">
+          <a:xfrm>
             <a:off x="14286407" y="6845277"/>
             <a:ext cx="5427194" cy="4114800"/>
           </a:xfrm>
@@ -9929,9 +10089,9 @@
             <a:gdLst/>
             <a:ahLst/>
             <a:cxnLst/>
-            <a:rect r="r" b="b" t="t" l="l"/>
+            <a:rect l="l" t="t" r="r" b="b"/>
             <a:pathLst>
-              <a:path h="4114800" w="5427194">
+              <a:path w="5427194" h="4114800">
                 <a:moveTo>
                   <a:pt x="0" y="0"/>
                 </a:moveTo>
@@ -9960,19 +10120,19 @@
               </a:extLst>
             </a:blip>
             <a:stretch>
-              <a:fillRect l="0" t="0" r="0" b="0"/>
+              <a:fillRect/>
             </a:stretch>
           </a:blipFill>
         </p:spPr>
       </p:sp>
       <p:sp>
         <p:nvSpPr>
-          <p:cNvPr name="Freeform 4" id="4"/>
+          <p:cNvPr id="4" name="Freeform 4"/>
           <p:cNvSpPr/>
           <p:nvPr/>
         </p:nvSpPr>
         <p:spPr>
-          <a:xfrm flipH="false" flipV="false" rot="-10800000">
+          <a:xfrm rot="-10800000">
             <a:off x="12882085" y="9403981"/>
             <a:ext cx="3375087" cy="1257987"/>
           </a:xfrm>
@@ -9981,9 +10141,9 @@
             <a:gdLst/>
             <a:ahLst/>
             <a:cxnLst/>
-            <a:rect r="r" b="b" t="t" l="l"/>
+            <a:rect l="l" t="t" r="r" b="b"/>
             <a:pathLst>
-              <a:path h="1257987" w="3375087">
+              <a:path w="3375087" h="1257987">
                 <a:moveTo>
                   <a:pt x="0" y="0"/>
                 </a:moveTo>
@@ -10012,19 +10172,19 @@
               </a:extLst>
             </a:blip>
             <a:stretch>
-              <a:fillRect l="0" t="0" r="0" b="0"/>
+              <a:fillRect/>
             </a:stretch>
           </a:blipFill>
         </p:spPr>
       </p:sp>
       <p:sp>
         <p:nvSpPr>
-          <p:cNvPr name="Freeform 5" id="5"/>
+          <p:cNvPr id="5" name="Freeform 5"/>
           <p:cNvSpPr/>
           <p:nvPr/>
         </p:nvSpPr>
         <p:spPr>
-          <a:xfrm flipH="false" flipV="false" rot="2193841">
+          <a:xfrm rot="2193841">
             <a:off x="-942013" y="1438500"/>
             <a:ext cx="2216693" cy="2545263"/>
           </a:xfrm>
@@ -10033,9 +10193,9 @@
             <a:gdLst/>
             <a:ahLst/>
             <a:cxnLst/>
-            <a:rect r="r" b="b" t="t" l="l"/>
+            <a:rect l="l" t="t" r="r" b="b"/>
             <a:pathLst>
-              <a:path h="2545263" w="2216693">
+              <a:path w="2216693" h="2545263">
                 <a:moveTo>
                   <a:pt x="0" y="0"/>
                 </a:moveTo>
@@ -10064,19 +10224,19 @@
               </a:extLst>
             </a:blip>
             <a:stretch>
-              <a:fillRect l="0" t="0" r="0" b="0"/>
+              <a:fillRect/>
             </a:stretch>
           </a:blipFill>
         </p:spPr>
       </p:sp>
       <p:sp>
         <p:nvSpPr>
-          <p:cNvPr name="Freeform 6" id="6"/>
+          <p:cNvPr id="6" name="Freeform 6"/>
           <p:cNvSpPr/>
           <p:nvPr/>
         </p:nvSpPr>
         <p:spPr>
-          <a:xfrm flipH="false" flipV="false" rot="0">
+          <a:xfrm>
             <a:off x="17259300" y="4843764"/>
             <a:ext cx="1623151" cy="2807336"/>
           </a:xfrm>
@@ -10085,9 +10245,9 @@
             <a:gdLst/>
             <a:ahLst/>
             <a:cxnLst/>
-            <a:rect r="r" b="b" t="t" l="l"/>
+            <a:rect l="l" t="t" r="r" b="b"/>
             <a:pathLst>
-              <a:path h="2807336" w="1623151">
+              <a:path w="1623151" h="2807336">
                 <a:moveTo>
                   <a:pt x="0" y="0"/>
                 </a:moveTo>
@@ -10116,19 +10276,19 @@
               </a:extLst>
             </a:blip>
             <a:stretch>
-              <a:fillRect l="0" t="0" r="0" b="0"/>
+              <a:fillRect/>
             </a:stretch>
           </a:blipFill>
         </p:spPr>
       </p:sp>
       <p:sp>
         <p:nvSpPr>
-          <p:cNvPr name="Freeform 7" id="7"/>
+          <p:cNvPr id="7" name="Freeform 7"/>
           <p:cNvSpPr/>
           <p:nvPr/>
         </p:nvSpPr>
         <p:spPr>
-          <a:xfrm flipH="false" flipV="false" rot="0">
+          <a:xfrm>
             <a:off x="1814681" y="-3086100"/>
             <a:ext cx="2798064" cy="4114800"/>
           </a:xfrm>
@@ -10137,9 +10297,9 @@
             <a:gdLst/>
             <a:ahLst/>
             <a:cxnLst/>
-            <a:rect r="r" b="b" t="t" l="l"/>
+            <a:rect l="l" t="t" r="r" b="b"/>
             <a:pathLst>
-              <a:path h="4114800" w="2798064">
+              <a:path w="2798064" h="4114800">
                 <a:moveTo>
                   <a:pt x="0" y="0"/>
                 </a:moveTo>
@@ -10168,19 +10328,19 @@
               </a:extLst>
             </a:blip>
             <a:stretch>
-              <a:fillRect l="0" t="0" r="0" b="0"/>
+              <a:fillRect/>
             </a:stretch>
           </a:blipFill>
         </p:spPr>
       </p:sp>
       <p:sp>
         <p:nvSpPr>
-          <p:cNvPr name="Freeform 8" id="8"/>
+          <p:cNvPr id="8" name="Freeform 8"/>
           <p:cNvSpPr/>
           <p:nvPr/>
         </p:nvSpPr>
         <p:spPr>
-          <a:xfrm flipH="false" flipV="false" rot="0">
+          <a:xfrm>
             <a:off x="16569100" y="7854632"/>
             <a:ext cx="2000865" cy="2807336"/>
           </a:xfrm>
@@ -10189,9 +10349,9 @@
             <a:gdLst/>
             <a:ahLst/>
             <a:cxnLst/>
-            <a:rect r="r" b="b" t="t" l="l"/>
+            <a:rect l="l" t="t" r="r" b="b"/>
             <a:pathLst>
-              <a:path h="2807336" w="2000865">
+              <a:path w="2000865" h="2807336">
                 <a:moveTo>
                   <a:pt x="0" y="0"/>
                 </a:moveTo>
@@ -10220,19 +10380,19 @@
               </a:extLst>
             </a:blip>
             <a:stretch>
-              <a:fillRect l="0" t="0" r="0" b="0"/>
+              <a:fillRect/>
             </a:stretch>
           </a:blipFill>
         </p:spPr>
       </p:sp>
       <p:sp>
         <p:nvSpPr>
-          <p:cNvPr name="Freeform 9" id="9"/>
+          <p:cNvPr id="9" name="Freeform 9"/>
           <p:cNvSpPr/>
           <p:nvPr/>
         </p:nvSpPr>
         <p:spPr>
-          <a:xfrm flipH="false" flipV="false" rot="0">
+          <a:xfrm>
             <a:off x="-321736" y="-1028700"/>
             <a:ext cx="1818460" cy="2357136"/>
           </a:xfrm>
@@ -10241,9 +10401,9 @@
             <a:gdLst/>
             <a:ahLst/>
             <a:cxnLst/>
-            <a:rect r="r" b="b" t="t" l="l"/>
+            <a:rect l="l" t="t" r="r" b="b"/>
             <a:pathLst>
-              <a:path h="2357136" w="1818460">
+              <a:path w="1818460" h="2357136">
                 <a:moveTo>
                   <a:pt x="0" y="0"/>
                 </a:moveTo>
@@ -10272,19 +10432,19 @@
               </a:extLst>
             </a:blip>
             <a:stretch>
-              <a:fillRect l="0" t="0" r="0" b="0"/>
+              <a:fillRect/>
             </a:stretch>
           </a:blipFill>
         </p:spPr>
       </p:sp>
       <p:grpSp>
         <p:nvGrpSpPr>
-          <p:cNvPr name="Group 10" id="10"/>
+          <p:cNvPr id="10" name="Group 10"/>
           <p:cNvGrpSpPr/>
           <p:nvPr/>
         </p:nvGrpSpPr>
         <p:grpSpPr>
-          <a:xfrm rot="0">
+          <a:xfrm>
             <a:off x="16311522" y="949784"/>
             <a:ext cx="1026694" cy="1026694"/>
             <a:chOff x="0" y="0"/>
@@ -10293,12 +10453,12 @@
         </p:grpSpPr>
         <p:sp>
           <p:nvSpPr>
-            <p:cNvPr name="Freeform 11" id="11"/>
+            <p:cNvPr id="11" name="Freeform 11"/>
             <p:cNvSpPr/>
             <p:nvPr/>
           </p:nvSpPr>
           <p:spPr>
-            <a:xfrm flipH="false" flipV="false" rot="0">
+            <a:xfrm>
               <a:off x="0" y="0"/>
               <a:ext cx="812800" cy="812800"/>
             </a:xfrm>
@@ -10307,9 +10467,9 @@
               <a:gdLst/>
               <a:ahLst/>
               <a:cxnLst/>
-              <a:rect r="r" b="b" t="t" l="l"/>
+              <a:rect l="l" t="t" r="r" b="b"/>
               <a:pathLst>
-                <a:path h="812800" w="812800">
+                <a:path w="812800" h="812800">
                   <a:moveTo>
                     <a:pt x="406400" y="0"/>
                   </a:moveTo>
@@ -10344,8 +10504,8 @@
         </p:sp>
         <p:sp>
           <p:nvSpPr>
-            <p:cNvPr name="TextBox 12" id="12"/>
-            <p:cNvSpPr txBox="true"/>
+            <p:cNvPr id="12" name="TextBox 12"/>
+            <p:cNvSpPr txBox="1"/>
             <p:nvPr/>
           </p:nvSpPr>
           <p:spPr>
@@ -10358,7 +10518,7 @@
             </a:prstGeom>
           </p:spPr>
           <p:txBody>
-            <a:bodyPr anchor="ctr" rtlCol="false" tIns="50800" lIns="50800" bIns="50800" rIns="50800"/>
+            <a:bodyPr lIns="50800" tIns="50800" rIns="50800" bIns="50800" rtlCol="0" anchor="ctr"/>
             <a:lstStyle/>
             <a:p>
               <a:pPr algn="ctr">
@@ -10366,18 +10526,19 @@
                   <a:spcPts val="2659"/>
                 </a:lnSpc>
               </a:pPr>
+              <a:endParaRPr/>
             </a:p>
           </p:txBody>
         </p:sp>
       </p:grpSp>
       <p:grpSp>
         <p:nvGrpSpPr>
-          <p:cNvPr name="Group 13" id="13"/>
+          <p:cNvPr id="13" name="Group 13"/>
           <p:cNvGrpSpPr/>
           <p:nvPr/>
         </p:nvGrpSpPr>
         <p:grpSpPr>
-          <a:xfrm rot="0">
+          <a:xfrm>
             <a:off x="16390439" y="1028700"/>
             <a:ext cx="868861" cy="868861"/>
             <a:chOff x="0" y="0"/>
@@ -10386,12 +10547,12 @@
         </p:grpSpPr>
         <p:sp>
           <p:nvSpPr>
-            <p:cNvPr name="Freeform 14" id="14"/>
+            <p:cNvPr id="14" name="Freeform 14"/>
             <p:cNvSpPr/>
             <p:nvPr/>
           </p:nvSpPr>
           <p:spPr>
-            <a:xfrm flipH="false" flipV="false" rot="0">
+            <a:xfrm>
               <a:off x="0" y="0"/>
               <a:ext cx="812800" cy="812800"/>
             </a:xfrm>
@@ -10400,9 +10561,9 @@
               <a:gdLst/>
               <a:ahLst/>
               <a:cxnLst/>
-              <a:rect r="r" b="b" t="t" l="l"/>
+              <a:rect l="l" t="t" r="r" b="b"/>
               <a:pathLst>
-                <a:path h="812800" w="812800">
+                <a:path w="812800" h="812800">
                   <a:moveTo>
                     <a:pt x="406400" y="0"/>
                   </a:moveTo>
@@ -10437,8 +10598,8 @@
         </p:sp>
         <p:sp>
           <p:nvSpPr>
-            <p:cNvPr name="TextBox 15" id="15"/>
-            <p:cNvSpPr txBox="true"/>
+            <p:cNvPr id="15" name="TextBox 15"/>
+            <p:cNvSpPr txBox="1"/>
             <p:nvPr/>
           </p:nvSpPr>
           <p:spPr>
@@ -10451,7 +10612,7 @@
             </a:prstGeom>
           </p:spPr>
           <p:txBody>
-            <a:bodyPr anchor="ctr" rtlCol="false" tIns="50800" lIns="50800" bIns="50800" rIns="50800"/>
+            <a:bodyPr lIns="50800" tIns="50800" rIns="50800" bIns="50800" rtlCol="0" anchor="ctr"/>
             <a:lstStyle/>
             <a:p>
               <a:pPr algn="ctr">
@@ -10459,18 +10620,19 @@
                   <a:spcPts val="2659"/>
                 </a:lnSpc>
               </a:pPr>
+              <a:endParaRPr/>
             </a:p>
           </p:txBody>
         </p:sp>
       </p:grpSp>
       <p:sp>
         <p:nvSpPr>
-          <p:cNvPr name="Freeform 16" id="16"/>
+          <p:cNvPr id="16" name="Freeform 16"/>
           <p:cNvSpPr/>
           <p:nvPr/>
         </p:nvSpPr>
         <p:spPr>
-          <a:xfrm flipH="false" flipV="false" rot="0">
+          <a:xfrm>
             <a:off x="3397700" y="1765514"/>
             <a:ext cx="427227" cy="474697"/>
           </a:xfrm>
@@ -10479,9 +10641,9 @@
             <a:gdLst/>
             <a:ahLst/>
             <a:cxnLst/>
-            <a:rect r="r" b="b" t="t" l="l"/>
+            <a:rect l="l" t="t" r="r" b="b"/>
             <a:pathLst>
-              <a:path h="474697" w="427227">
+              <a:path w="427227" h="474697">
                 <a:moveTo>
                   <a:pt x="0" y="0"/>
                 </a:moveTo>
@@ -10510,19 +10672,19 @@
               </a:extLst>
             </a:blip>
             <a:stretch>
-              <a:fillRect l="0" t="0" r="0" b="0"/>
+              <a:fillRect/>
             </a:stretch>
           </a:blipFill>
         </p:spPr>
       </p:sp>
       <p:sp>
         <p:nvSpPr>
-          <p:cNvPr name="Freeform 17" id="17"/>
+          <p:cNvPr id="17" name="Freeform 17"/>
           <p:cNvSpPr/>
           <p:nvPr/>
         </p:nvSpPr>
         <p:spPr>
-          <a:xfrm flipH="false" flipV="false" rot="0">
+          <a:xfrm>
             <a:off x="3516064" y="6010084"/>
             <a:ext cx="427227" cy="474697"/>
           </a:xfrm>
@@ -10531,9 +10693,9 @@
             <a:gdLst/>
             <a:ahLst/>
             <a:cxnLst/>
-            <a:rect r="r" b="b" t="t" l="l"/>
+            <a:rect l="l" t="t" r="r" b="b"/>
             <a:pathLst>
-              <a:path h="474697" w="427227">
+              <a:path w="427227" h="474697">
                 <a:moveTo>
                   <a:pt x="0" y="0"/>
                 </a:moveTo>
@@ -10562,19 +10724,19 @@
               </a:extLst>
             </a:blip>
             <a:stretch>
-              <a:fillRect l="0" t="0" r="0" b="0"/>
+              <a:fillRect/>
             </a:stretch>
           </a:blipFill>
         </p:spPr>
       </p:sp>
       <p:sp>
         <p:nvSpPr>
-          <p:cNvPr name="TextBox 18" id="18"/>
-          <p:cNvSpPr txBox="true"/>
-          <p:nvPr/>
-        </p:nvSpPr>
-        <p:spPr>
-          <a:xfrm rot="0">
+          <p:cNvPr id="18" name="TextBox 18"/>
+          <p:cNvSpPr txBox="1"/>
+          <p:nvPr/>
+        </p:nvSpPr>
+        <p:spPr>
+          <a:xfrm>
             <a:off x="3406893" y="875533"/>
             <a:ext cx="10994459" cy="856179"/>
           </a:xfrm>
@@ -10583,7 +10745,7 @@
           </a:prstGeom>
         </p:spPr>
         <p:txBody>
-          <a:bodyPr anchor="t" rtlCol="false" tIns="0" lIns="0" bIns="0" rIns="0">
+          <a:bodyPr lIns="0" tIns="0" rIns="0" bIns="0" rtlCol="0" anchor="t">
             <a:spAutoFit/>
           </a:bodyPr>
           <a:lstStyle/>
@@ -10610,12 +10772,12 @@
       </p:sp>
       <p:sp>
         <p:nvSpPr>
-          <p:cNvPr name="TextBox 19" id="19"/>
-          <p:cNvSpPr txBox="true"/>
-          <p:nvPr/>
-        </p:nvSpPr>
-        <p:spPr>
-          <a:xfrm rot="0">
+          <p:cNvPr id="19" name="TextBox 19"/>
+          <p:cNvSpPr txBox="1"/>
+          <p:nvPr/>
+        </p:nvSpPr>
+        <p:spPr>
+          <a:xfrm>
             <a:off x="3824928" y="1758438"/>
             <a:ext cx="13592148" cy="4488995"/>
           </a:xfrm>
@@ -10624,7 +10786,7 @@
           </a:prstGeom>
         </p:spPr>
         <p:txBody>
-          <a:bodyPr anchor="t" rtlCol="false" tIns="0" lIns="0" bIns="0" rIns="0">
+          <a:bodyPr lIns="0" tIns="0" rIns="0" bIns="0" rtlCol="0" anchor="t">
             <a:spAutoFit/>
           </a:bodyPr>
           <a:lstStyle/>
@@ -10748,17 +10910,26 @@
                 <a:spcPts val="4600"/>
               </a:lnSpc>
             </a:pPr>
+            <a:endParaRPr lang="en-US" sz="2499" spc="-74">
+              <a:solidFill>
+                <a:srgbClr val="586977"/>
+              </a:solidFill>
+              <a:latin typeface="Circe"/>
+              <a:ea typeface="Circe"/>
+              <a:cs typeface="Circe"/>
+              <a:sym typeface="Circe"/>
+            </a:endParaRPr>
           </a:p>
         </p:txBody>
       </p:sp>
       <p:sp>
         <p:nvSpPr>
-          <p:cNvPr name="TextBox 20" id="20"/>
-          <p:cNvSpPr txBox="true"/>
-          <p:nvPr/>
-        </p:nvSpPr>
-        <p:spPr>
-          <a:xfrm rot="0">
+          <p:cNvPr id="20" name="TextBox 20"/>
+          <p:cNvSpPr txBox="1"/>
+          <p:nvPr/>
+        </p:nvSpPr>
+        <p:spPr>
+          <a:xfrm>
             <a:off x="16474869" y="1303622"/>
             <a:ext cx="700000" cy="461892"/>
           </a:xfrm>
@@ -10767,7 +10938,7 @@
           </a:prstGeom>
         </p:spPr>
         <p:txBody>
-          <a:bodyPr anchor="t" rtlCol="false" tIns="0" lIns="0" bIns="0" rIns="0">
+          <a:bodyPr lIns="0" tIns="0" rIns="0" bIns="0" rtlCol="0" anchor="t">
             <a:spAutoFit/>
           </a:bodyPr>
           <a:lstStyle/>
@@ -10778,7 +10949,7 @@
               </a:lnSpc>
             </a:pPr>
             <a:r>
-              <a:rPr lang="en-US" b="true" sz="3721">
+              <a:rPr lang="en-US" sz="3721" b="1">
                 <a:solidFill>
                   <a:srgbClr val="F3F2F0"/>
                 </a:solidFill>
@@ -10794,12 +10965,12 @@
       </p:sp>
       <p:sp>
         <p:nvSpPr>
-          <p:cNvPr name="Freeform 21" id="21"/>
+          <p:cNvPr id="21" name="Freeform 21"/>
           <p:cNvSpPr/>
           <p:nvPr/>
         </p:nvSpPr>
         <p:spPr>
-          <a:xfrm flipH="false" flipV="false" rot="0">
+          <a:xfrm>
             <a:off x="-736472" y="3168749"/>
             <a:ext cx="1765172" cy="1434604"/>
           </a:xfrm>
@@ -10808,9 +10979,9 @@
             <a:gdLst/>
             <a:ahLst/>
             <a:cxnLst/>
-            <a:rect r="r" b="b" t="t" l="l"/>
+            <a:rect l="l" t="t" r="r" b="b"/>
             <a:pathLst>
-              <a:path h="1434604" w="1765172">
+              <a:path w="1765172" h="1434604">
                 <a:moveTo>
                   <a:pt x="0" y="0"/>
                 </a:moveTo>
@@ -10839,19 +11010,19 @@
               </a:extLst>
             </a:blip>
             <a:stretch>
-              <a:fillRect l="0" t="0" r="0" b="0"/>
+              <a:fillRect/>
             </a:stretch>
           </a:blipFill>
         </p:spPr>
       </p:sp>
       <p:sp>
         <p:nvSpPr>
-          <p:cNvPr name="Freeform 22" id="22"/>
+          <p:cNvPr id="22" name="Freeform 22"/>
           <p:cNvSpPr/>
           <p:nvPr/>
         </p:nvSpPr>
         <p:spPr>
-          <a:xfrm flipH="true" flipV="true" rot="0">
+          <a:xfrm flipH="1" flipV="1">
             <a:off x="17188289" y="3168749"/>
             <a:ext cx="1765172" cy="1434604"/>
           </a:xfrm>
@@ -10860,9 +11031,9 @@
             <a:gdLst/>
             <a:ahLst/>
             <a:cxnLst/>
-            <a:rect r="r" b="b" t="t" l="l"/>
+            <a:rect l="l" t="t" r="r" b="b"/>
             <a:pathLst>
-              <a:path h="1434604" w="1765172">
+              <a:path w="1765172" h="1434604">
                 <a:moveTo>
                   <a:pt x="1765172" y="1434604"/>
                 </a:moveTo>
@@ -10891,19 +11062,19 @@
               </a:extLst>
             </a:blip>
             <a:stretch>
-              <a:fillRect l="0" t="0" r="0" b="0"/>
+              <a:fillRect/>
             </a:stretch>
           </a:blipFill>
         </p:spPr>
       </p:sp>
       <p:sp>
         <p:nvSpPr>
-          <p:cNvPr name="TextBox 23" id="23"/>
-          <p:cNvSpPr txBox="true"/>
-          <p:nvPr/>
-        </p:nvSpPr>
-        <p:spPr>
-          <a:xfrm rot="0">
+          <p:cNvPr id="23" name="TextBox 23"/>
+          <p:cNvSpPr txBox="1"/>
+          <p:nvPr/>
+        </p:nvSpPr>
+        <p:spPr>
+          <a:xfrm>
             <a:off x="3977385" y="6022812"/>
             <a:ext cx="13592148" cy="1727200"/>
           </a:xfrm>
@@ -10912,7 +11083,7 @@
           </a:prstGeom>
         </p:spPr>
         <p:txBody>
-          <a:bodyPr anchor="t" rtlCol="false" tIns="0" lIns="0" bIns="0" rIns="0">
+          <a:bodyPr lIns="0" tIns="0" rIns="0" bIns="0" rtlCol="0" anchor="t">
             <a:spAutoFit/>
           </a:bodyPr>
           <a:lstStyle/>
@@ -10979,6 +11150,15 @@
                 <a:spcPts val="3499"/>
               </a:lnSpc>
             </a:pPr>
+            <a:endParaRPr lang="en-US" sz="2499" spc="-74">
+              <a:solidFill>
+                <a:srgbClr val="586977"/>
+              </a:solidFill>
+              <a:latin typeface="Circe"/>
+              <a:ea typeface="Circe"/>
+              <a:cs typeface="Circe"/>
+              <a:sym typeface="Circe"/>
+            </a:endParaRPr>
           </a:p>
         </p:txBody>
       </p:sp>
@@ -10991,13 +11171,14 @@
 </file>
 
 <file path=ppt/slides/slide6.xml><?xml version="1.0" encoding="utf-8"?>
-<p:sld xmlns:p="http://schemas.openxmlformats.org/presentationml/2006/main" xmlns:a="http://schemas.openxmlformats.org/drawingml/2006/main" xmlns:r="http://schemas.openxmlformats.org/officeDocument/2006/relationships">
+<p:sld xmlns:a="http://schemas.openxmlformats.org/drawingml/2006/main" xmlns:r="http://schemas.openxmlformats.org/officeDocument/2006/relationships" xmlns:p="http://schemas.openxmlformats.org/presentationml/2006/main">
   <p:cSld>
     <p:bg>
       <p:bgPr>
         <a:solidFill>
           <a:srgbClr val="F3F2F0"/>
         </a:solidFill>
+        <a:effectLst/>
       </p:bgPr>
     </p:bg>
     <p:spTree>
@@ -11016,12 +11197,12 @@
       </p:grpSpPr>
       <p:sp>
         <p:nvSpPr>
-          <p:cNvPr name="Freeform 2" id="2"/>
+          <p:cNvPr id="2" name="Freeform 2"/>
           <p:cNvSpPr/>
           <p:nvPr/>
         </p:nvSpPr>
         <p:spPr>
-          <a:xfrm flipH="false" flipV="false" rot="0">
+          <a:xfrm>
             <a:off x="-1320651" y="-1505948"/>
             <a:ext cx="4181833" cy="4114800"/>
           </a:xfrm>
@@ -11030,9 +11211,9 @@
             <a:gdLst/>
             <a:ahLst/>
             <a:cxnLst/>
-            <a:rect r="r" b="b" t="t" l="l"/>
+            <a:rect l="l" t="t" r="r" b="b"/>
             <a:pathLst>
-              <a:path h="4114800" w="4181833">
+              <a:path w="4181833" h="4114800">
                 <a:moveTo>
                   <a:pt x="0" y="0"/>
                 </a:moveTo>
@@ -11061,19 +11242,19 @@
               </a:extLst>
             </a:blip>
             <a:stretch>
-              <a:fillRect l="0" t="0" r="0" b="0"/>
+              <a:fillRect/>
             </a:stretch>
           </a:blipFill>
         </p:spPr>
       </p:sp>
       <p:sp>
         <p:nvSpPr>
-          <p:cNvPr name="Freeform 3" id="3"/>
+          <p:cNvPr id="3" name="Freeform 3"/>
           <p:cNvSpPr/>
           <p:nvPr/>
         </p:nvSpPr>
         <p:spPr>
-          <a:xfrm flipH="false" flipV="false" rot="0">
+          <a:xfrm>
             <a:off x="14286407" y="6845277"/>
             <a:ext cx="5427194" cy="4114800"/>
           </a:xfrm>
@@ -11082,9 +11263,9 @@
             <a:gdLst/>
             <a:ahLst/>
             <a:cxnLst/>
-            <a:rect r="r" b="b" t="t" l="l"/>
+            <a:rect l="l" t="t" r="r" b="b"/>
             <a:pathLst>
-              <a:path h="4114800" w="5427194">
+              <a:path w="5427194" h="4114800">
                 <a:moveTo>
                   <a:pt x="0" y="0"/>
                 </a:moveTo>
@@ -11113,19 +11294,19 @@
               </a:extLst>
             </a:blip>
             <a:stretch>
-              <a:fillRect l="0" t="0" r="0" b="0"/>
+              <a:fillRect/>
             </a:stretch>
           </a:blipFill>
         </p:spPr>
       </p:sp>
       <p:sp>
         <p:nvSpPr>
-          <p:cNvPr name="Freeform 4" id="4"/>
+          <p:cNvPr id="4" name="Freeform 4"/>
           <p:cNvSpPr/>
           <p:nvPr/>
         </p:nvSpPr>
         <p:spPr>
-          <a:xfrm flipH="false" flipV="false" rot="-10800000">
+          <a:xfrm rot="-10800000">
             <a:off x="12882085" y="9403981"/>
             <a:ext cx="3375087" cy="1257987"/>
           </a:xfrm>
@@ -11134,9 +11315,9 @@
             <a:gdLst/>
             <a:ahLst/>
             <a:cxnLst/>
-            <a:rect r="r" b="b" t="t" l="l"/>
+            <a:rect l="l" t="t" r="r" b="b"/>
             <a:pathLst>
-              <a:path h="1257987" w="3375087">
+              <a:path w="3375087" h="1257987">
                 <a:moveTo>
                   <a:pt x="0" y="0"/>
                 </a:moveTo>
@@ -11165,19 +11346,19 @@
               </a:extLst>
             </a:blip>
             <a:stretch>
-              <a:fillRect l="0" t="0" r="0" b="0"/>
+              <a:fillRect/>
             </a:stretch>
           </a:blipFill>
         </p:spPr>
       </p:sp>
       <p:sp>
         <p:nvSpPr>
-          <p:cNvPr name="Freeform 5" id="5"/>
+          <p:cNvPr id="5" name="Freeform 5"/>
           <p:cNvSpPr/>
           <p:nvPr/>
         </p:nvSpPr>
         <p:spPr>
-          <a:xfrm flipH="false" flipV="false" rot="2193841">
+          <a:xfrm rot="2193841">
             <a:off x="-942013" y="1438500"/>
             <a:ext cx="2216693" cy="2545263"/>
           </a:xfrm>
@@ -11186,9 +11367,9 @@
             <a:gdLst/>
             <a:ahLst/>
             <a:cxnLst/>
-            <a:rect r="r" b="b" t="t" l="l"/>
+            <a:rect l="l" t="t" r="r" b="b"/>
             <a:pathLst>
-              <a:path h="2545263" w="2216693">
+              <a:path w="2216693" h="2545263">
                 <a:moveTo>
                   <a:pt x="0" y="0"/>
                 </a:moveTo>
@@ -11217,19 +11398,19 @@
               </a:extLst>
             </a:blip>
             <a:stretch>
-              <a:fillRect l="0" t="0" r="0" b="0"/>
+              <a:fillRect/>
             </a:stretch>
           </a:blipFill>
         </p:spPr>
       </p:sp>
       <p:sp>
         <p:nvSpPr>
-          <p:cNvPr name="Freeform 6" id="6"/>
+          <p:cNvPr id="6" name="Freeform 6"/>
           <p:cNvSpPr/>
           <p:nvPr/>
         </p:nvSpPr>
         <p:spPr>
-          <a:xfrm flipH="false" flipV="false" rot="0">
+          <a:xfrm>
             <a:off x="17259300" y="4843764"/>
             <a:ext cx="1623151" cy="2807336"/>
           </a:xfrm>
@@ -11238,9 +11419,9 @@
             <a:gdLst/>
             <a:ahLst/>
             <a:cxnLst/>
-            <a:rect r="r" b="b" t="t" l="l"/>
+            <a:rect l="l" t="t" r="r" b="b"/>
             <a:pathLst>
-              <a:path h="2807336" w="1623151">
+              <a:path w="1623151" h="2807336">
                 <a:moveTo>
                   <a:pt x="0" y="0"/>
                 </a:moveTo>
@@ -11269,19 +11450,19 @@
               </a:extLst>
             </a:blip>
             <a:stretch>
-              <a:fillRect l="0" t="0" r="0" b="0"/>
+              <a:fillRect/>
             </a:stretch>
           </a:blipFill>
         </p:spPr>
       </p:sp>
       <p:sp>
         <p:nvSpPr>
-          <p:cNvPr name="Freeform 7" id="7"/>
+          <p:cNvPr id="7" name="Freeform 7"/>
           <p:cNvSpPr/>
           <p:nvPr/>
         </p:nvSpPr>
         <p:spPr>
-          <a:xfrm flipH="false" flipV="false" rot="0">
+          <a:xfrm>
             <a:off x="1814681" y="-3086100"/>
             <a:ext cx="2798064" cy="4114800"/>
           </a:xfrm>
@@ -11290,9 +11471,9 @@
             <a:gdLst/>
             <a:ahLst/>
             <a:cxnLst/>
-            <a:rect r="r" b="b" t="t" l="l"/>
+            <a:rect l="l" t="t" r="r" b="b"/>
             <a:pathLst>
-              <a:path h="4114800" w="2798064">
+              <a:path w="2798064" h="4114800">
                 <a:moveTo>
                   <a:pt x="0" y="0"/>
                 </a:moveTo>
@@ -11321,19 +11502,19 @@
               </a:extLst>
             </a:blip>
             <a:stretch>
-              <a:fillRect l="0" t="0" r="0" b="0"/>
+              <a:fillRect/>
             </a:stretch>
           </a:blipFill>
         </p:spPr>
       </p:sp>
       <p:sp>
         <p:nvSpPr>
-          <p:cNvPr name="Freeform 8" id="8"/>
+          <p:cNvPr id="8" name="Freeform 8"/>
           <p:cNvSpPr/>
           <p:nvPr/>
         </p:nvSpPr>
         <p:spPr>
-          <a:xfrm flipH="false" flipV="false" rot="0">
+          <a:xfrm>
             <a:off x="16569100" y="7854632"/>
             <a:ext cx="2000865" cy="2807336"/>
           </a:xfrm>
@@ -11342,9 +11523,9 @@
             <a:gdLst/>
             <a:ahLst/>
             <a:cxnLst/>
-            <a:rect r="r" b="b" t="t" l="l"/>
+            <a:rect l="l" t="t" r="r" b="b"/>
             <a:pathLst>
-              <a:path h="2807336" w="2000865">
+              <a:path w="2000865" h="2807336">
                 <a:moveTo>
                   <a:pt x="0" y="0"/>
                 </a:moveTo>
@@ -11373,19 +11554,19 @@
               </a:extLst>
             </a:blip>
             <a:stretch>
-              <a:fillRect l="0" t="0" r="0" b="0"/>
+              <a:fillRect/>
             </a:stretch>
           </a:blipFill>
         </p:spPr>
       </p:sp>
       <p:sp>
         <p:nvSpPr>
-          <p:cNvPr name="Freeform 9" id="9"/>
+          <p:cNvPr id="9" name="Freeform 9"/>
           <p:cNvSpPr/>
           <p:nvPr/>
         </p:nvSpPr>
         <p:spPr>
-          <a:xfrm flipH="false" flipV="false" rot="0">
+          <a:xfrm>
             <a:off x="-321736" y="-1028700"/>
             <a:ext cx="1818460" cy="2357136"/>
           </a:xfrm>
@@ -11394,9 +11575,9 @@
             <a:gdLst/>
             <a:ahLst/>
             <a:cxnLst/>
-            <a:rect r="r" b="b" t="t" l="l"/>
+            <a:rect l="l" t="t" r="r" b="b"/>
             <a:pathLst>
-              <a:path h="2357136" w="1818460">
+              <a:path w="1818460" h="2357136">
                 <a:moveTo>
                   <a:pt x="0" y="0"/>
                 </a:moveTo>
@@ -11425,19 +11606,19 @@
               </a:extLst>
             </a:blip>
             <a:stretch>
-              <a:fillRect l="0" t="0" r="0" b="0"/>
+              <a:fillRect/>
             </a:stretch>
           </a:blipFill>
         </p:spPr>
       </p:sp>
       <p:grpSp>
         <p:nvGrpSpPr>
-          <p:cNvPr name="Group 10" id="10"/>
+          <p:cNvPr id="10" name="Group 10"/>
           <p:cNvGrpSpPr/>
           <p:nvPr/>
         </p:nvGrpSpPr>
         <p:grpSpPr>
-          <a:xfrm rot="0">
+          <a:xfrm>
             <a:off x="16311522" y="949784"/>
             <a:ext cx="1026694" cy="1026694"/>
             <a:chOff x="0" y="0"/>
@@ -11446,12 +11627,12 @@
         </p:grpSpPr>
         <p:sp>
           <p:nvSpPr>
-            <p:cNvPr name="Freeform 11" id="11"/>
+            <p:cNvPr id="11" name="Freeform 11"/>
             <p:cNvSpPr/>
             <p:nvPr/>
           </p:nvSpPr>
           <p:spPr>
-            <a:xfrm flipH="false" flipV="false" rot="0">
+            <a:xfrm>
               <a:off x="0" y="0"/>
               <a:ext cx="812800" cy="812800"/>
             </a:xfrm>
@@ -11460,9 +11641,9 @@
               <a:gdLst/>
               <a:ahLst/>
               <a:cxnLst/>
-              <a:rect r="r" b="b" t="t" l="l"/>
+              <a:rect l="l" t="t" r="r" b="b"/>
               <a:pathLst>
-                <a:path h="812800" w="812800">
+                <a:path w="812800" h="812800">
                   <a:moveTo>
                     <a:pt x="406400" y="0"/>
                   </a:moveTo>
@@ -11497,8 +11678,8 @@
         </p:sp>
         <p:sp>
           <p:nvSpPr>
-            <p:cNvPr name="TextBox 12" id="12"/>
-            <p:cNvSpPr txBox="true"/>
+            <p:cNvPr id="12" name="TextBox 12"/>
+            <p:cNvSpPr txBox="1"/>
             <p:nvPr/>
           </p:nvSpPr>
           <p:spPr>
@@ -11511,7 +11692,7 @@
             </a:prstGeom>
           </p:spPr>
           <p:txBody>
-            <a:bodyPr anchor="ctr" rtlCol="false" tIns="50800" lIns="50800" bIns="50800" rIns="50800"/>
+            <a:bodyPr lIns="50800" tIns="50800" rIns="50800" bIns="50800" rtlCol="0" anchor="ctr"/>
             <a:lstStyle/>
             <a:p>
               <a:pPr algn="ctr">
@@ -11519,18 +11700,19 @@
                   <a:spcPts val="2659"/>
                 </a:lnSpc>
               </a:pPr>
+              <a:endParaRPr/>
             </a:p>
           </p:txBody>
         </p:sp>
       </p:grpSp>
       <p:grpSp>
         <p:nvGrpSpPr>
-          <p:cNvPr name="Group 13" id="13"/>
+          <p:cNvPr id="13" name="Group 13"/>
           <p:cNvGrpSpPr/>
           <p:nvPr/>
         </p:nvGrpSpPr>
         <p:grpSpPr>
-          <a:xfrm rot="0">
+          <a:xfrm>
             <a:off x="16390439" y="1028700"/>
             <a:ext cx="868861" cy="868861"/>
             <a:chOff x="0" y="0"/>
@@ -11539,12 +11721,12 @@
         </p:grpSpPr>
         <p:sp>
           <p:nvSpPr>
-            <p:cNvPr name="Freeform 14" id="14"/>
+            <p:cNvPr id="14" name="Freeform 14"/>
             <p:cNvSpPr/>
             <p:nvPr/>
           </p:nvSpPr>
           <p:spPr>
-            <a:xfrm flipH="false" flipV="false" rot="0">
+            <a:xfrm>
               <a:off x="0" y="0"/>
               <a:ext cx="812800" cy="812800"/>
             </a:xfrm>
@@ -11553,9 +11735,9 @@
               <a:gdLst/>
               <a:ahLst/>
               <a:cxnLst/>
-              <a:rect r="r" b="b" t="t" l="l"/>
+              <a:rect l="l" t="t" r="r" b="b"/>
               <a:pathLst>
-                <a:path h="812800" w="812800">
+                <a:path w="812800" h="812800">
                   <a:moveTo>
                     <a:pt x="406400" y="0"/>
                   </a:moveTo>
@@ -11590,8 +11772,8 @@
         </p:sp>
         <p:sp>
           <p:nvSpPr>
-            <p:cNvPr name="TextBox 15" id="15"/>
-            <p:cNvSpPr txBox="true"/>
+            <p:cNvPr id="15" name="TextBox 15"/>
+            <p:cNvSpPr txBox="1"/>
             <p:nvPr/>
           </p:nvSpPr>
           <p:spPr>
@@ -11604,7 +11786,7 @@
             </a:prstGeom>
           </p:spPr>
           <p:txBody>
-            <a:bodyPr anchor="ctr" rtlCol="false" tIns="50800" lIns="50800" bIns="50800" rIns="50800"/>
+            <a:bodyPr lIns="50800" tIns="50800" rIns="50800" bIns="50800" rtlCol="0" anchor="ctr"/>
             <a:lstStyle/>
             <a:p>
               <a:pPr algn="ctr">
@@ -11612,18 +11794,19 @@
                   <a:spcPts val="2659"/>
                 </a:lnSpc>
               </a:pPr>
+              <a:endParaRPr/>
             </a:p>
           </p:txBody>
         </p:sp>
       </p:grpSp>
       <p:sp>
         <p:nvSpPr>
-          <p:cNvPr name="TextBox 16" id="16"/>
-          <p:cNvSpPr txBox="true"/>
-          <p:nvPr/>
-        </p:nvSpPr>
-        <p:spPr>
-          <a:xfrm rot="0">
+          <p:cNvPr id="16" name="TextBox 16"/>
+          <p:cNvSpPr txBox="1"/>
+          <p:nvPr/>
+        </p:nvSpPr>
+        <p:spPr>
+          <a:xfrm>
             <a:off x="3302450" y="807571"/>
             <a:ext cx="10376649" cy="855980"/>
           </a:xfrm>
@@ -11632,7 +11815,7 @@
           </a:prstGeom>
         </p:spPr>
         <p:txBody>
-          <a:bodyPr anchor="t" rtlCol="false" tIns="0" lIns="0" bIns="0" rIns="0">
+          <a:bodyPr lIns="0" tIns="0" rIns="0" bIns="0" rtlCol="0" anchor="t">
             <a:spAutoFit/>
           </a:bodyPr>
           <a:lstStyle/>
@@ -11659,12 +11842,12 @@
       </p:sp>
       <p:sp>
         <p:nvSpPr>
-          <p:cNvPr name="TextBox 17" id="17"/>
-          <p:cNvSpPr txBox="true"/>
-          <p:nvPr/>
-        </p:nvSpPr>
-        <p:spPr>
-          <a:xfrm rot="0">
+          <p:cNvPr id="17" name="TextBox 17"/>
+          <p:cNvSpPr txBox="1"/>
+          <p:nvPr/>
+        </p:nvSpPr>
+        <p:spPr>
+          <a:xfrm>
             <a:off x="16474869" y="1303622"/>
             <a:ext cx="700000" cy="461892"/>
           </a:xfrm>
@@ -11673,7 +11856,7 @@
           </a:prstGeom>
         </p:spPr>
         <p:txBody>
-          <a:bodyPr anchor="t" rtlCol="false" tIns="0" lIns="0" bIns="0" rIns="0">
+          <a:bodyPr lIns="0" tIns="0" rIns="0" bIns="0" rtlCol="0" anchor="t">
             <a:spAutoFit/>
           </a:bodyPr>
           <a:lstStyle/>
@@ -11684,7 +11867,7 @@
               </a:lnSpc>
             </a:pPr>
             <a:r>
-              <a:rPr lang="en-US" b="true" sz="3721">
+              <a:rPr lang="en-US" sz="3721" b="1">
                 <a:solidFill>
                   <a:srgbClr val="F3F2F0"/>
                 </a:solidFill>
@@ -11700,12 +11883,12 @@
       </p:sp>
       <p:sp>
         <p:nvSpPr>
-          <p:cNvPr name="Freeform 18" id="18"/>
+          <p:cNvPr id="18" name="Freeform 18"/>
           <p:cNvSpPr/>
           <p:nvPr/>
         </p:nvSpPr>
         <p:spPr>
-          <a:xfrm flipH="false" flipV="false" rot="0">
+          <a:xfrm>
             <a:off x="-736472" y="3168749"/>
             <a:ext cx="1765172" cy="1434604"/>
           </a:xfrm>
@@ -11714,9 +11897,9 @@
             <a:gdLst/>
             <a:ahLst/>
             <a:cxnLst/>
-            <a:rect r="r" b="b" t="t" l="l"/>
+            <a:rect l="l" t="t" r="r" b="b"/>
             <a:pathLst>
-              <a:path h="1434604" w="1765172">
+              <a:path w="1765172" h="1434604">
                 <a:moveTo>
                   <a:pt x="0" y="0"/>
                 </a:moveTo>
@@ -11745,19 +11928,19 @@
               </a:extLst>
             </a:blip>
             <a:stretch>
-              <a:fillRect l="0" t="0" r="0" b="0"/>
+              <a:fillRect/>
             </a:stretch>
           </a:blipFill>
         </p:spPr>
       </p:sp>
       <p:sp>
         <p:nvSpPr>
-          <p:cNvPr name="Freeform 19" id="19"/>
+          <p:cNvPr id="19" name="Freeform 19"/>
           <p:cNvSpPr/>
           <p:nvPr/>
         </p:nvSpPr>
         <p:spPr>
-          <a:xfrm flipH="true" flipV="true" rot="0">
+          <a:xfrm flipH="1" flipV="1">
             <a:off x="17188289" y="3168749"/>
             <a:ext cx="1765172" cy="1434604"/>
           </a:xfrm>
@@ -11766,9 +11949,9 @@
             <a:gdLst/>
             <a:ahLst/>
             <a:cxnLst/>
-            <a:rect r="r" b="b" t="t" l="l"/>
+            <a:rect l="l" t="t" r="r" b="b"/>
             <a:pathLst>
-              <a:path h="1434604" w="1765172">
+              <a:path w="1765172" h="1434604">
                 <a:moveTo>
                   <a:pt x="1765172" y="1434604"/>
                 </a:moveTo>
@@ -11797,19 +11980,19 @@
               </a:extLst>
             </a:blip>
             <a:stretch>
-              <a:fillRect l="0" t="0" r="0" b="0"/>
+              <a:fillRect/>
             </a:stretch>
           </a:blipFill>
         </p:spPr>
       </p:sp>
       <p:sp>
         <p:nvSpPr>
-          <p:cNvPr name="Freeform 20" id="20"/>
+          <p:cNvPr id="20" name="Freeform 20"/>
           <p:cNvSpPr/>
           <p:nvPr/>
         </p:nvSpPr>
         <p:spPr>
-          <a:xfrm flipH="false" flipV="false" rot="0">
+          <a:xfrm>
             <a:off x="3302450" y="1660213"/>
             <a:ext cx="427227" cy="474697"/>
           </a:xfrm>
@@ -11818,9 +12001,9 @@
             <a:gdLst/>
             <a:ahLst/>
             <a:cxnLst/>
-            <a:rect r="r" b="b" t="t" l="l"/>
+            <a:rect l="l" t="t" r="r" b="b"/>
             <a:pathLst>
-              <a:path h="474697" w="427227">
+              <a:path w="427227" h="474697">
                 <a:moveTo>
                   <a:pt x="0" y="0"/>
                 </a:moveTo>
@@ -11849,19 +12032,19 @@
               </a:extLst>
             </a:blip>
             <a:stretch>
-              <a:fillRect l="0" t="0" r="0" b="0"/>
+              <a:fillRect/>
             </a:stretch>
           </a:blipFill>
         </p:spPr>
       </p:sp>
       <p:sp>
         <p:nvSpPr>
-          <p:cNvPr name="TextBox 21" id="21"/>
-          <p:cNvSpPr txBox="true"/>
-          <p:nvPr/>
-        </p:nvSpPr>
-        <p:spPr>
-          <a:xfrm rot="0">
+          <p:cNvPr id="21" name="TextBox 21"/>
+          <p:cNvSpPr txBox="1"/>
+          <p:nvPr/>
+        </p:nvSpPr>
+        <p:spPr>
+          <a:xfrm>
             <a:off x="3824928" y="1720701"/>
             <a:ext cx="13592148" cy="2165350"/>
           </a:xfrm>
@@ -11870,7 +12053,7 @@
           </a:prstGeom>
         </p:spPr>
         <p:txBody>
-          <a:bodyPr anchor="t" rtlCol="false" tIns="0" lIns="0" bIns="0" rIns="0">
+          <a:bodyPr lIns="0" tIns="0" rIns="0" bIns="0" rtlCol="0" anchor="t">
             <a:spAutoFit/>
           </a:bodyPr>
           <a:lstStyle/>
@@ -11937,17 +12120,26 @@
                 <a:spcPts val="3499"/>
               </a:lnSpc>
             </a:pPr>
+            <a:endParaRPr lang="en-US" sz="2499" spc="-74">
+              <a:solidFill>
+                <a:srgbClr val="586977"/>
+              </a:solidFill>
+              <a:latin typeface="Circe"/>
+              <a:ea typeface="Circe"/>
+              <a:cs typeface="Circe"/>
+              <a:sym typeface="Circe"/>
+            </a:endParaRPr>
           </a:p>
         </p:txBody>
       </p:sp>
       <p:sp>
         <p:nvSpPr>
-          <p:cNvPr name="Freeform 22" id="22"/>
+          <p:cNvPr id="22" name="Freeform 22"/>
           <p:cNvSpPr/>
           <p:nvPr/>
         </p:nvSpPr>
         <p:spPr>
-          <a:xfrm flipH="false" flipV="false" rot="0">
+          <a:xfrm>
             <a:off x="3213713" y="3648703"/>
             <a:ext cx="423870" cy="470966"/>
           </a:xfrm>
@@ -11956,9 +12148,9 @@
             <a:gdLst/>
             <a:ahLst/>
             <a:cxnLst/>
-            <a:rect r="r" b="b" t="t" l="l"/>
+            <a:rect l="l" t="t" r="r" b="b"/>
             <a:pathLst>
-              <a:path h="470966" w="423870">
+              <a:path w="423870" h="470966">
                 <a:moveTo>
                   <a:pt x="0" y="0"/>
                 </a:moveTo>
@@ -11987,19 +12179,19 @@
               </a:extLst>
             </a:blip>
             <a:stretch>
-              <a:fillRect l="0" t="0" r="0" b="0"/>
+              <a:fillRect/>
             </a:stretch>
           </a:blipFill>
         </p:spPr>
       </p:sp>
       <p:sp>
         <p:nvSpPr>
-          <p:cNvPr name="TextBox 23" id="23"/>
-          <p:cNvSpPr txBox="true"/>
-          <p:nvPr/>
-        </p:nvSpPr>
-        <p:spPr>
-          <a:xfrm rot="0">
+          <p:cNvPr id="23" name="TextBox 23"/>
+          <p:cNvSpPr txBox="1"/>
+          <p:nvPr/>
+        </p:nvSpPr>
+        <p:spPr>
+          <a:xfrm>
             <a:off x="3729678" y="3610603"/>
             <a:ext cx="13592148" cy="6108700"/>
           </a:xfrm>
@@ -12008,7 +12200,7 @@
           </a:prstGeom>
         </p:spPr>
         <p:txBody>
-          <a:bodyPr anchor="t" rtlCol="false" tIns="0" lIns="0" bIns="0" rIns="0">
+          <a:bodyPr lIns="0" tIns="0" rIns="0" bIns="0" rtlCol="0" anchor="t">
             <a:spAutoFit/>
           </a:bodyPr>
           <a:lstStyle/>
@@ -12170,6 +12362,15 @@
                 <a:spcPts val="3499"/>
               </a:lnSpc>
             </a:pPr>
+            <a:endParaRPr lang="en-US" sz="2499" spc="-74">
+              <a:solidFill>
+                <a:srgbClr val="586977"/>
+              </a:solidFill>
+              <a:latin typeface="Circe"/>
+              <a:ea typeface="Circe"/>
+              <a:cs typeface="Circe"/>
+              <a:sym typeface="Circe"/>
+            </a:endParaRPr>
           </a:p>
         </p:txBody>
       </p:sp>
@@ -12182,13 +12383,14 @@
 </file>
 
 <file path=ppt/slides/slide7.xml><?xml version="1.0" encoding="utf-8"?>
-<p:sld xmlns:p="http://schemas.openxmlformats.org/presentationml/2006/main" xmlns:a="http://schemas.openxmlformats.org/drawingml/2006/main" xmlns:r="http://schemas.openxmlformats.org/officeDocument/2006/relationships">
+<p:sld xmlns:a="http://schemas.openxmlformats.org/drawingml/2006/main" xmlns:r="http://schemas.openxmlformats.org/officeDocument/2006/relationships" xmlns:p="http://schemas.openxmlformats.org/presentationml/2006/main">
   <p:cSld>
     <p:bg>
       <p:bgPr>
         <a:solidFill>
           <a:srgbClr val="F3F2F0"/>
         </a:solidFill>
+        <a:effectLst/>
       </p:bgPr>
     </p:bg>
     <p:spTree>
@@ -12207,12 +12409,12 @@
       </p:grpSpPr>
       <p:sp>
         <p:nvSpPr>
-          <p:cNvPr name="Freeform 2" id="2"/>
+          <p:cNvPr id="2" name="Freeform 2"/>
           <p:cNvSpPr/>
           <p:nvPr/>
         </p:nvSpPr>
         <p:spPr>
-          <a:xfrm flipH="false" flipV="false" rot="0">
+          <a:xfrm>
             <a:off x="-1320651" y="-1505948"/>
             <a:ext cx="4181833" cy="4114800"/>
           </a:xfrm>
@@ -12221,9 +12423,9 @@
             <a:gdLst/>
             <a:ahLst/>
             <a:cxnLst/>
-            <a:rect r="r" b="b" t="t" l="l"/>
+            <a:rect l="l" t="t" r="r" b="b"/>
             <a:pathLst>
-              <a:path h="4114800" w="4181833">
+              <a:path w="4181833" h="4114800">
                 <a:moveTo>
                   <a:pt x="0" y="0"/>
                 </a:moveTo>
@@ -12252,19 +12454,19 @@
               </a:extLst>
             </a:blip>
             <a:stretch>
-              <a:fillRect l="0" t="0" r="0" b="0"/>
+              <a:fillRect/>
             </a:stretch>
           </a:blipFill>
         </p:spPr>
       </p:sp>
       <p:sp>
         <p:nvSpPr>
-          <p:cNvPr name="Freeform 3" id="3"/>
+          <p:cNvPr id="3" name="Freeform 3"/>
           <p:cNvSpPr/>
           <p:nvPr/>
         </p:nvSpPr>
         <p:spPr>
-          <a:xfrm flipH="false" flipV="false" rot="0">
+          <a:xfrm>
             <a:off x="14286407" y="6845277"/>
             <a:ext cx="5427194" cy="4114800"/>
           </a:xfrm>
@@ -12273,9 +12475,9 @@
             <a:gdLst/>
             <a:ahLst/>
             <a:cxnLst/>
-            <a:rect r="r" b="b" t="t" l="l"/>
+            <a:rect l="l" t="t" r="r" b="b"/>
             <a:pathLst>
-              <a:path h="4114800" w="5427194">
+              <a:path w="5427194" h="4114800">
                 <a:moveTo>
                   <a:pt x="0" y="0"/>
                 </a:moveTo>
@@ -12304,19 +12506,19 @@
               </a:extLst>
             </a:blip>
             <a:stretch>
-              <a:fillRect l="0" t="0" r="0" b="0"/>
+              <a:fillRect/>
             </a:stretch>
           </a:blipFill>
         </p:spPr>
       </p:sp>
       <p:sp>
         <p:nvSpPr>
-          <p:cNvPr name="Freeform 4" id="4"/>
+          <p:cNvPr id="4" name="Freeform 4"/>
           <p:cNvSpPr/>
           <p:nvPr/>
         </p:nvSpPr>
         <p:spPr>
-          <a:xfrm flipH="false" flipV="false" rot="-10800000">
+          <a:xfrm rot="-10800000">
             <a:off x="12882085" y="9403981"/>
             <a:ext cx="3375087" cy="1257987"/>
           </a:xfrm>
@@ -12325,9 +12527,9 @@
             <a:gdLst/>
             <a:ahLst/>
             <a:cxnLst/>
-            <a:rect r="r" b="b" t="t" l="l"/>
+            <a:rect l="l" t="t" r="r" b="b"/>
             <a:pathLst>
-              <a:path h="1257987" w="3375087">
+              <a:path w="3375087" h="1257987">
                 <a:moveTo>
                   <a:pt x="0" y="0"/>
                 </a:moveTo>
@@ -12356,19 +12558,19 @@
               </a:extLst>
             </a:blip>
             <a:stretch>
-              <a:fillRect l="0" t="0" r="0" b="0"/>
+              <a:fillRect/>
             </a:stretch>
           </a:blipFill>
         </p:spPr>
       </p:sp>
       <p:sp>
         <p:nvSpPr>
-          <p:cNvPr name="Freeform 5" id="5"/>
+          <p:cNvPr id="5" name="Freeform 5"/>
           <p:cNvSpPr/>
           <p:nvPr/>
         </p:nvSpPr>
         <p:spPr>
-          <a:xfrm flipH="false" flipV="false" rot="2193841">
+          <a:xfrm rot="2193841">
             <a:off x="-942013" y="1438500"/>
             <a:ext cx="2216693" cy="2545263"/>
           </a:xfrm>
@@ -12377,9 +12579,9 @@
             <a:gdLst/>
             <a:ahLst/>
             <a:cxnLst/>
-            <a:rect r="r" b="b" t="t" l="l"/>
+            <a:rect l="l" t="t" r="r" b="b"/>
             <a:pathLst>
-              <a:path h="2545263" w="2216693">
+              <a:path w="2216693" h="2545263">
                 <a:moveTo>
                   <a:pt x="0" y="0"/>
                 </a:moveTo>
@@ -12408,19 +12610,19 @@
               </a:extLst>
             </a:blip>
             <a:stretch>
-              <a:fillRect l="0" t="0" r="0" b="0"/>
+              <a:fillRect/>
             </a:stretch>
           </a:blipFill>
         </p:spPr>
       </p:sp>
       <p:sp>
         <p:nvSpPr>
-          <p:cNvPr name="Freeform 6" id="6"/>
+          <p:cNvPr id="6" name="Freeform 6"/>
           <p:cNvSpPr/>
           <p:nvPr/>
         </p:nvSpPr>
         <p:spPr>
-          <a:xfrm flipH="false" flipV="false" rot="0">
+          <a:xfrm>
             <a:off x="17259300" y="4843764"/>
             <a:ext cx="1623151" cy="2807336"/>
           </a:xfrm>
@@ -12429,9 +12631,9 @@
             <a:gdLst/>
             <a:ahLst/>
             <a:cxnLst/>
-            <a:rect r="r" b="b" t="t" l="l"/>
+            <a:rect l="l" t="t" r="r" b="b"/>
             <a:pathLst>
-              <a:path h="2807336" w="1623151">
+              <a:path w="1623151" h="2807336">
                 <a:moveTo>
                   <a:pt x="0" y="0"/>
                 </a:moveTo>
@@ -12460,19 +12662,19 @@
               </a:extLst>
             </a:blip>
             <a:stretch>
-              <a:fillRect l="0" t="0" r="0" b="0"/>
+              <a:fillRect/>
             </a:stretch>
           </a:blipFill>
         </p:spPr>
       </p:sp>
       <p:sp>
         <p:nvSpPr>
-          <p:cNvPr name="Freeform 7" id="7"/>
+          <p:cNvPr id="7" name="Freeform 7"/>
           <p:cNvSpPr/>
           <p:nvPr/>
         </p:nvSpPr>
         <p:spPr>
-          <a:xfrm flipH="false" flipV="false" rot="0">
+          <a:xfrm>
             <a:off x="1814681" y="-3086100"/>
             <a:ext cx="2798064" cy="4114800"/>
           </a:xfrm>
@@ -12481,9 +12683,9 @@
             <a:gdLst/>
             <a:ahLst/>
             <a:cxnLst/>
-            <a:rect r="r" b="b" t="t" l="l"/>
+            <a:rect l="l" t="t" r="r" b="b"/>
             <a:pathLst>
-              <a:path h="4114800" w="2798064">
+              <a:path w="2798064" h="4114800">
                 <a:moveTo>
                   <a:pt x="0" y="0"/>
                 </a:moveTo>
@@ -12512,19 +12714,19 @@
               </a:extLst>
             </a:blip>
             <a:stretch>
-              <a:fillRect l="0" t="0" r="0" b="0"/>
+              <a:fillRect/>
             </a:stretch>
           </a:blipFill>
         </p:spPr>
       </p:sp>
       <p:sp>
         <p:nvSpPr>
-          <p:cNvPr name="Freeform 8" id="8"/>
+          <p:cNvPr id="8" name="Freeform 8"/>
           <p:cNvSpPr/>
           <p:nvPr/>
         </p:nvSpPr>
         <p:spPr>
-          <a:xfrm flipH="false" flipV="false" rot="0">
+          <a:xfrm>
             <a:off x="16569100" y="7854632"/>
             <a:ext cx="2000865" cy="2807336"/>
           </a:xfrm>
@@ -12533,9 +12735,9 @@
             <a:gdLst/>
             <a:ahLst/>
             <a:cxnLst/>
-            <a:rect r="r" b="b" t="t" l="l"/>
+            <a:rect l="l" t="t" r="r" b="b"/>
             <a:pathLst>
-              <a:path h="2807336" w="2000865">
+              <a:path w="2000865" h="2807336">
                 <a:moveTo>
                   <a:pt x="0" y="0"/>
                 </a:moveTo>
@@ -12564,19 +12766,19 @@
               </a:extLst>
             </a:blip>
             <a:stretch>
-              <a:fillRect l="0" t="0" r="0" b="0"/>
+              <a:fillRect/>
             </a:stretch>
           </a:blipFill>
         </p:spPr>
       </p:sp>
       <p:sp>
         <p:nvSpPr>
-          <p:cNvPr name="Freeform 9" id="9"/>
+          <p:cNvPr id="9" name="Freeform 9"/>
           <p:cNvSpPr/>
           <p:nvPr/>
         </p:nvSpPr>
         <p:spPr>
-          <a:xfrm flipH="false" flipV="false" rot="0">
+          <a:xfrm>
             <a:off x="-321736" y="-1028700"/>
             <a:ext cx="1818460" cy="2357136"/>
           </a:xfrm>
@@ -12585,9 +12787,9 @@
             <a:gdLst/>
             <a:ahLst/>
             <a:cxnLst/>
-            <a:rect r="r" b="b" t="t" l="l"/>
+            <a:rect l="l" t="t" r="r" b="b"/>
             <a:pathLst>
-              <a:path h="2357136" w="1818460">
+              <a:path w="1818460" h="2357136">
                 <a:moveTo>
                   <a:pt x="0" y="0"/>
                 </a:moveTo>
@@ -12616,19 +12818,19 @@
               </a:extLst>
             </a:blip>
             <a:stretch>
-              <a:fillRect l="0" t="0" r="0" b="0"/>
+              <a:fillRect/>
             </a:stretch>
           </a:blipFill>
         </p:spPr>
       </p:sp>
       <p:grpSp>
         <p:nvGrpSpPr>
-          <p:cNvPr name="Group 10" id="10"/>
+          <p:cNvPr id="10" name="Group 10"/>
           <p:cNvGrpSpPr/>
           <p:nvPr/>
         </p:nvGrpSpPr>
         <p:grpSpPr>
-          <a:xfrm rot="0">
+          <a:xfrm>
             <a:off x="16311522" y="949784"/>
             <a:ext cx="1026694" cy="1026694"/>
             <a:chOff x="0" y="0"/>
@@ -12637,12 +12839,12 @@
         </p:grpSpPr>
         <p:sp>
           <p:nvSpPr>
-            <p:cNvPr name="Freeform 11" id="11"/>
+            <p:cNvPr id="11" name="Freeform 11"/>
             <p:cNvSpPr/>
             <p:nvPr/>
           </p:nvSpPr>
           <p:spPr>
-            <a:xfrm flipH="false" flipV="false" rot="0">
+            <a:xfrm>
               <a:off x="0" y="0"/>
               <a:ext cx="812800" cy="812800"/>
             </a:xfrm>
@@ -12651,9 +12853,9 @@
               <a:gdLst/>
               <a:ahLst/>
               <a:cxnLst/>
-              <a:rect r="r" b="b" t="t" l="l"/>
+              <a:rect l="l" t="t" r="r" b="b"/>
               <a:pathLst>
-                <a:path h="812800" w="812800">
+                <a:path w="812800" h="812800">
                   <a:moveTo>
                     <a:pt x="406400" y="0"/>
                   </a:moveTo>
@@ -12688,8 +12890,8 @@
         </p:sp>
         <p:sp>
           <p:nvSpPr>
-            <p:cNvPr name="TextBox 12" id="12"/>
-            <p:cNvSpPr txBox="true"/>
+            <p:cNvPr id="12" name="TextBox 12"/>
+            <p:cNvSpPr txBox="1"/>
             <p:nvPr/>
           </p:nvSpPr>
           <p:spPr>
@@ -12702,7 +12904,7 @@
             </a:prstGeom>
           </p:spPr>
           <p:txBody>
-            <a:bodyPr anchor="ctr" rtlCol="false" tIns="50800" lIns="50800" bIns="50800" rIns="50800"/>
+            <a:bodyPr lIns="50800" tIns="50800" rIns="50800" bIns="50800" rtlCol="0" anchor="ctr"/>
             <a:lstStyle/>
             <a:p>
               <a:pPr algn="ctr">
@@ -12710,18 +12912,19 @@
                   <a:spcPts val="2659"/>
                 </a:lnSpc>
               </a:pPr>
+              <a:endParaRPr/>
             </a:p>
           </p:txBody>
         </p:sp>
       </p:grpSp>
       <p:grpSp>
         <p:nvGrpSpPr>
-          <p:cNvPr name="Group 13" id="13"/>
+          <p:cNvPr id="13" name="Group 13"/>
           <p:cNvGrpSpPr/>
           <p:nvPr/>
         </p:nvGrpSpPr>
         <p:grpSpPr>
-          <a:xfrm rot="0">
+          <a:xfrm>
             <a:off x="16390439" y="1028700"/>
             <a:ext cx="868861" cy="868861"/>
             <a:chOff x="0" y="0"/>
@@ -12730,12 +12933,12 @@
         </p:grpSpPr>
         <p:sp>
           <p:nvSpPr>
-            <p:cNvPr name="Freeform 14" id="14"/>
+            <p:cNvPr id="14" name="Freeform 14"/>
             <p:cNvSpPr/>
             <p:nvPr/>
           </p:nvSpPr>
           <p:spPr>
-            <a:xfrm flipH="false" flipV="false" rot="0">
+            <a:xfrm>
               <a:off x="0" y="0"/>
               <a:ext cx="812800" cy="812800"/>
             </a:xfrm>
@@ -12744,9 +12947,9 @@
               <a:gdLst/>
               <a:ahLst/>
               <a:cxnLst/>
-              <a:rect r="r" b="b" t="t" l="l"/>
+              <a:rect l="l" t="t" r="r" b="b"/>
               <a:pathLst>
-                <a:path h="812800" w="812800">
+                <a:path w="812800" h="812800">
                   <a:moveTo>
                     <a:pt x="406400" y="0"/>
                   </a:moveTo>
@@ -12781,8 +12984,8 @@
         </p:sp>
         <p:sp>
           <p:nvSpPr>
-            <p:cNvPr name="TextBox 15" id="15"/>
-            <p:cNvSpPr txBox="true"/>
+            <p:cNvPr id="15" name="TextBox 15"/>
+            <p:cNvSpPr txBox="1"/>
             <p:nvPr/>
           </p:nvSpPr>
           <p:spPr>
@@ -12795,7 +12998,7 @@
             </a:prstGeom>
           </p:spPr>
           <p:txBody>
-            <a:bodyPr anchor="ctr" rtlCol="false" tIns="50800" lIns="50800" bIns="50800" rIns="50800"/>
+            <a:bodyPr lIns="50800" tIns="50800" rIns="50800" bIns="50800" rtlCol="0" anchor="ctr"/>
             <a:lstStyle/>
             <a:p>
               <a:pPr algn="ctr">
@@ -12803,18 +13006,19 @@
                   <a:spcPts val="2659"/>
                 </a:lnSpc>
               </a:pPr>
+              <a:endParaRPr/>
             </a:p>
           </p:txBody>
         </p:sp>
       </p:grpSp>
       <p:sp>
         <p:nvSpPr>
-          <p:cNvPr name="TextBox 16" id="16"/>
-          <p:cNvSpPr txBox="true"/>
-          <p:nvPr/>
-        </p:nvSpPr>
-        <p:spPr>
-          <a:xfrm rot="0">
+          <p:cNvPr id="16" name="TextBox 16"/>
+          <p:cNvSpPr txBox="1"/>
+          <p:nvPr/>
+        </p:nvSpPr>
+        <p:spPr>
+          <a:xfrm>
             <a:off x="16474869" y="1303622"/>
             <a:ext cx="700000" cy="461892"/>
           </a:xfrm>
@@ -12823,7 +13027,7 @@
           </a:prstGeom>
         </p:spPr>
         <p:txBody>
-          <a:bodyPr anchor="t" rtlCol="false" tIns="0" lIns="0" bIns="0" rIns="0">
+          <a:bodyPr lIns="0" tIns="0" rIns="0" bIns="0" rtlCol="0" anchor="t">
             <a:spAutoFit/>
           </a:bodyPr>
           <a:lstStyle/>
@@ -12834,7 +13038,7 @@
               </a:lnSpc>
             </a:pPr>
             <a:r>
-              <a:rPr lang="en-US" b="true" sz="3721">
+              <a:rPr lang="en-US" sz="3721" b="1">
                 <a:solidFill>
                   <a:srgbClr val="F3F2F0"/>
                 </a:solidFill>
@@ -12850,12 +13054,12 @@
       </p:sp>
       <p:sp>
         <p:nvSpPr>
-          <p:cNvPr name="TextBox 17" id="17"/>
-          <p:cNvSpPr txBox="true"/>
-          <p:nvPr/>
-        </p:nvSpPr>
-        <p:spPr>
-          <a:xfrm rot="0">
+          <p:cNvPr id="17" name="TextBox 17"/>
+          <p:cNvSpPr txBox="1"/>
+          <p:nvPr/>
+        </p:nvSpPr>
+        <p:spPr>
+          <a:xfrm>
             <a:off x="3213713" y="1171648"/>
             <a:ext cx="6058811" cy="856179"/>
           </a:xfrm>
@@ -12864,7 +13068,7 @@
           </a:prstGeom>
         </p:spPr>
         <p:txBody>
-          <a:bodyPr anchor="t" rtlCol="false" tIns="0" lIns="0" bIns="0" rIns="0">
+          <a:bodyPr lIns="0" tIns="0" rIns="0" bIns="0" rtlCol="0" anchor="t">
             <a:spAutoFit/>
           </a:bodyPr>
           <a:lstStyle/>
@@ -12891,12 +13095,12 @@
       </p:sp>
       <p:sp>
         <p:nvSpPr>
-          <p:cNvPr name="Freeform 18" id="18"/>
+          <p:cNvPr id="18" name="Freeform 18"/>
           <p:cNvSpPr/>
           <p:nvPr/>
         </p:nvSpPr>
         <p:spPr>
-          <a:xfrm flipH="false" flipV="false" rot="0">
+          <a:xfrm>
             <a:off x="-736472" y="3168749"/>
             <a:ext cx="1765172" cy="1434604"/>
           </a:xfrm>
@@ -12905,9 +13109,9 @@
             <a:gdLst/>
             <a:ahLst/>
             <a:cxnLst/>
-            <a:rect r="r" b="b" t="t" l="l"/>
+            <a:rect l="l" t="t" r="r" b="b"/>
             <a:pathLst>
-              <a:path h="1434604" w="1765172">
+              <a:path w="1765172" h="1434604">
                 <a:moveTo>
                   <a:pt x="0" y="0"/>
                 </a:moveTo>
@@ -12936,19 +13140,19 @@
               </a:extLst>
             </a:blip>
             <a:stretch>
-              <a:fillRect l="0" t="0" r="0" b="0"/>
+              <a:fillRect/>
             </a:stretch>
           </a:blipFill>
         </p:spPr>
       </p:sp>
       <p:sp>
         <p:nvSpPr>
-          <p:cNvPr name="Freeform 19" id="19"/>
+          <p:cNvPr id="19" name="Freeform 19"/>
           <p:cNvSpPr/>
           <p:nvPr/>
         </p:nvSpPr>
         <p:spPr>
-          <a:xfrm flipH="true" flipV="true" rot="0">
+          <a:xfrm flipH="1" flipV="1">
             <a:off x="17188289" y="3168749"/>
             <a:ext cx="1765172" cy="1434604"/>
           </a:xfrm>
@@ -12957,9 +13161,9 @@
             <a:gdLst/>
             <a:ahLst/>
             <a:cxnLst/>
-            <a:rect r="r" b="b" t="t" l="l"/>
+            <a:rect l="l" t="t" r="r" b="b"/>
             <a:pathLst>
-              <a:path h="1434604" w="1765172">
+              <a:path w="1765172" h="1434604">
                 <a:moveTo>
                   <a:pt x="1765172" y="1434604"/>
                 </a:moveTo>
@@ -12988,19 +13192,19 @@
               </a:extLst>
             </a:blip>
             <a:stretch>
-              <a:fillRect l="0" t="0" r="0" b="0"/>
+              <a:fillRect/>
             </a:stretch>
           </a:blipFill>
         </p:spPr>
       </p:sp>
       <p:sp>
         <p:nvSpPr>
-          <p:cNvPr name="TextBox 20" id="20"/>
-          <p:cNvSpPr txBox="true"/>
-          <p:nvPr/>
-        </p:nvSpPr>
-        <p:spPr>
-          <a:xfrm rot="0">
+          <p:cNvPr id="20" name="TextBox 20"/>
+          <p:cNvSpPr txBox="1"/>
+          <p:nvPr/>
+        </p:nvSpPr>
+        <p:spPr>
+          <a:xfrm>
             <a:off x="3213713" y="2056402"/>
             <a:ext cx="10257383" cy="942975"/>
           </a:xfrm>
@@ -13009,7 +13213,7 @@
           </a:prstGeom>
         </p:spPr>
         <p:txBody>
-          <a:bodyPr anchor="t" rtlCol="false" tIns="0" lIns="0" bIns="0" rIns="0">
+          <a:bodyPr lIns="0" tIns="0" rIns="0" bIns="0" rtlCol="0" anchor="t">
             <a:spAutoFit/>
           </a:bodyPr>
           <a:lstStyle/>
@@ -13036,12 +13240,12 @@
       </p:sp>
       <p:sp>
         <p:nvSpPr>
-          <p:cNvPr name="TextBox 21" id="21"/>
-          <p:cNvSpPr txBox="true"/>
-          <p:nvPr/>
-        </p:nvSpPr>
-        <p:spPr>
-          <a:xfrm rot="0">
+          <p:cNvPr id="21" name="TextBox 21"/>
+          <p:cNvSpPr txBox="1"/>
+          <p:nvPr/>
+        </p:nvSpPr>
+        <p:spPr>
+          <a:xfrm>
             <a:off x="3213713" y="3028950"/>
             <a:ext cx="10257383" cy="2114550"/>
           </a:xfrm>
@@ -13050,7 +13254,7 @@
           </a:prstGeom>
         </p:spPr>
         <p:txBody>
-          <a:bodyPr anchor="t" rtlCol="false" tIns="0" lIns="0" bIns="0" rIns="0">
+          <a:bodyPr lIns="0" tIns="0" rIns="0" bIns="0" rtlCol="0" anchor="t">
             <a:spAutoFit/>
           </a:bodyPr>
           <a:lstStyle/>
@@ -13136,17 +13340,26 @@
                 <a:spcPts val="3120"/>
               </a:lnSpc>
             </a:pPr>
+            <a:endParaRPr lang="en-US" sz="2600" spc="-78">
+              <a:solidFill>
+                <a:srgbClr val="3D3D3D"/>
+              </a:solidFill>
+              <a:latin typeface="Mommi Light"/>
+              <a:ea typeface="Mommi Light"/>
+              <a:cs typeface="Mommi Light"/>
+              <a:sym typeface="Mommi Light"/>
+            </a:endParaRPr>
           </a:p>
         </p:txBody>
       </p:sp>
       <p:sp>
         <p:nvSpPr>
-          <p:cNvPr name="TextBox 22" id="22"/>
-          <p:cNvSpPr txBox="true"/>
-          <p:nvPr/>
-        </p:nvSpPr>
-        <p:spPr>
-          <a:xfrm rot="0">
+          <p:cNvPr id="22" name="TextBox 22"/>
+          <p:cNvSpPr txBox="1"/>
+          <p:nvPr/>
+        </p:nvSpPr>
+        <p:spPr>
+          <a:xfrm>
             <a:off x="3213713" y="4981575"/>
             <a:ext cx="10257383" cy="2114550"/>
           </a:xfrm>
@@ -13155,7 +13368,7 @@
           </a:prstGeom>
         </p:spPr>
         <p:txBody>
-          <a:bodyPr anchor="t" rtlCol="false" tIns="0" lIns="0" bIns="0" rIns="0">
+          <a:bodyPr lIns="0" tIns="0" rIns="0" bIns="0" rtlCol="0" anchor="t">
             <a:spAutoFit/>
           </a:bodyPr>
           <a:lstStyle/>
@@ -13241,17 +13454,26 @@
                 <a:spcPts val="3120"/>
               </a:lnSpc>
             </a:pPr>
+            <a:endParaRPr lang="en-US" sz="2600" spc="-78">
+              <a:solidFill>
+                <a:srgbClr val="3D3D3D"/>
+              </a:solidFill>
+              <a:latin typeface="Mommi Light"/>
+              <a:ea typeface="Mommi Light"/>
+              <a:cs typeface="Mommi Light"/>
+              <a:sym typeface="Mommi Light"/>
+            </a:endParaRPr>
           </a:p>
         </p:txBody>
       </p:sp>
       <p:sp>
         <p:nvSpPr>
-          <p:cNvPr name="TextBox 23" id="23"/>
-          <p:cNvSpPr txBox="true"/>
-          <p:nvPr/>
-        </p:nvSpPr>
-        <p:spPr>
-          <a:xfrm rot="0">
+          <p:cNvPr id="23" name="TextBox 23"/>
+          <p:cNvSpPr txBox="1"/>
+          <p:nvPr/>
+        </p:nvSpPr>
+        <p:spPr>
+          <a:xfrm>
             <a:off x="3213713" y="6956028"/>
             <a:ext cx="10257383" cy="2114550"/>
           </a:xfrm>
@@ -13260,7 +13482,7 @@
           </a:prstGeom>
         </p:spPr>
         <p:txBody>
-          <a:bodyPr anchor="t" rtlCol="false" tIns="0" lIns="0" bIns="0" rIns="0">
+          <a:bodyPr lIns="0" tIns="0" rIns="0" bIns="0" rtlCol="0" anchor="t">
             <a:spAutoFit/>
           </a:bodyPr>
           <a:lstStyle/>
@@ -13346,6 +13568,15 @@
                 <a:spcPts val="3120"/>
               </a:lnSpc>
             </a:pPr>
+            <a:endParaRPr lang="en-US" sz="2600" spc="-78">
+              <a:solidFill>
+                <a:srgbClr val="3D3D3D"/>
+              </a:solidFill>
+              <a:latin typeface="Mommi Light"/>
+              <a:ea typeface="Mommi Light"/>
+              <a:cs typeface="Mommi Light"/>
+              <a:sym typeface="Mommi Light"/>
+            </a:endParaRPr>
           </a:p>
         </p:txBody>
       </p:sp>
@@ -13358,13 +13589,14 @@
 </file>
 
 <file path=ppt/slides/slide8.xml><?xml version="1.0" encoding="utf-8"?>
-<p:sld xmlns:p="http://schemas.openxmlformats.org/presentationml/2006/main" xmlns:a="http://schemas.openxmlformats.org/drawingml/2006/main" xmlns:r="http://schemas.openxmlformats.org/officeDocument/2006/relationships">
+<p:sld xmlns:a="http://schemas.openxmlformats.org/drawingml/2006/main" xmlns:r="http://schemas.openxmlformats.org/officeDocument/2006/relationships" xmlns:p="http://schemas.openxmlformats.org/presentationml/2006/main">
   <p:cSld>
     <p:bg>
       <p:bgPr>
         <a:solidFill>
           <a:srgbClr val="F3F2F0"/>
         </a:solidFill>
+        <a:effectLst/>
       </p:bgPr>
     </p:bg>
     <p:spTree>
@@ -13383,12 +13615,12 @@
       </p:grpSpPr>
       <p:sp>
         <p:nvSpPr>
-          <p:cNvPr name="Freeform 2" id="2"/>
+          <p:cNvPr id="2" name="Freeform 2"/>
           <p:cNvSpPr/>
           <p:nvPr/>
         </p:nvSpPr>
         <p:spPr>
-          <a:xfrm flipH="false" flipV="false" rot="0">
+          <a:xfrm>
             <a:off x="-1320651" y="-1505948"/>
             <a:ext cx="4181833" cy="4114800"/>
           </a:xfrm>
@@ -13397,9 +13629,9 @@
             <a:gdLst/>
             <a:ahLst/>
             <a:cxnLst/>
-            <a:rect r="r" b="b" t="t" l="l"/>
+            <a:rect l="l" t="t" r="r" b="b"/>
             <a:pathLst>
-              <a:path h="4114800" w="4181833">
+              <a:path w="4181833" h="4114800">
                 <a:moveTo>
                   <a:pt x="0" y="0"/>
                 </a:moveTo>
@@ -13428,19 +13660,19 @@
               </a:extLst>
             </a:blip>
             <a:stretch>
-              <a:fillRect l="0" t="0" r="0" b="0"/>
+              <a:fillRect/>
             </a:stretch>
           </a:blipFill>
         </p:spPr>
       </p:sp>
       <p:sp>
         <p:nvSpPr>
-          <p:cNvPr name="Freeform 3" id="3"/>
+          <p:cNvPr id="3" name="Freeform 3"/>
           <p:cNvSpPr/>
           <p:nvPr/>
         </p:nvSpPr>
         <p:spPr>
-          <a:xfrm flipH="false" flipV="false" rot="0">
+          <a:xfrm>
             <a:off x="14286407" y="6845277"/>
             <a:ext cx="5427194" cy="4114800"/>
           </a:xfrm>
@@ -13449,9 +13681,9 @@
             <a:gdLst/>
             <a:ahLst/>
             <a:cxnLst/>
-            <a:rect r="r" b="b" t="t" l="l"/>
+            <a:rect l="l" t="t" r="r" b="b"/>
             <a:pathLst>
-              <a:path h="4114800" w="5427194">
+              <a:path w="5427194" h="4114800">
                 <a:moveTo>
                   <a:pt x="0" y="0"/>
                 </a:moveTo>
@@ -13480,19 +13712,19 @@
               </a:extLst>
             </a:blip>
             <a:stretch>
-              <a:fillRect l="0" t="0" r="0" b="0"/>
+              <a:fillRect/>
             </a:stretch>
           </a:blipFill>
         </p:spPr>
       </p:sp>
       <p:sp>
         <p:nvSpPr>
-          <p:cNvPr name="Freeform 4" id="4"/>
+          <p:cNvPr id="4" name="Freeform 4"/>
           <p:cNvSpPr/>
           <p:nvPr/>
         </p:nvSpPr>
         <p:spPr>
-          <a:xfrm flipH="false" flipV="false" rot="-10800000">
+          <a:xfrm rot="-10800000">
             <a:off x="12882085" y="9403981"/>
             <a:ext cx="3375087" cy="1257987"/>
           </a:xfrm>
@@ -13501,9 +13733,9 @@
             <a:gdLst/>
             <a:ahLst/>
             <a:cxnLst/>
-            <a:rect r="r" b="b" t="t" l="l"/>
+            <a:rect l="l" t="t" r="r" b="b"/>
             <a:pathLst>
-              <a:path h="1257987" w="3375087">
+              <a:path w="3375087" h="1257987">
                 <a:moveTo>
                   <a:pt x="0" y="0"/>
                 </a:moveTo>
@@ -13532,19 +13764,19 @@
               </a:extLst>
             </a:blip>
             <a:stretch>
-              <a:fillRect l="0" t="0" r="0" b="0"/>
+              <a:fillRect/>
             </a:stretch>
           </a:blipFill>
         </p:spPr>
       </p:sp>
       <p:sp>
         <p:nvSpPr>
-          <p:cNvPr name="Freeform 5" id="5"/>
+          <p:cNvPr id="5" name="Freeform 5"/>
           <p:cNvSpPr/>
           <p:nvPr/>
         </p:nvSpPr>
         <p:spPr>
-          <a:xfrm flipH="false" flipV="false" rot="2193841">
+          <a:xfrm rot="2193841">
             <a:off x="-942013" y="1438500"/>
             <a:ext cx="2216693" cy="2545263"/>
           </a:xfrm>
@@ -13553,9 +13785,9 @@
             <a:gdLst/>
             <a:ahLst/>
             <a:cxnLst/>
-            <a:rect r="r" b="b" t="t" l="l"/>
+            <a:rect l="l" t="t" r="r" b="b"/>
             <a:pathLst>
-              <a:path h="2545263" w="2216693">
+              <a:path w="2216693" h="2545263">
                 <a:moveTo>
                   <a:pt x="0" y="0"/>
                 </a:moveTo>
@@ -13584,19 +13816,19 @@
               </a:extLst>
             </a:blip>
             <a:stretch>
-              <a:fillRect l="0" t="0" r="0" b="0"/>
+              <a:fillRect/>
             </a:stretch>
           </a:blipFill>
         </p:spPr>
       </p:sp>
       <p:sp>
         <p:nvSpPr>
-          <p:cNvPr name="Freeform 6" id="6"/>
+          <p:cNvPr id="6" name="Freeform 6"/>
           <p:cNvSpPr/>
           <p:nvPr/>
         </p:nvSpPr>
         <p:spPr>
-          <a:xfrm flipH="false" flipV="false" rot="0">
+          <a:xfrm>
             <a:off x="17259300" y="4843764"/>
             <a:ext cx="1623151" cy="2807336"/>
           </a:xfrm>
@@ -13605,9 +13837,9 @@
             <a:gdLst/>
             <a:ahLst/>
             <a:cxnLst/>
-            <a:rect r="r" b="b" t="t" l="l"/>
+            <a:rect l="l" t="t" r="r" b="b"/>
             <a:pathLst>
-              <a:path h="2807336" w="1623151">
+              <a:path w="1623151" h="2807336">
                 <a:moveTo>
                   <a:pt x="0" y="0"/>
                 </a:moveTo>
@@ -13636,19 +13868,19 @@
               </a:extLst>
             </a:blip>
             <a:stretch>
-              <a:fillRect l="0" t="0" r="0" b="0"/>
+              <a:fillRect/>
             </a:stretch>
           </a:blipFill>
         </p:spPr>
       </p:sp>
       <p:sp>
         <p:nvSpPr>
-          <p:cNvPr name="Freeform 7" id="7"/>
+          <p:cNvPr id="7" name="Freeform 7"/>
           <p:cNvSpPr/>
           <p:nvPr/>
         </p:nvSpPr>
         <p:spPr>
-          <a:xfrm flipH="false" flipV="false" rot="0">
+          <a:xfrm>
             <a:off x="1814681" y="-3086100"/>
             <a:ext cx="2798064" cy="4114800"/>
           </a:xfrm>
@@ -13657,9 +13889,9 @@
             <a:gdLst/>
             <a:ahLst/>
             <a:cxnLst/>
-            <a:rect r="r" b="b" t="t" l="l"/>
+            <a:rect l="l" t="t" r="r" b="b"/>
             <a:pathLst>
-              <a:path h="4114800" w="2798064">
+              <a:path w="2798064" h="4114800">
                 <a:moveTo>
                   <a:pt x="0" y="0"/>
                 </a:moveTo>
@@ -13688,19 +13920,19 @@
               </a:extLst>
             </a:blip>
             <a:stretch>
-              <a:fillRect l="0" t="0" r="0" b="0"/>
+              <a:fillRect/>
             </a:stretch>
           </a:blipFill>
         </p:spPr>
       </p:sp>
       <p:sp>
         <p:nvSpPr>
-          <p:cNvPr name="Freeform 8" id="8"/>
+          <p:cNvPr id="8" name="Freeform 8"/>
           <p:cNvSpPr/>
           <p:nvPr/>
         </p:nvSpPr>
         <p:spPr>
-          <a:xfrm flipH="false" flipV="false" rot="0">
+          <a:xfrm>
             <a:off x="16569100" y="7854632"/>
             <a:ext cx="2000865" cy="2807336"/>
           </a:xfrm>
@@ -13709,9 +13941,9 @@
             <a:gdLst/>
             <a:ahLst/>
             <a:cxnLst/>
-            <a:rect r="r" b="b" t="t" l="l"/>
+            <a:rect l="l" t="t" r="r" b="b"/>
             <a:pathLst>
-              <a:path h="2807336" w="2000865">
+              <a:path w="2000865" h="2807336">
                 <a:moveTo>
                   <a:pt x="0" y="0"/>
                 </a:moveTo>
@@ -13740,19 +13972,19 @@
               </a:extLst>
             </a:blip>
             <a:stretch>
-              <a:fillRect l="0" t="0" r="0" b="0"/>
+              <a:fillRect/>
             </a:stretch>
           </a:blipFill>
         </p:spPr>
       </p:sp>
       <p:sp>
         <p:nvSpPr>
-          <p:cNvPr name="Freeform 9" id="9"/>
+          <p:cNvPr id="9" name="Freeform 9"/>
           <p:cNvSpPr/>
           <p:nvPr/>
         </p:nvSpPr>
         <p:spPr>
-          <a:xfrm flipH="false" flipV="false" rot="0">
+          <a:xfrm>
             <a:off x="-321736" y="-1028700"/>
             <a:ext cx="1818460" cy="2357136"/>
           </a:xfrm>
@@ -13761,9 +13993,9 @@
             <a:gdLst/>
             <a:ahLst/>
             <a:cxnLst/>
-            <a:rect r="r" b="b" t="t" l="l"/>
+            <a:rect l="l" t="t" r="r" b="b"/>
             <a:pathLst>
-              <a:path h="2357136" w="1818460">
+              <a:path w="1818460" h="2357136">
                 <a:moveTo>
                   <a:pt x="0" y="0"/>
                 </a:moveTo>
@@ -13792,19 +14024,19 @@
               </a:extLst>
             </a:blip>
             <a:stretch>
-              <a:fillRect l="0" t="0" r="0" b="0"/>
+              <a:fillRect/>
             </a:stretch>
           </a:blipFill>
         </p:spPr>
       </p:sp>
       <p:grpSp>
         <p:nvGrpSpPr>
-          <p:cNvPr name="Group 10" id="10"/>
+          <p:cNvPr id="10" name="Group 10"/>
           <p:cNvGrpSpPr/>
           <p:nvPr/>
         </p:nvGrpSpPr>
         <p:grpSpPr>
-          <a:xfrm rot="0">
+          <a:xfrm>
             <a:off x="16311522" y="949784"/>
             <a:ext cx="1026694" cy="1026694"/>
             <a:chOff x="0" y="0"/>
@@ -13813,12 +14045,12 @@
         </p:grpSpPr>
         <p:sp>
           <p:nvSpPr>
-            <p:cNvPr name="Freeform 11" id="11"/>
+            <p:cNvPr id="11" name="Freeform 11"/>
             <p:cNvSpPr/>
             <p:nvPr/>
           </p:nvSpPr>
           <p:spPr>
-            <a:xfrm flipH="false" flipV="false" rot="0">
+            <a:xfrm>
               <a:off x="0" y="0"/>
               <a:ext cx="812800" cy="812800"/>
             </a:xfrm>
@@ -13827,9 +14059,9 @@
               <a:gdLst/>
               <a:ahLst/>
               <a:cxnLst/>
-              <a:rect r="r" b="b" t="t" l="l"/>
+              <a:rect l="l" t="t" r="r" b="b"/>
               <a:pathLst>
-                <a:path h="812800" w="812800">
+                <a:path w="812800" h="812800">
                   <a:moveTo>
                     <a:pt x="406400" y="0"/>
                   </a:moveTo>
@@ -13864,8 +14096,8 @@
         </p:sp>
         <p:sp>
           <p:nvSpPr>
-            <p:cNvPr name="TextBox 12" id="12"/>
-            <p:cNvSpPr txBox="true"/>
+            <p:cNvPr id="12" name="TextBox 12"/>
+            <p:cNvSpPr txBox="1"/>
             <p:nvPr/>
           </p:nvSpPr>
           <p:spPr>
@@ -13878,7 +14110,7 @@
             </a:prstGeom>
           </p:spPr>
           <p:txBody>
-            <a:bodyPr anchor="ctr" rtlCol="false" tIns="50800" lIns="50800" bIns="50800" rIns="50800"/>
+            <a:bodyPr lIns="50800" tIns="50800" rIns="50800" bIns="50800" rtlCol="0" anchor="ctr"/>
             <a:lstStyle/>
             <a:p>
               <a:pPr algn="ctr">
@@ -13886,18 +14118,19 @@
                   <a:spcPts val="2659"/>
                 </a:lnSpc>
               </a:pPr>
+              <a:endParaRPr/>
             </a:p>
           </p:txBody>
         </p:sp>
       </p:grpSp>
       <p:grpSp>
         <p:nvGrpSpPr>
-          <p:cNvPr name="Group 13" id="13"/>
+          <p:cNvPr id="13" name="Group 13"/>
           <p:cNvGrpSpPr/>
           <p:nvPr/>
         </p:nvGrpSpPr>
         <p:grpSpPr>
-          <a:xfrm rot="0">
+          <a:xfrm>
             <a:off x="16390439" y="1028700"/>
             <a:ext cx="868861" cy="868861"/>
             <a:chOff x="0" y="0"/>
@@ -13906,12 +14139,12 @@
         </p:grpSpPr>
         <p:sp>
           <p:nvSpPr>
-            <p:cNvPr name="Freeform 14" id="14"/>
+            <p:cNvPr id="14" name="Freeform 14"/>
             <p:cNvSpPr/>
             <p:nvPr/>
           </p:nvSpPr>
           <p:spPr>
-            <a:xfrm flipH="false" flipV="false" rot="0">
+            <a:xfrm>
               <a:off x="0" y="0"/>
               <a:ext cx="812800" cy="812800"/>
             </a:xfrm>
@@ -13920,9 +14153,9 @@
               <a:gdLst/>
               <a:ahLst/>
               <a:cxnLst/>
-              <a:rect r="r" b="b" t="t" l="l"/>
+              <a:rect l="l" t="t" r="r" b="b"/>
               <a:pathLst>
-                <a:path h="812800" w="812800">
+                <a:path w="812800" h="812800">
                   <a:moveTo>
                     <a:pt x="406400" y="0"/>
                   </a:moveTo>
@@ -13957,8 +14190,8 @@
         </p:sp>
         <p:sp>
           <p:nvSpPr>
-            <p:cNvPr name="TextBox 15" id="15"/>
-            <p:cNvSpPr txBox="true"/>
+            <p:cNvPr id="15" name="TextBox 15"/>
+            <p:cNvSpPr txBox="1"/>
             <p:nvPr/>
           </p:nvSpPr>
           <p:spPr>
@@ -13971,7 +14204,7 @@
             </a:prstGeom>
           </p:spPr>
           <p:txBody>
-            <a:bodyPr anchor="ctr" rtlCol="false" tIns="50800" lIns="50800" bIns="50800" rIns="50800"/>
+            <a:bodyPr lIns="50800" tIns="50800" rIns="50800" bIns="50800" rtlCol="0" anchor="ctr"/>
             <a:lstStyle/>
             <a:p>
               <a:pPr algn="ctr">
@@ -13979,18 +14212,19 @@
                   <a:spcPts val="2659"/>
                 </a:lnSpc>
               </a:pPr>
+              <a:endParaRPr/>
             </a:p>
           </p:txBody>
         </p:sp>
       </p:grpSp>
       <p:sp>
         <p:nvSpPr>
-          <p:cNvPr name="TextBox 16" id="16"/>
-          <p:cNvSpPr txBox="true"/>
-          <p:nvPr/>
-        </p:nvSpPr>
-        <p:spPr>
-          <a:xfrm rot="0">
+          <p:cNvPr id="16" name="TextBox 16"/>
+          <p:cNvSpPr txBox="1"/>
+          <p:nvPr/>
+        </p:nvSpPr>
+        <p:spPr>
+          <a:xfrm>
             <a:off x="16474869" y="1303622"/>
             <a:ext cx="700000" cy="461892"/>
           </a:xfrm>
@@ -13999,7 +14233,7 @@
           </a:prstGeom>
         </p:spPr>
         <p:txBody>
-          <a:bodyPr anchor="t" rtlCol="false" tIns="0" lIns="0" bIns="0" rIns="0">
+          <a:bodyPr lIns="0" tIns="0" rIns="0" bIns="0" rtlCol="0" anchor="t">
             <a:spAutoFit/>
           </a:bodyPr>
           <a:lstStyle/>
@@ -14010,7 +14244,7 @@
               </a:lnSpc>
             </a:pPr>
             <a:r>
-              <a:rPr lang="en-US" b="true" sz="3721">
+              <a:rPr lang="en-US" sz="3721" b="1">
                 <a:solidFill>
                   <a:srgbClr val="F3F2F0"/>
                 </a:solidFill>
@@ -14026,12 +14260,12 @@
       </p:sp>
       <p:sp>
         <p:nvSpPr>
-          <p:cNvPr name="TextBox 17" id="17"/>
-          <p:cNvSpPr txBox="true"/>
-          <p:nvPr/>
-        </p:nvSpPr>
-        <p:spPr>
-          <a:xfrm rot="0">
+          <p:cNvPr id="17" name="TextBox 17"/>
+          <p:cNvSpPr txBox="1"/>
+          <p:nvPr/>
+        </p:nvSpPr>
+        <p:spPr>
+          <a:xfrm>
             <a:off x="3652005" y="607151"/>
             <a:ext cx="6058811" cy="855980"/>
           </a:xfrm>
@@ -14040,7 +14274,7 @@
           </a:prstGeom>
         </p:spPr>
         <p:txBody>
-          <a:bodyPr anchor="t" rtlCol="false" tIns="0" lIns="0" bIns="0" rIns="0">
+          <a:bodyPr lIns="0" tIns="0" rIns="0" bIns="0" rtlCol="0" anchor="t">
             <a:spAutoFit/>
           </a:bodyPr>
           <a:lstStyle/>
@@ -14067,12 +14301,12 @@
       </p:sp>
       <p:sp>
         <p:nvSpPr>
-          <p:cNvPr name="Freeform 18" id="18"/>
+          <p:cNvPr id="18" name="Freeform 18"/>
           <p:cNvSpPr/>
           <p:nvPr/>
         </p:nvSpPr>
         <p:spPr>
-          <a:xfrm flipH="false" flipV="false" rot="0">
+          <a:xfrm>
             <a:off x="-736472" y="3168749"/>
             <a:ext cx="1765172" cy="1434604"/>
           </a:xfrm>
@@ -14081,9 +14315,9 @@
             <a:gdLst/>
             <a:ahLst/>
             <a:cxnLst/>
-            <a:rect r="r" b="b" t="t" l="l"/>
+            <a:rect l="l" t="t" r="r" b="b"/>
             <a:pathLst>
-              <a:path h="1434604" w="1765172">
+              <a:path w="1765172" h="1434604">
                 <a:moveTo>
                   <a:pt x="0" y="0"/>
                 </a:moveTo>
@@ -14112,19 +14346,19 @@
               </a:extLst>
             </a:blip>
             <a:stretch>
-              <a:fillRect l="0" t="0" r="0" b="0"/>
+              <a:fillRect/>
             </a:stretch>
           </a:blipFill>
         </p:spPr>
       </p:sp>
       <p:sp>
         <p:nvSpPr>
-          <p:cNvPr name="Freeform 19" id="19"/>
+          <p:cNvPr id="19" name="Freeform 19"/>
           <p:cNvSpPr/>
           <p:nvPr/>
         </p:nvSpPr>
         <p:spPr>
-          <a:xfrm flipH="true" flipV="true" rot="0">
+          <a:xfrm flipH="1" flipV="1">
             <a:off x="17188289" y="3168749"/>
             <a:ext cx="1765172" cy="1434604"/>
           </a:xfrm>
@@ -14133,9 +14367,9 @@
             <a:gdLst/>
             <a:ahLst/>
             <a:cxnLst/>
-            <a:rect r="r" b="b" t="t" l="l"/>
+            <a:rect l="l" t="t" r="r" b="b"/>
             <a:pathLst>
-              <a:path h="1434604" w="1765172">
+              <a:path w="1765172" h="1434604">
                 <a:moveTo>
                   <a:pt x="1765172" y="1434604"/>
                 </a:moveTo>
@@ -14164,19 +14398,19 @@
               </a:extLst>
             </a:blip>
             <a:stretch>
-              <a:fillRect l="0" t="0" r="0" b="0"/>
+              <a:fillRect/>
             </a:stretch>
           </a:blipFill>
         </p:spPr>
       </p:sp>
       <p:sp>
         <p:nvSpPr>
-          <p:cNvPr name="TextBox 20" id="20"/>
-          <p:cNvSpPr txBox="true"/>
-          <p:nvPr/>
-        </p:nvSpPr>
-        <p:spPr>
-          <a:xfrm rot="0">
+          <p:cNvPr id="20" name="TextBox 20"/>
+          <p:cNvSpPr txBox="1"/>
+          <p:nvPr/>
+        </p:nvSpPr>
+        <p:spPr>
+          <a:xfrm>
             <a:off x="3652005" y="1603589"/>
             <a:ext cx="11333000" cy="1333500"/>
           </a:xfrm>
@@ -14185,7 +14419,7 @@
           </a:prstGeom>
         </p:spPr>
         <p:txBody>
-          <a:bodyPr anchor="t" rtlCol="false" tIns="0" lIns="0" bIns="0" rIns="0">
+          <a:bodyPr lIns="0" tIns="0" rIns="0" bIns="0" rtlCol="0" anchor="t">
             <a:spAutoFit/>
           </a:bodyPr>
           <a:lstStyle/>
@@ -14196,7 +14430,7 @@
               </a:lnSpc>
             </a:pPr>
             <a:r>
-              <a:rPr lang="en-US" sz="2600" spc="-78" b="true">
+              <a:rPr lang="en-US" sz="2600" b="1" spc="-78">
                 <a:solidFill>
                   <a:srgbClr val="3D3D3D"/>
                 </a:solidFill>
@@ -14224,12 +14458,12 @@
       </p:sp>
       <p:sp>
         <p:nvSpPr>
-          <p:cNvPr name="TextBox 21" id="21"/>
-          <p:cNvSpPr txBox="true"/>
-          <p:nvPr/>
-        </p:nvSpPr>
-        <p:spPr>
-          <a:xfrm rot="0">
+          <p:cNvPr id="21" name="TextBox 21"/>
+          <p:cNvSpPr txBox="1"/>
+          <p:nvPr/>
+        </p:nvSpPr>
+        <p:spPr>
+          <a:xfrm>
             <a:off x="3652005" y="3079964"/>
             <a:ext cx="11333000" cy="942975"/>
           </a:xfrm>
@@ -14238,7 +14472,7 @@
           </a:prstGeom>
         </p:spPr>
         <p:txBody>
-          <a:bodyPr anchor="t" rtlCol="false" tIns="0" lIns="0" bIns="0" rIns="0">
+          <a:bodyPr lIns="0" tIns="0" rIns="0" bIns="0" rtlCol="0" anchor="t">
             <a:spAutoFit/>
           </a:bodyPr>
           <a:lstStyle/>
@@ -14249,7 +14483,7 @@
               </a:lnSpc>
             </a:pPr>
             <a:r>
-              <a:rPr lang="en-US" sz="2600" spc="-78" b="true">
+              <a:rPr lang="en-US" sz="2600" b="1" spc="-78">
                 <a:solidFill>
                   <a:srgbClr val="3D3D3D"/>
                 </a:solidFill>
@@ -14277,12 +14511,12 @@
       </p:sp>
       <p:sp>
         <p:nvSpPr>
-          <p:cNvPr name="TextBox 22" id="22"/>
-          <p:cNvSpPr txBox="true"/>
-          <p:nvPr/>
-        </p:nvSpPr>
-        <p:spPr>
-          <a:xfrm rot="0">
+          <p:cNvPr id="22" name="TextBox 22"/>
+          <p:cNvSpPr txBox="1"/>
+          <p:nvPr/>
+        </p:nvSpPr>
+        <p:spPr>
+          <a:xfrm>
             <a:off x="3652005" y="4165814"/>
             <a:ext cx="11333000" cy="1724025"/>
           </a:xfrm>
@@ -14291,7 +14525,7 @@
           </a:prstGeom>
         </p:spPr>
         <p:txBody>
-          <a:bodyPr anchor="t" rtlCol="false" tIns="0" lIns="0" bIns="0" rIns="0">
+          <a:bodyPr lIns="0" tIns="0" rIns="0" bIns="0" rtlCol="0" anchor="t">
             <a:spAutoFit/>
           </a:bodyPr>
           <a:lstStyle/>
@@ -14302,7 +14536,7 @@
               </a:lnSpc>
             </a:pPr>
             <a:r>
-              <a:rPr lang="en-US" sz="2600" spc="-78" b="true">
+              <a:rPr lang="en-US" sz="2600" b="1" spc="-78">
                 <a:solidFill>
                   <a:srgbClr val="3D3D3D"/>
                 </a:solidFill>
@@ -14330,12 +14564,12 @@
       </p:sp>
       <p:sp>
         <p:nvSpPr>
-          <p:cNvPr name="TextBox 23" id="23"/>
-          <p:cNvSpPr txBox="true"/>
-          <p:nvPr/>
-        </p:nvSpPr>
-        <p:spPr>
-          <a:xfrm rot="0">
+          <p:cNvPr id="23" name="TextBox 23"/>
+          <p:cNvSpPr txBox="1"/>
+          <p:nvPr/>
+        </p:nvSpPr>
+        <p:spPr>
+          <a:xfrm>
             <a:off x="3652005" y="6032714"/>
             <a:ext cx="11333000" cy="1333500"/>
           </a:xfrm>
@@ -14344,7 +14578,7 @@
           </a:prstGeom>
         </p:spPr>
         <p:txBody>
-          <a:bodyPr anchor="t" rtlCol="false" tIns="0" lIns="0" bIns="0" rIns="0">
+          <a:bodyPr lIns="0" tIns="0" rIns="0" bIns="0" rtlCol="0" anchor="t">
             <a:spAutoFit/>
           </a:bodyPr>
           <a:lstStyle/>
@@ -14355,7 +14589,7 @@
               </a:lnSpc>
             </a:pPr>
             <a:r>
-              <a:rPr lang="en-US" sz="2600" spc="-78" b="true">
+              <a:rPr lang="en-US" sz="2600" b="1" spc="-78">
                 <a:solidFill>
                   <a:srgbClr val="3D3D3D"/>
                 </a:solidFill>
@@ -14383,12 +14617,12 @@
       </p:sp>
       <p:sp>
         <p:nvSpPr>
-          <p:cNvPr name="TextBox 24" id="24"/>
-          <p:cNvSpPr txBox="true"/>
-          <p:nvPr/>
-        </p:nvSpPr>
-        <p:spPr>
-          <a:xfrm rot="0">
+          <p:cNvPr id="24" name="TextBox 24"/>
+          <p:cNvSpPr txBox="1"/>
+          <p:nvPr/>
+        </p:nvSpPr>
+        <p:spPr>
+          <a:xfrm>
             <a:off x="3652005" y="7339349"/>
             <a:ext cx="11333000" cy="2505075"/>
           </a:xfrm>
@@ -14397,7 +14631,7 @@
           </a:prstGeom>
         </p:spPr>
         <p:txBody>
-          <a:bodyPr anchor="t" rtlCol="false" tIns="0" lIns="0" bIns="0" rIns="0">
+          <a:bodyPr lIns="0" tIns="0" rIns="0" bIns="0" rtlCol="0" anchor="t">
             <a:spAutoFit/>
           </a:bodyPr>
           <a:lstStyle/>
@@ -14408,7 +14642,7 @@
               </a:lnSpc>
             </a:pPr>
             <a:r>
-              <a:rPr lang="en-US" sz="2600" spc="-78" b="true">
+              <a:rPr lang="en-US" sz="2600" b="1" spc="-78">
                 <a:solidFill>
                   <a:srgbClr val="3D3D3D"/>
                 </a:solidFill>
@@ -14443,13 +14677,14 @@
 </file>
 
 <file path=ppt/slides/slide9.xml><?xml version="1.0" encoding="utf-8"?>
-<p:sld xmlns:p="http://schemas.openxmlformats.org/presentationml/2006/main" xmlns:a="http://schemas.openxmlformats.org/drawingml/2006/main" xmlns:r="http://schemas.openxmlformats.org/officeDocument/2006/relationships">
+<p:sld xmlns:a="http://schemas.openxmlformats.org/drawingml/2006/main" xmlns:r="http://schemas.openxmlformats.org/officeDocument/2006/relationships" xmlns:p="http://schemas.openxmlformats.org/presentationml/2006/main">
   <p:cSld>
     <p:bg>
       <p:bgPr>
         <a:solidFill>
           <a:srgbClr val="F3F2F0"/>
         </a:solidFill>
+        <a:effectLst/>
       </p:bgPr>
     </p:bg>
     <p:spTree>
@@ -14468,12 +14703,12 @@
       </p:grpSpPr>
       <p:sp>
         <p:nvSpPr>
-          <p:cNvPr name="Freeform 2" id="2"/>
+          <p:cNvPr id="2" name="Freeform 2"/>
           <p:cNvSpPr/>
           <p:nvPr/>
         </p:nvSpPr>
         <p:spPr>
-          <a:xfrm flipH="false" flipV="false" rot="0">
+          <a:xfrm>
             <a:off x="-1320651" y="-1505948"/>
             <a:ext cx="4181833" cy="4114800"/>
           </a:xfrm>
@@ -14482,9 +14717,9 @@
             <a:gdLst/>
             <a:ahLst/>
             <a:cxnLst/>
-            <a:rect r="r" b="b" t="t" l="l"/>
+            <a:rect l="l" t="t" r="r" b="b"/>
             <a:pathLst>
-              <a:path h="4114800" w="4181833">
+              <a:path w="4181833" h="4114800">
                 <a:moveTo>
                   <a:pt x="0" y="0"/>
                 </a:moveTo>
@@ -14513,19 +14748,19 @@
               </a:extLst>
             </a:blip>
             <a:stretch>
-              <a:fillRect l="0" t="0" r="0" b="0"/>
+              <a:fillRect/>
             </a:stretch>
           </a:blipFill>
         </p:spPr>
       </p:sp>
       <p:sp>
         <p:nvSpPr>
-          <p:cNvPr name="Freeform 3" id="3"/>
+          <p:cNvPr id="3" name="Freeform 3"/>
           <p:cNvSpPr/>
           <p:nvPr/>
         </p:nvSpPr>
         <p:spPr>
-          <a:xfrm flipH="false" flipV="false" rot="0">
+          <a:xfrm>
             <a:off x="14286407" y="6845277"/>
             <a:ext cx="5427194" cy="4114800"/>
           </a:xfrm>
@@ -14534,9 +14769,9 @@
             <a:gdLst/>
             <a:ahLst/>
             <a:cxnLst/>
-            <a:rect r="r" b="b" t="t" l="l"/>
+            <a:rect l="l" t="t" r="r" b="b"/>
             <a:pathLst>
-              <a:path h="4114800" w="5427194">
+              <a:path w="5427194" h="4114800">
                 <a:moveTo>
                   <a:pt x="0" y="0"/>
                 </a:moveTo>
@@ -14565,19 +14800,19 @@
               </a:extLst>
             </a:blip>
             <a:stretch>
-              <a:fillRect l="0" t="0" r="0" b="0"/>
+              <a:fillRect/>
             </a:stretch>
           </a:blipFill>
         </p:spPr>
       </p:sp>
       <p:sp>
         <p:nvSpPr>
-          <p:cNvPr name="Freeform 4" id="4"/>
+          <p:cNvPr id="4" name="Freeform 4"/>
           <p:cNvSpPr/>
           <p:nvPr/>
         </p:nvSpPr>
         <p:spPr>
-          <a:xfrm flipH="false" flipV="false" rot="-10800000">
+          <a:xfrm rot="-10800000">
             <a:off x="12882085" y="9403981"/>
             <a:ext cx="3375087" cy="1257987"/>
           </a:xfrm>
@@ -14586,9 +14821,9 @@
             <a:gdLst/>
             <a:ahLst/>
             <a:cxnLst/>
-            <a:rect r="r" b="b" t="t" l="l"/>
+            <a:rect l="l" t="t" r="r" b="b"/>
             <a:pathLst>
-              <a:path h="1257987" w="3375087">
+              <a:path w="3375087" h="1257987">
                 <a:moveTo>
                   <a:pt x="0" y="0"/>
                 </a:moveTo>
@@ -14617,19 +14852,19 @@
               </a:extLst>
             </a:blip>
             <a:stretch>
-              <a:fillRect l="0" t="0" r="0" b="0"/>
+              <a:fillRect/>
             </a:stretch>
           </a:blipFill>
         </p:spPr>
       </p:sp>
       <p:sp>
         <p:nvSpPr>
-          <p:cNvPr name="Freeform 5" id="5"/>
+          <p:cNvPr id="5" name="Freeform 5"/>
           <p:cNvSpPr/>
           <p:nvPr/>
         </p:nvSpPr>
         <p:spPr>
-          <a:xfrm flipH="false" flipV="false" rot="2193841">
+          <a:xfrm rot="2193841">
             <a:off x="-942013" y="1438500"/>
             <a:ext cx="2216693" cy="2545263"/>
           </a:xfrm>
@@ -14638,9 +14873,9 @@
             <a:gdLst/>
             <a:ahLst/>
             <a:cxnLst/>
-            <a:rect r="r" b="b" t="t" l="l"/>
+            <a:rect l="l" t="t" r="r" b="b"/>
             <a:pathLst>
-              <a:path h="2545263" w="2216693">
+              <a:path w="2216693" h="2545263">
                 <a:moveTo>
                   <a:pt x="0" y="0"/>
                 </a:moveTo>
@@ -14669,19 +14904,19 @@
               </a:extLst>
             </a:blip>
             <a:stretch>
-              <a:fillRect l="0" t="0" r="0" b="0"/>
+              <a:fillRect/>
             </a:stretch>
           </a:blipFill>
         </p:spPr>
       </p:sp>
       <p:sp>
         <p:nvSpPr>
-          <p:cNvPr name="Freeform 6" id="6"/>
+          <p:cNvPr id="6" name="Freeform 6"/>
           <p:cNvSpPr/>
           <p:nvPr/>
         </p:nvSpPr>
         <p:spPr>
-          <a:xfrm flipH="false" flipV="false" rot="0">
+          <a:xfrm>
             <a:off x="17259300" y="4843764"/>
             <a:ext cx="1623151" cy="2807336"/>
           </a:xfrm>
@@ -14690,9 +14925,9 @@
             <a:gdLst/>
             <a:ahLst/>
             <a:cxnLst/>
-            <a:rect r="r" b="b" t="t" l="l"/>
+            <a:rect l="l" t="t" r="r" b="b"/>
             <a:pathLst>
-              <a:path h="2807336" w="1623151">
+              <a:path w="1623151" h="2807336">
                 <a:moveTo>
                   <a:pt x="0" y="0"/>
                 </a:moveTo>
@@ -14721,19 +14956,19 @@
               </a:extLst>
             </a:blip>
             <a:stretch>
-              <a:fillRect l="0" t="0" r="0" b="0"/>
+              <a:fillRect/>
             </a:stretch>
           </a:blipFill>
         </p:spPr>
       </p:sp>
       <p:sp>
         <p:nvSpPr>
-          <p:cNvPr name="Freeform 7" id="7"/>
+          <p:cNvPr id="7" name="Freeform 7"/>
           <p:cNvSpPr/>
           <p:nvPr/>
         </p:nvSpPr>
         <p:spPr>
-          <a:xfrm flipH="false" flipV="false" rot="0">
+          <a:xfrm>
             <a:off x="1814681" y="-3086100"/>
             <a:ext cx="2798064" cy="4114800"/>
           </a:xfrm>
@@ -14742,9 +14977,9 @@
             <a:gdLst/>
             <a:ahLst/>
             <a:cxnLst/>
-            <a:rect r="r" b="b" t="t" l="l"/>
+            <a:rect l="l" t="t" r="r" b="b"/>
             <a:pathLst>
-              <a:path h="4114800" w="2798064">
+              <a:path w="2798064" h="4114800">
                 <a:moveTo>
                   <a:pt x="0" y="0"/>
                 </a:moveTo>
@@ -14773,19 +15008,19 @@
               </a:extLst>
             </a:blip>
             <a:stretch>
-              <a:fillRect l="0" t="0" r="0" b="0"/>
+              <a:fillRect/>
             </a:stretch>
           </a:blipFill>
         </p:spPr>
       </p:sp>
       <p:sp>
         <p:nvSpPr>
-          <p:cNvPr name="Freeform 8" id="8"/>
+          <p:cNvPr id="8" name="Freeform 8"/>
           <p:cNvSpPr/>
           <p:nvPr/>
         </p:nvSpPr>
         <p:spPr>
-          <a:xfrm flipH="false" flipV="false" rot="0">
+          <a:xfrm>
             <a:off x="16569100" y="7854632"/>
             <a:ext cx="2000865" cy="2807336"/>
           </a:xfrm>
@@ -14794,9 +15029,9 @@
             <a:gdLst/>
             <a:ahLst/>
             <a:cxnLst/>
-            <a:rect r="r" b="b" t="t" l="l"/>
+            <a:rect l="l" t="t" r="r" b="b"/>
             <a:pathLst>
-              <a:path h="2807336" w="2000865">
+              <a:path w="2000865" h="2807336">
                 <a:moveTo>
                   <a:pt x="0" y="0"/>
                 </a:moveTo>
@@ -14825,19 +15060,19 @@
               </a:extLst>
             </a:blip>
             <a:stretch>
-              <a:fillRect l="0" t="0" r="0" b="0"/>
+              <a:fillRect/>
             </a:stretch>
           </a:blipFill>
         </p:spPr>
       </p:sp>
       <p:sp>
         <p:nvSpPr>
-          <p:cNvPr name="Freeform 9" id="9"/>
+          <p:cNvPr id="9" name="Freeform 9"/>
           <p:cNvSpPr/>
           <p:nvPr/>
         </p:nvSpPr>
         <p:spPr>
-          <a:xfrm flipH="false" flipV="false" rot="0">
+          <a:xfrm>
             <a:off x="-321736" y="-1028700"/>
             <a:ext cx="1818460" cy="2357136"/>
           </a:xfrm>
@@ -14846,9 +15081,9 @@
             <a:gdLst/>
             <a:ahLst/>
             <a:cxnLst/>
-            <a:rect r="r" b="b" t="t" l="l"/>
+            <a:rect l="l" t="t" r="r" b="b"/>
             <a:pathLst>
-              <a:path h="2357136" w="1818460">
+              <a:path w="1818460" h="2357136">
                 <a:moveTo>
                   <a:pt x="0" y="0"/>
                 </a:moveTo>
@@ -14877,19 +15112,19 @@
               </a:extLst>
             </a:blip>
             <a:stretch>
-              <a:fillRect l="0" t="0" r="0" b="0"/>
+              <a:fillRect/>
             </a:stretch>
           </a:blipFill>
         </p:spPr>
       </p:sp>
       <p:grpSp>
         <p:nvGrpSpPr>
-          <p:cNvPr name="Group 10" id="10"/>
+          <p:cNvPr id="10" name="Group 10"/>
           <p:cNvGrpSpPr/>
           <p:nvPr/>
         </p:nvGrpSpPr>
         <p:grpSpPr>
-          <a:xfrm rot="0">
+          <a:xfrm>
             <a:off x="16311522" y="949784"/>
             <a:ext cx="1026694" cy="1026694"/>
             <a:chOff x="0" y="0"/>
@@ -14898,12 +15133,12 @@
         </p:grpSpPr>
         <p:sp>
           <p:nvSpPr>
-            <p:cNvPr name="Freeform 11" id="11"/>
+            <p:cNvPr id="11" name="Freeform 11"/>
             <p:cNvSpPr/>
             <p:nvPr/>
           </p:nvSpPr>
           <p:spPr>
-            <a:xfrm flipH="false" flipV="false" rot="0">
+            <a:xfrm>
               <a:off x="0" y="0"/>
               <a:ext cx="812800" cy="812800"/>
             </a:xfrm>
@@ -14912,9 +15147,9 @@
               <a:gdLst/>
               <a:ahLst/>
               <a:cxnLst/>
-              <a:rect r="r" b="b" t="t" l="l"/>
+              <a:rect l="l" t="t" r="r" b="b"/>
               <a:pathLst>
-                <a:path h="812800" w="812800">
+                <a:path w="812800" h="812800">
                   <a:moveTo>
                     <a:pt x="406400" y="0"/>
                   </a:moveTo>
@@ -14949,8 +15184,8 @@
         </p:sp>
         <p:sp>
           <p:nvSpPr>
-            <p:cNvPr name="TextBox 12" id="12"/>
-            <p:cNvSpPr txBox="true"/>
+            <p:cNvPr id="12" name="TextBox 12"/>
+            <p:cNvSpPr txBox="1"/>
             <p:nvPr/>
           </p:nvSpPr>
           <p:spPr>
@@ -14963,7 +15198,7 @@
             </a:prstGeom>
           </p:spPr>
           <p:txBody>
-            <a:bodyPr anchor="ctr" rtlCol="false" tIns="50800" lIns="50800" bIns="50800" rIns="50800"/>
+            <a:bodyPr lIns="50800" tIns="50800" rIns="50800" bIns="50800" rtlCol="0" anchor="ctr"/>
             <a:lstStyle/>
             <a:p>
               <a:pPr algn="ctr">
@@ -14971,18 +15206,19 @@
                   <a:spcPts val="2659"/>
                 </a:lnSpc>
               </a:pPr>
+              <a:endParaRPr/>
             </a:p>
           </p:txBody>
         </p:sp>
       </p:grpSp>
       <p:grpSp>
         <p:nvGrpSpPr>
-          <p:cNvPr name="Group 13" id="13"/>
+          <p:cNvPr id="13" name="Group 13"/>
           <p:cNvGrpSpPr/>
           <p:nvPr/>
         </p:nvGrpSpPr>
         <p:grpSpPr>
-          <a:xfrm rot="0">
+          <a:xfrm>
             <a:off x="16390439" y="1028700"/>
             <a:ext cx="868861" cy="868861"/>
             <a:chOff x="0" y="0"/>
@@ -14991,12 +15227,12 @@
         </p:grpSpPr>
         <p:sp>
           <p:nvSpPr>
-            <p:cNvPr name="Freeform 14" id="14"/>
+            <p:cNvPr id="14" name="Freeform 14"/>
             <p:cNvSpPr/>
             <p:nvPr/>
           </p:nvSpPr>
           <p:spPr>
-            <a:xfrm flipH="false" flipV="false" rot="0">
+            <a:xfrm>
               <a:off x="0" y="0"/>
               <a:ext cx="812800" cy="812800"/>
             </a:xfrm>
@@ -15005,9 +15241,9 @@
               <a:gdLst/>
               <a:ahLst/>
               <a:cxnLst/>
-              <a:rect r="r" b="b" t="t" l="l"/>
+              <a:rect l="l" t="t" r="r" b="b"/>
               <a:pathLst>
-                <a:path h="812800" w="812800">
+                <a:path w="812800" h="812800">
                   <a:moveTo>
                     <a:pt x="406400" y="0"/>
                   </a:moveTo>
@@ -15042,8 +15278,8 @@
         </p:sp>
         <p:sp>
           <p:nvSpPr>
-            <p:cNvPr name="TextBox 15" id="15"/>
-            <p:cNvSpPr txBox="true"/>
+            <p:cNvPr id="15" name="TextBox 15"/>
+            <p:cNvSpPr txBox="1"/>
             <p:nvPr/>
           </p:nvSpPr>
           <p:spPr>
@@ -15056,7 +15292,7 @@
             </a:prstGeom>
           </p:spPr>
           <p:txBody>
-            <a:bodyPr anchor="ctr" rtlCol="false" tIns="50800" lIns="50800" bIns="50800" rIns="50800"/>
+            <a:bodyPr lIns="50800" tIns="50800" rIns="50800" bIns="50800" rtlCol="0" anchor="ctr"/>
             <a:lstStyle/>
             <a:p>
               <a:pPr algn="ctr">
@@ -15064,18 +15300,19 @@
                   <a:spcPts val="2659"/>
                 </a:lnSpc>
               </a:pPr>
+              <a:endParaRPr/>
             </a:p>
           </p:txBody>
         </p:sp>
       </p:grpSp>
       <p:sp>
         <p:nvSpPr>
-          <p:cNvPr name="TextBox 16" id="16"/>
-          <p:cNvSpPr txBox="true"/>
-          <p:nvPr/>
-        </p:nvSpPr>
-        <p:spPr>
-          <a:xfrm rot="0">
+          <p:cNvPr id="16" name="TextBox 16"/>
+          <p:cNvSpPr txBox="1"/>
+          <p:nvPr/>
+        </p:nvSpPr>
+        <p:spPr>
+          <a:xfrm>
             <a:off x="2861182" y="1449658"/>
             <a:ext cx="10828645" cy="855980"/>
           </a:xfrm>
@@ -15084,7 +15321,7 @@
           </a:prstGeom>
         </p:spPr>
         <p:txBody>
-          <a:bodyPr anchor="t" rtlCol="false" tIns="0" lIns="0" bIns="0" rIns="0">
+          <a:bodyPr lIns="0" tIns="0" rIns="0" bIns="0" rtlCol="0" anchor="t">
             <a:spAutoFit/>
           </a:bodyPr>
           <a:lstStyle/>
@@ -15111,12 +15348,12 @@
       </p:sp>
       <p:sp>
         <p:nvSpPr>
-          <p:cNvPr name="TextBox 17" id="17"/>
-          <p:cNvSpPr txBox="true"/>
-          <p:nvPr/>
-        </p:nvSpPr>
-        <p:spPr>
-          <a:xfrm rot="0">
+          <p:cNvPr id="17" name="TextBox 17"/>
+          <p:cNvSpPr txBox="1"/>
+          <p:nvPr/>
+        </p:nvSpPr>
+        <p:spPr>
+          <a:xfrm>
             <a:off x="16474869" y="1303622"/>
             <a:ext cx="700000" cy="461892"/>
           </a:xfrm>
@@ -15125,7 +15362,7 @@
           </a:prstGeom>
         </p:spPr>
         <p:txBody>
-          <a:bodyPr anchor="t" rtlCol="false" tIns="0" lIns="0" bIns="0" rIns="0">
+          <a:bodyPr lIns="0" tIns="0" rIns="0" bIns="0" rtlCol="0" anchor="t">
             <a:spAutoFit/>
           </a:bodyPr>
           <a:lstStyle/>
@@ -15136,7 +15373,7 @@
               </a:lnSpc>
             </a:pPr>
             <a:r>
-              <a:rPr lang="en-US" b="true" sz="3721">
+              <a:rPr lang="en-US" sz="3721" b="1">
                 <a:solidFill>
                   <a:srgbClr val="F3F2F0"/>
                 </a:solidFill>
@@ -15152,12 +15389,12 @@
       </p:sp>
       <p:sp>
         <p:nvSpPr>
-          <p:cNvPr name="Freeform 18" id="18"/>
+          <p:cNvPr id="18" name="Freeform 18"/>
           <p:cNvSpPr/>
           <p:nvPr/>
         </p:nvSpPr>
         <p:spPr>
-          <a:xfrm flipH="false" flipV="false" rot="0">
+          <a:xfrm>
             <a:off x="-736472" y="3168749"/>
             <a:ext cx="1765172" cy="1434604"/>
           </a:xfrm>
@@ -15166,9 +15403,9 @@
             <a:gdLst/>
             <a:ahLst/>
             <a:cxnLst/>
-            <a:rect r="r" b="b" t="t" l="l"/>
+            <a:rect l="l" t="t" r="r" b="b"/>
             <a:pathLst>
-              <a:path h="1434604" w="1765172">
+              <a:path w="1765172" h="1434604">
                 <a:moveTo>
                   <a:pt x="0" y="0"/>
                 </a:moveTo>
@@ -15197,19 +15434,19 @@
               </a:extLst>
             </a:blip>
             <a:stretch>
-              <a:fillRect l="0" t="0" r="0" b="0"/>
+              <a:fillRect/>
             </a:stretch>
           </a:blipFill>
         </p:spPr>
       </p:sp>
       <p:sp>
         <p:nvSpPr>
-          <p:cNvPr name="Freeform 19" id="19"/>
+          <p:cNvPr id="19" name="Freeform 19"/>
           <p:cNvSpPr/>
           <p:nvPr/>
         </p:nvSpPr>
         <p:spPr>
-          <a:xfrm flipH="true" flipV="true" rot="0">
+          <a:xfrm flipH="1" flipV="1">
             <a:off x="17188289" y="3168749"/>
             <a:ext cx="1765172" cy="1434604"/>
           </a:xfrm>
@@ -15218,9 +15455,9 @@
             <a:gdLst/>
             <a:ahLst/>
             <a:cxnLst/>
-            <a:rect r="r" b="b" t="t" l="l"/>
+            <a:rect l="l" t="t" r="r" b="b"/>
             <a:pathLst>
-              <a:path h="1434604" w="1765172">
+              <a:path w="1765172" h="1434604">
                 <a:moveTo>
                   <a:pt x="1765172" y="1434604"/>
                 </a:moveTo>
@@ -15249,19 +15486,19 @@
               </a:extLst>
             </a:blip>
             <a:stretch>
-              <a:fillRect l="0" t="0" r="0" b="0"/>
+              <a:fillRect/>
             </a:stretch>
           </a:blipFill>
         </p:spPr>
       </p:sp>
       <p:sp>
         <p:nvSpPr>
-          <p:cNvPr name="TextBox 20" id="20"/>
-          <p:cNvSpPr txBox="true"/>
-          <p:nvPr/>
-        </p:nvSpPr>
-        <p:spPr>
-          <a:xfrm rot="0">
+          <p:cNvPr id="20" name="TextBox 20"/>
+          <p:cNvSpPr txBox="1"/>
+          <p:nvPr/>
+        </p:nvSpPr>
+        <p:spPr>
+          <a:xfrm>
             <a:off x="2861182" y="2326546"/>
             <a:ext cx="15009887" cy="6457950"/>
           </a:xfrm>
@@ -15270,7 +15507,7 @@
           </a:prstGeom>
         </p:spPr>
         <p:txBody>
-          <a:bodyPr anchor="t" rtlCol="false" tIns="0" lIns="0" bIns="0" rIns="0">
+          <a:bodyPr lIns="0" tIns="0" rIns="0" bIns="0" rtlCol="0" anchor="t">
             <a:spAutoFit/>
           </a:bodyPr>
           <a:lstStyle/>
@@ -15432,6 +15669,15 @@
                 <a:spcPts val="3599"/>
               </a:lnSpc>
             </a:pPr>
+            <a:endParaRPr lang="en-US" sz="2999" spc="-89">
+              <a:solidFill>
+                <a:srgbClr val="3D3D3D"/>
+              </a:solidFill>
+              <a:latin typeface="Mommi Light"/>
+              <a:ea typeface="Mommi Light"/>
+              <a:cs typeface="Mommi Light"/>
+              <a:sym typeface="Mommi Light"/>
+            </a:endParaRPr>
           </a:p>
         </p:txBody>
       </p:sp>
